--- a/Activity Flow.pptx
+++ b/Activity Flow.pptx
@@ -289,7 +289,7 @@
           <a:p>
             <a:fld id="{C8F63C33-E5D7-9F4F-83CE-651F8C0917C8}" type="datetimeFigureOut">
               <a:rPr lang="en-US" smtClean="0"/>
-              <a:t>9/22/17</a:t>
+              <a:t>10/2/17</a:t>
             </a:fld>
             <a:endParaRPr lang="en-US"/>
           </a:p>
@@ -459,7 +459,7 @@
           <a:p>
             <a:fld id="{C8F63C33-E5D7-9F4F-83CE-651F8C0917C8}" type="datetimeFigureOut">
               <a:rPr lang="en-US" smtClean="0"/>
-              <a:t>9/22/17</a:t>
+              <a:t>10/2/17</a:t>
             </a:fld>
             <a:endParaRPr lang="en-US"/>
           </a:p>
@@ -639,7 +639,7 @@
           <a:p>
             <a:fld id="{C8F63C33-E5D7-9F4F-83CE-651F8C0917C8}" type="datetimeFigureOut">
               <a:rPr lang="en-US" smtClean="0"/>
-              <a:t>9/22/17</a:t>
+              <a:t>10/2/17</a:t>
             </a:fld>
             <a:endParaRPr lang="en-US"/>
           </a:p>
@@ -809,7 +809,7 @@
           <a:p>
             <a:fld id="{C8F63C33-E5D7-9F4F-83CE-651F8C0917C8}" type="datetimeFigureOut">
               <a:rPr lang="en-US" smtClean="0"/>
-              <a:t>9/22/17</a:t>
+              <a:t>10/2/17</a:t>
             </a:fld>
             <a:endParaRPr lang="en-US"/>
           </a:p>
@@ -1055,7 +1055,7 @@
           <a:p>
             <a:fld id="{C8F63C33-E5D7-9F4F-83CE-651F8C0917C8}" type="datetimeFigureOut">
               <a:rPr lang="en-US" smtClean="0"/>
-              <a:t>9/22/17</a:t>
+              <a:t>10/2/17</a:t>
             </a:fld>
             <a:endParaRPr lang="en-US"/>
           </a:p>
@@ -1343,7 +1343,7 @@
           <a:p>
             <a:fld id="{C8F63C33-E5D7-9F4F-83CE-651F8C0917C8}" type="datetimeFigureOut">
               <a:rPr lang="en-US" smtClean="0"/>
-              <a:t>9/22/17</a:t>
+              <a:t>10/2/17</a:t>
             </a:fld>
             <a:endParaRPr lang="en-US"/>
           </a:p>
@@ -1765,7 +1765,7 @@
           <a:p>
             <a:fld id="{C8F63C33-E5D7-9F4F-83CE-651F8C0917C8}" type="datetimeFigureOut">
               <a:rPr lang="en-US" smtClean="0"/>
-              <a:t>9/22/17</a:t>
+              <a:t>10/2/17</a:t>
             </a:fld>
             <a:endParaRPr lang="en-US"/>
           </a:p>
@@ -1883,7 +1883,7 @@
           <a:p>
             <a:fld id="{C8F63C33-E5D7-9F4F-83CE-651F8C0917C8}" type="datetimeFigureOut">
               <a:rPr lang="en-US" smtClean="0"/>
-              <a:t>9/22/17</a:t>
+              <a:t>10/2/17</a:t>
             </a:fld>
             <a:endParaRPr lang="en-US"/>
           </a:p>
@@ -1978,7 +1978,7 @@
           <a:p>
             <a:fld id="{C8F63C33-E5D7-9F4F-83CE-651F8C0917C8}" type="datetimeFigureOut">
               <a:rPr lang="en-US" smtClean="0"/>
-              <a:t>9/22/17</a:t>
+              <a:t>10/2/17</a:t>
             </a:fld>
             <a:endParaRPr lang="en-US"/>
           </a:p>
@@ -2255,7 +2255,7 @@
           <a:p>
             <a:fld id="{C8F63C33-E5D7-9F4F-83CE-651F8C0917C8}" type="datetimeFigureOut">
               <a:rPr lang="en-US" smtClean="0"/>
-              <a:t>9/22/17</a:t>
+              <a:t>10/2/17</a:t>
             </a:fld>
             <a:endParaRPr lang="en-US"/>
           </a:p>
@@ -2508,7 +2508,7 @@
           <a:p>
             <a:fld id="{C8F63C33-E5D7-9F4F-83CE-651F8C0917C8}" type="datetimeFigureOut">
               <a:rPr lang="en-US" smtClean="0"/>
-              <a:t>9/22/17</a:t>
+              <a:t>10/2/17</a:t>
             </a:fld>
             <a:endParaRPr lang="en-US"/>
           </a:p>
@@ -2721,7 +2721,7 @@
           <a:p>
             <a:fld id="{C8F63C33-E5D7-9F4F-83CE-651F8C0917C8}" type="datetimeFigureOut">
               <a:rPr lang="en-US" smtClean="0"/>
-              <a:t>9/22/17</a:t>
+              <a:t>10/2/17</a:t>
             </a:fld>
             <a:endParaRPr lang="en-US"/>
           </a:p>
@@ -4576,7 +4576,7 @@
         </p:nvSpPr>
         <p:spPr>
           <a:xfrm>
-            <a:off x="2495309" y="4442566"/>
+            <a:off x="1556417" y="4700597"/>
             <a:ext cx="737251" cy="276999"/>
           </a:xfrm>
           <a:prstGeom prst="rect">
@@ -4607,7 +4607,7 @@
         </p:nvSpPr>
         <p:spPr>
           <a:xfrm>
-            <a:off x="2092037" y="4165230"/>
+            <a:off x="1153145" y="4423261"/>
             <a:ext cx="1420091" cy="277336"/>
           </a:xfrm>
           <a:prstGeom prst="rect">
@@ -4691,8 +4691,8 @@
         </p:nvCxnSpPr>
         <p:spPr>
           <a:xfrm rot="16200000" flipH="1">
-            <a:off x="270225" y="2482086"/>
-            <a:ext cx="1851768" cy="1791856"/>
+            <a:off x="-380588" y="3028195"/>
+            <a:ext cx="2214503" cy="852964"/>
           </a:xfrm>
           <a:prstGeom prst="curvedConnector2">
             <a:avLst/>
@@ -4726,12 +4726,15 @@
           <p:nvPr/>
         </p:nvCxnSpPr>
         <p:spPr>
-          <a:xfrm rot="16200000" flipH="1">
-            <a:off x="1541666" y="3753526"/>
-            <a:ext cx="452551" cy="648191"/>
-          </a:xfrm>
-          <a:prstGeom prst="curvedConnector2">
-            <a:avLst/>
+          <a:xfrm rot="5400000">
+            <a:off x="943205" y="4061288"/>
+            <a:ext cx="710582" cy="290701"/>
+          </a:xfrm>
+          <a:prstGeom prst="curvedConnector4">
+            <a:avLst>
+              <a:gd name="adj1" fmla="val 40243"/>
+              <a:gd name="adj2" fmla="val 178638"/>
+            </a:avLst>
           </a:prstGeom>
           <a:ln w="19050" cmpd="sng">
             <a:tailEnd type="arrow"/>
@@ -4760,7 +4763,7 @@
         </p:nvSpPr>
         <p:spPr>
           <a:xfrm>
-            <a:off x="4666270" y="3990015"/>
+            <a:off x="5663474" y="3990015"/>
             <a:ext cx="941033" cy="276999"/>
           </a:xfrm>
           <a:prstGeom prst="rect">
@@ -4791,7 +4794,7 @@
         </p:nvSpPr>
         <p:spPr>
           <a:xfrm>
-            <a:off x="4364889" y="3712679"/>
+            <a:off x="5362093" y="3712679"/>
             <a:ext cx="1420091" cy="277336"/>
           </a:xfrm>
           <a:prstGeom prst="rect">
@@ -4834,7 +4837,7 @@
         </p:nvSpPr>
         <p:spPr>
           <a:xfrm>
-            <a:off x="6706829" y="3990014"/>
+            <a:off x="7528604" y="3990014"/>
             <a:ext cx="1082348" cy="276999"/>
           </a:xfrm>
           <a:prstGeom prst="rect">
@@ -4865,7 +4868,7 @@
         </p:nvSpPr>
         <p:spPr>
           <a:xfrm>
-            <a:off x="6476105" y="3712678"/>
+            <a:off x="7297880" y="3712678"/>
             <a:ext cx="1420091" cy="277336"/>
           </a:xfrm>
           <a:prstGeom prst="rect">
@@ -4908,7 +4911,7 @@
         </p:nvSpPr>
         <p:spPr>
           <a:xfrm>
-            <a:off x="4606872" y="4980398"/>
+            <a:off x="3681482" y="4995018"/>
             <a:ext cx="1059830" cy="276999"/>
           </a:xfrm>
           <a:prstGeom prst="rect">
@@ -4939,7 +4942,7 @@
         </p:nvSpPr>
         <p:spPr>
           <a:xfrm>
-            <a:off x="4364889" y="4703062"/>
+            <a:off x="3439499" y="4717682"/>
             <a:ext cx="1420091" cy="277336"/>
           </a:xfrm>
           <a:prstGeom prst="rect">
@@ -4982,7 +4985,7 @@
         </p:nvSpPr>
         <p:spPr>
           <a:xfrm>
-            <a:off x="6649124" y="4996901"/>
+            <a:off x="5993522" y="4977596"/>
             <a:ext cx="1197764" cy="276999"/>
           </a:xfrm>
           <a:prstGeom prst="rect">
@@ -5013,7 +5016,7 @@
         </p:nvSpPr>
         <p:spPr>
           <a:xfrm>
-            <a:off x="6476105" y="4719565"/>
+            <a:off x="5820503" y="4700260"/>
             <a:ext cx="1420091" cy="277336"/>
           </a:xfrm>
           <a:prstGeom prst="rect">
@@ -5056,7 +5059,7 @@
         </p:nvSpPr>
         <p:spPr>
           <a:xfrm>
-            <a:off x="6573367" y="5937040"/>
+            <a:off x="5917765" y="5917735"/>
             <a:ext cx="1349273" cy="276999"/>
           </a:xfrm>
           <a:prstGeom prst="rect">
@@ -5087,7 +5090,7 @@
         </p:nvSpPr>
         <p:spPr>
           <a:xfrm>
-            <a:off x="6476105" y="5659704"/>
+            <a:off x="5820503" y="5640399"/>
             <a:ext cx="1420091" cy="277336"/>
           </a:xfrm>
           <a:prstGeom prst="rect">
@@ -5127,16 +5130,19 @@
           <p:cNvPr id="104" name="Curved Connector 103"/>
           <p:cNvCxnSpPr>
             <a:stCxn id="74" idx="3"/>
+            <a:endCxn id="63" idx="1"/>
           </p:cNvCxnSpPr>
           <p:nvPr/>
         </p:nvCxnSpPr>
         <p:spPr>
           <a:xfrm flipV="1">
-            <a:off x="3512128" y="2879586"/>
-            <a:ext cx="229698" cy="1424312"/>
-          </a:xfrm>
-          <a:prstGeom prst="curvedConnector2">
-            <a:avLst/>
+            <a:off x="2573236" y="2729466"/>
+            <a:ext cx="1168589" cy="1832463"/>
+          </a:xfrm>
+          <a:prstGeom prst="curvedConnector3">
+            <a:avLst>
+              <a:gd name="adj1" fmla="val 50000"/>
+            </a:avLst>
           </a:prstGeom>
           <a:ln w="19050" cmpd="sng">
             <a:tailEnd type="arrow"/>
@@ -5162,14 +5168,14 @@
           <p:cNvPr id="107" name="Curved Connector 106"/>
           <p:cNvCxnSpPr>
             <a:stCxn id="74" idx="3"/>
-            <a:endCxn id="95" idx="1"/>
+            <a:endCxn id="82" idx="1"/>
           </p:cNvCxnSpPr>
           <p:nvPr/>
         </p:nvCxnSpPr>
         <p:spPr>
           <a:xfrm flipV="1">
-            <a:off x="3512128" y="3851347"/>
-            <a:ext cx="852761" cy="452551"/>
+            <a:off x="2573236" y="3851346"/>
+            <a:ext cx="889244" cy="710583"/>
           </a:xfrm>
           <a:prstGeom prst="curvedConnector3">
             <a:avLst>
@@ -5206,8 +5212,8 @@
         </p:nvCxnSpPr>
         <p:spPr>
           <a:xfrm>
-            <a:off x="3512128" y="4303898"/>
-            <a:ext cx="852761" cy="537832"/>
+            <a:off x="2573236" y="4561929"/>
+            <a:ext cx="866263" cy="294421"/>
           </a:xfrm>
           <a:prstGeom prst="curvedConnector3">
             <a:avLst>
@@ -5241,7 +5247,7 @@
         </p:nvSpPr>
         <p:spPr>
           <a:xfrm>
-            <a:off x="4627096" y="5937040"/>
+            <a:off x="3648321" y="5937973"/>
             <a:ext cx="1172116" cy="276999"/>
           </a:xfrm>
           <a:prstGeom prst="rect">
@@ -5272,7 +5278,7 @@
         </p:nvSpPr>
         <p:spPr>
           <a:xfrm>
-            <a:off x="4441255" y="5659704"/>
+            <a:off x="3462480" y="5660637"/>
             <a:ext cx="1420091" cy="277336"/>
           </a:xfrm>
           <a:prstGeom prst="rect">
@@ -5318,8 +5324,8 @@
         </p:nvCxnSpPr>
         <p:spPr>
           <a:xfrm>
-            <a:off x="3512128" y="4303898"/>
-            <a:ext cx="929127" cy="1494474"/>
+            <a:off x="2573236" y="4561929"/>
+            <a:ext cx="889244" cy="1237376"/>
           </a:xfrm>
           <a:prstGeom prst="curvedConnector3">
             <a:avLst>
@@ -5356,8 +5362,8 @@
         </p:nvCxnSpPr>
         <p:spPr>
           <a:xfrm flipV="1">
-            <a:off x="5784980" y="3851346"/>
-            <a:ext cx="691125" cy="1"/>
+            <a:off x="6782184" y="3851346"/>
+            <a:ext cx="515696" cy="1"/>
           </a:xfrm>
           <a:prstGeom prst="curvedConnector3">
             <a:avLst>
@@ -5393,9 +5399,9 @@
           <p:nvPr/>
         </p:nvCxnSpPr>
         <p:spPr>
-          <a:xfrm>
-            <a:off x="5784980" y="4841730"/>
-            <a:ext cx="691125" cy="16503"/>
+          <a:xfrm flipV="1">
+            <a:off x="4859590" y="4838928"/>
+            <a:ext cx="960913" cy="17422"/>
           </a:xfrm>
           <a:prstGeom prst="curvedConnector3">
             <a:avLst>
@@ -5432,8 +5438,8 @@
         </p:nvCxnSpPr>
         <p:spPr>
           <a:xfrm>
-            <a:off x="5784980" y="4841730"/>
-            <a:ext cx="691125" cy="956642"/>
+            <a:off x="4859590" y="4856350"/>
+            <a:ext cx="960913" cy="922717"/>
           </a:xfrm>
           <a:prstGeom prst="curvedConnector3">
             <a:avLst>
@@ -5690,6 +5696,118 @@
           <a:ln w="19050" cmpd="sng">
             <a:headEnd type="arrow"/>
             <a:tailEnd type="none"/>
+          </a:ln>
+        </p:spPr>
+        <p:style>
+          <a:lnRef idx="1">
+            <a:schemeClr val="dk1"/>
+          </a:lnRef>
+          <a:fillRef idx="0">
+            <a:schemeClr val="dk1"/>
+          </a:fillRef>
+          <a:effectRef idx="0">
+            <a:schemeClr val="dk1"/>
+          </a:effectRef>
+          <a:fontRef idx="minor">
+            <a:schemeClr val="tx1"/>
+          </a:fontRef>
+        </p:style>
+      </p:cxnSp>
+      <p:sp>
+        <p:nvSpPr>
+          <p:cNvPr id="81" name="TextBox 80"/>
+          <p:cNvSpPr txBox="1"/>
+          <p:nvPr/>
+        </p:nvSpPr>
+        <p:spPr>
+          <a:xfrm>
+            <a:off x="3423650" y="3990014"/>
+            <a:ext cx="1497751" cy="276999"/>
+          </a:xfrm>
+          <a:prstGeom prst="rect">
+            <a:avLst/>
+          </a:prstGeom>
+          <a:noFill/>
+        </p:spPr>
+        <p:txBody>
+          <a:bodyPr wrap="none" rtlCol="0">
+            <a:spAutoFit/>
+          </a:bodyPr>
+          <a:lstStyle/>
+          <a:p>
+            <a:pPr algn="ctr"/>
+            <a:r>
+              <a:rPr lang="en-US" sz="1200" dirty="0" err="1" smtClean="0"/>
+              <a:t>A_SCSiteVolCalendar</a:t>
+            </a:r>
+            <a:endParaRPr lang="en-US" sz="1200" dirty="0"/>
+          </a:p>
+        </p:txBody>
+      </p:sp>
+      <p:sp>
+        <p:nvSpPr>
+          <p:cNvPr id="82" name="Rectangle 81"/>
+          <p:cNvSpPr/>
+          <p:nvPr/>
+        </p:nvSpPr>
+        <p:spPr>
+          <a:xfrm>
+            <a:off x="3462480" y="3712678"/>
+            <a:ext cx="1420091" cy="277336"/>
+          </a:xfrm>
+          <a:prstGeom prst="rect">
+            <a:avLst/>
+          </a:prstGeom>
+          <a:ln/>
+        </p:spPr>
+        <p:style>
+          <a:lnRef idx="2">
+            <a:schemeClr val="dk1"/>
+          </a:lnRef>
+          <a:fillRef idx="1">
+            <a:schemeClr val="lt1"/>
+          </a:fillRef>
+          <a:effectRef idx="0">
+            <a:schemeClr val="dk1"/>
+          </a:effectRef>
+          <a:fontRef idx="minor">
+            <a:schemeClr val="dk1"/>
+          </a:fontRef>
+        </p:style>
+        <p:txBody>
+          <a:bodyPr rtlCol="0" anchor="ctr"/>
+          <a:lstStyle/>
+          <a:p>
+            <a:pPr algn="ctr"/>
+            <a:r>
+              <a:rPr lang="en-US" sz="1200" dirty="0" err="1" smtClean="0"/>
+              <a:t>SCSiteVolCalendar</a:t>
+            </a:r>
+            <a:endParaRPr lang="en-US" sz="1200" dirty="0" smtClean="0"/>
+          </a:p>
+        </p:txBody>
+      </p:sp>
+      <p:cxnSp>
+        <p:nvCxnSpPr>
+          <p:cNvPr id="84" name="Curved Connector 83"/>
+          <p:cNvCxnSpPr>
+            <a:stCxn id="82" idx="3"/>
+            <a:endCxn id="95" idx="1"/>
+          </p:cNvCxnSpPr>
+          <p:nvPr/>
+        </p:nvCxnSpPr>
+        <p:spPr>
+          <a:xfrm>
+            <a:off x="4882571" y="3851346"/>
+            <a:ext cx="479522" cy="1"/>
+          </a:xfrm>
+          <a:prstGeom prst="curvedConnector3">
+            <a:avLst>
+              <a:gd name="adj1" fmla="val 50000"/>
+            </a:avLst>
+          </a:prstGeom>
+          <a:ln w="19050" cmpd="sng">
+            <a:tailEnd type="arrow"/>
           </a:ln>
         </p:spPr>
         <p:style>

--- a/Activity Flow.pptx
+++ b/Activity Flow.pptx
@@ -289,7 +289,7 @@
           <a:p>
             <a:fld id="{C8F63C33-E5D7-9F4F-83CE-651F8C0917C8}" type="datetimeFigureOut">
               <a:rPr lang="en-US" smtClean="0"/>
-              <a:t>10/2/17</a:t>
+              <a:t>11/22/17</a:t>
             </a:fld>
             <a:endParaRPr lang="en-US"/>
           </a:p>
@@ -459,7 +459,7 @@
           <a:p>
             <a:fld id="{C8F63C33-E5D7-9F4F-83CE-651F8C0917C8}" type="datetimeFigureOut">
               <a:rPr lang="en-US" smtClean="0"/>
-              <a:t>10/2/17</a:t>
+              <a:t>11/22/17</a:t>
             </a:fld>
             <a:endParaRPr lang="en-US"/>
           </a:p>
@@ -639,7 +639,7 @@
           <a:p>
             <a:fld id="{C8F63C33-E5D7-9F4F-83CE-651F8C0917C8}" type="datetimeFigureOut">
               <a:rPr lang="en-US" smtClean="0"/>
-              <a:t>10/2/17</a:t>
+              <a:t>11/22/17</a:t>
             </a:fld>
             <a:endParaRPr lang="en-US"/>
           </a:p>
@@ -809,7 +809,7 @@
           <a:p>
             <a:fld id="{C8F63C33-E5D7-9F4F-83CE-651F8C0917C8}" type="datetimeFigureOut">
               <a:rPr lang="en-US" smtClean="0"/>
-              <a:t>10/2/17</a:t>
+              <a:t>11/22/17</a:t>
             </a:fld>
             <a:endParaRPr lang="en-US"/>
           </a:p>
@@ -1055,7 +1055,7 @@
           <a:p>
             <a:fld id="{C8F63C33-E5D7-9F4F-83CE-651F8C0917C8}" type="datetimeFigureOut">
               <a:rPr lang="en-US" smtClean="0"/>
-              <a:t>10/2/17</a:t>
+              <a:t>11/22/17</a:t>
             </a:fld>
             <a:endParaRPr lang="en-US"/>
           </a:p>
@@ -1343,7 +1343,7 @@
           <a:p>
             <a:fld id="{C8F63C33-E5D7-9F4F-83CE-651F8C0917C8}" type="datetimeFigureOut">
               <a:rPr lang="en-US" smtClean="0"/>
-              <a:t>10/2/17</a:t>
+              <a:t>11/22/17</a:t>
             </a:fld>
             <a:endParaRPr lang="en-US"/>
           </a:p>
@@ -1765,7 +1765,7 @@
           <a:p>
             <a:fld id="{C8F63C33-E5D7-9F4F-83CE-651F8C0917C8}" type="datetimeFigureOut">
               <a:rPr lang="en-US" smtClean="0"/>
-              <a:t>10/2/17</a:t>
+              <a:t>11/22/17</a:t>
             </a:fld>
             <a:endParaRPr lang="en-US"/>
           </a:p>
@@ -1883,7 +1883,7 @@
           <a:p>
             <a:fld id="{C8F63C33-E5D7-9F4F-83CE-651F8C0917C8}" type="datetimeFigureOut">
               <a:rPr lang="en-US" smtClean="0"/>
-              <a:t>10/2/17</a:t>
+              <a:t>11/22/17</a:t>
             </a:fld>
             <a:endParaRPr lang="en-US"/>
           </a:p>
@@ -1978,7 +1978,7 @@
           <a:p>
             <a:fld id="{C8F63C33-E5D7-9F4F-83CE-651F8C0917C8}" type="datetimeFigureOut">
               <a:rPr lang="en-US" smtClean="0"/>
-              <a:t>10/2/17</a:t>
+              <a:t>11/22/17</a:t>
             </a:fld>
             <a:endParaRPr lang="en-US"/>
           </a:p>
@@ -2255,7 +2255,7 @@
           <a:p>
             <a:fld id="{C8F63C33-E5D7-9F4F-83CE-651F8C0917C8}" type="datetimeFigureOut">
               <a:rPr lang="en-US" smtClean="0"/>
-              <a:t>10/2/17</a:t>
+              <a:t>11/22/17</a:t>
             </a:fld>
             <a:endParaRPr lang="en-US"/>
           </a:p>
@@ -2508,7 +2508,7 @@
           <a:p>
             <a:fld id="{C8F63C33-E5D7-9F4F-83CE-651F8C0917C8}" type="datetimeFigureOut">
               <a:rPr lang="en-US" smtClean="0"/>
-              <a:t>10/2/17</a:t>
+              <a:t>11/22/17</a:t>
             </a:fld>
             <a:endParaRPr lang="en-US"/>
           </a:p>
@@ -2721,7 +2721,7 @@
           <a:p>
             <a:fld id="{C8F63C33-E5D7-9F4F-83CE-651F8C0917C8}" type="datetimeFigureOut">
               <a:rPr lang="en-US" smtClean="0"/>
-              <a:t>10/2/17</a:t>
+              <a:t>11/22/17</a:t>
             </a:fld>
             <a:endParaRPr lang="en-US"/>
           </a:p>
@@ -3172,8 +3172,8 @@
         </p:nvSpPr>
         <p:spPr>
           <a:xfrm>
-            <a:off x="519546" y="531090"/>
-            <a:ext cx="979755" cy="276999"/>
+            <a:off x="446861" y="531090"/>
+            <a:ext cx="1125128" cy="276999"/>
           </a:xfrm>
           <a:prstGeom prst="rect">
             <a:avLst/>
@@ -3189,50 +3189,7 @@
             <a:pPr algn="ctr"/>
             <a:r>
               <a:rPr lang="en-US" sz="1200" dirty="0" err="1" smtClean="0"/>
-              <a:t>MainActivity</a:t>
-            </a:r>
-            <a:endParaRPr lang="en-US" sz="1200" dirty="0"/>
-          </a:p>
-        </p:txBody>
-      </p:sp>
-      <p:sp>
-        <p:nvSpPr>
-          <p:cNvPr id="6" name="Rectangle 5"/>
-          <p:cNvSpPr/>
-          <p:nvPr/>
-        </p:nvSpPr>
-        <p:spPr>
-          <a:xfrm>
-            <a:off x="300181" y="253754"/>
-            <a:ext cx="1420091" cy="277336"/>
-          </a:xfrm>
-          <a:prstGeom prst="rect">
-            <a:avLst/>
-          </a:prstGeom>
-          <a:ln/>
-        </p:spPr>
-        <p:style>
-          <a:lnRef idx="2">
-            <a:schemeClr val="dk1"/>
-          </a:lnRef>
-          <a:fillRef idx="1">
-            <a:schemeClr val="lt1"/>
-          </a:fillRef>
-          <a:effectRef idx="0">
-            <a:schemeClr val="dk1"/>
-          </a:effectRef>
-          <a:fontRef idx="minor">
-            <a:schemeClr val="dk1"/>
-          </a:fontRef>
-        </p:style>
-        <p:txBody>
-          <a:bodyPr rtlCol="0" anchor="ctr"/>
-          <a:lstStyle/>
-          <a:p>
-            <a:pPr algn="ctr"/>
-            <a:r>
-              <a:rPr lang="en-US" sz="1200" dirty="0" smtClean="0"/>
-              <a:t>Main</a:t>
+              <a:t>ViewController</a:t>
             </a:r>
             <a:endParaRPr lang="en-US" sz="1200" dirty="0"/>
           </a:p>
@@ -3246,8 +3203,8 @@
         </p:nvSpPr>
         <p:spPr>
           <a:xfrm>
-            <a:off x="891311" y="1560944"/>
-            <a:ext cx="736099" cy="276999"/>
+            <a:off x="787630" y="1975411"/>
+            <a:ext cx="569387" cy="276999"/>
           </a:xfrm>
           <a:prstGeom prst="rect">
             <a:avLst/>
@@ -3262,49 +3219,6 @@
           <a:p>
             <a:pPr algn="ctr"/>
             <a:r>
-              <a:rPr lang="en-US" sz="1200" dirty="0" err="1" smtClean="0"/>
-              <a:t>A_About</a:t>
-            </a:r>
-            <a:endParaRPr lang="en-US" sz="1200" dirty="0"/>
-          </a:p>
-        </p:txBody>
-      </p:sp>
-      <p:sp>
-        <p:nvSpPr>
-          <p:cNvPr id="8" name="Rectangle 7"/>
-          <p:cNvSpPr/>
-          <p:nvPr/>
-        </p:nvSpPr>
-        <p:spPr>
-          <a:xfrm>
-            <a:off x="671946" y="1283608"/>
-            <a:ext cx="1420091" cy="277336"/>
-          </a:xfrm>
-          <a:prstGeom prst="rect">
-            <a:avLst/>
-          </a:prstGeom>
-          <a:ln/>
-        </p:spPr>
-        <p:style>
-          <a:lnRef idx="2">
-            <a:schemeClr val="dk1"/>
-          </a:lnRef>
-          <a:fillRef idx="1">
-            <a:schemeClr val="lt1"/>
-          </a:fillRef>
-          <a:effectRef idx="0">
-            <a:schemeClr val="dk1"/>
-          </a:effectRef>
-          <a:fontRef idx="minor">
-            <a:schemeClr val="dk1"/>
-          </a:fontRef>
-        </p:style>
-        <p:txBody>
-          <a:bodyPr rtlCol="0" anchor="ctr"/>
-          <a:lstStyle/>
-          <a:p>
-            <a:pPr algn="ctr"/>
-            <a:r>
               <a:rPr lang="en-US" sz="1200" dirty="0" smtClean="0"/>
               <a:t>About</a:t>
             </a:r>
@@ -3320,8 +3234,8 @@
         </p:nvSpPr>
         <p:spPr>
           <a:xfrm>
-            <a:off x="894324" y="2729466"/>
-            <a:ext cx="1105065" cy="276999"/>
+            <a:off x="1098043" y="2729466"/>
+            <a:ext cx="697627" cy="276999"/>
           </a:xfrm>
           <a:prstGeom prst="rect">
             <a:avLst/>
@@ -3336,51 +3250,8 @@
           <a:p>
             <a:pPr algn="ctr"/>
             <a:r>
-              <a:rPr lang="en-US" sz="1200" dirty="0" err="1" smtClean="0"/>
-              <a:t>A_Registration</a:t>
-            </a:r>
-            <a:endParaRPr lang="en-US" sz="1200" dirty="0"/>
-          </a:p>
-        </p:txBody>
-      </p:sp>
-      <p:sp>
-        <p:nvSpPr>
-          <p:cNvPr id="10" name="Rectangle 9"/>
-          <p:cNvSpPr/>
-          <p:nvPr/>
-        </p:nvSpPr>
-        <p:spPr>
-          <a:xfrm>
-            <a:off x="674959" y="2452130"/>
-            <a:ext cx="1420091" cy="277336"/>
-          </a:xfrm>
-          <a:prstGeom prst="rect">
-            <a:avLst/>
-          </a:prstGeom>
-          <a:ln/>
-        </p:spPr>
-        <p:style>
-          <a:lnRef idx="2">
-            <a:schemeClr val="dk1"/>
-          </a:lnRef>
-          <a:fillRef idx="1">
-            <a:schemeClr val="lt1"/>
-          </a:fillRef>
-          <a:effectRef idx="0">
-            <a:schemeClr val="dk1"/>
-          </a:effectRef>
-          <a:fontRef idx="minor">
-            <a:schemeClr val="dk1"/>
-          </a:fontRef>
-        </p:style>
-        <p:txBody>
-          <a:bodyPr rtlCol="0" anchor="ctr"/>
-          <a:lstStyle/>
-          <a:p>
-            <a:pPr algn="ctr"/>
-            <a:r>
               <a:rPr lang="en-US" sz="1200" dirty="0" smtClean="0"/>
-              <a:t>Registration</a:t>
+              <a:t>Register</a:t>
             </a:r>
             <a:endParaRPr lang="en-US" sz="1200" dirty="0"/>
           </a:p>
@@ -3397,13 +3268,13 @@
         </p:nvCxnSpPr>
         <p:spPr>
           <a:xfrm rot="5400000">
-            <a:off x="533592" y="946443"/>
-            <a:ext cx="614187" cy="337478"/>
+            <a:off x="232840" y="1060158"/>
+            <a:ext cx="1028654" cy="524516"/>
           </a:xfrm>
           <a:prstGeom prst="curvedConnector4">
             <a:avLst>
-              <a:gd name="adj1" fmla="val 38711"/>
-              <a:gd name="adj2" fmla="val 167738"/>
+              <a:gd name="adj1" fmla="val 43260"/>
+              <a:gd name="adj2" fmla="val 136979"/>
             </a:avLst>
           </a:prstGeom>
           <a:ln w="19050" cmpd="sng">
@@ -3436,13 +3307,13 @@
         </p:nvCxnSpPr>
         <p:spPr>
           <a:xfrm rot="5400000">
-            <a:off x="-49162" y="1532211"/>
-            <a:ext cx="1782709" cy="334465"/>
+            <a:off x="-49162" y="1532210"/>
+            <a:ext cx="1782709" cy="334466"/>
           </a:xfrm>
           <a:prstGeom prst="curvedConnector4">
             <a:avLst>
-              <a:gd name="adj1" fmla="val 11786"/>
-              <a:gd name="adj2" fmla="val 206319"/>
+              <a:gd name="adj1" fmla="val 46111"/>
+              <a:gd name="adj2" fmla="val 168348"/>
             </a:avLst>
           </a:prstGeom>
           <a:ln w="19050" cmpd="sng">
@@ -3472,8 +3343,8 @@
         </p:nvSpPr>
         <p:spPr>
           <a:xfrm>
-            <a:off x="2288308" y="567696"/>
-            <a:ext cx="1441420" cy="276999"/>
+            <a:off x="2358842" y="567696"/>
+            <a:ext cx="1300356" cy="276999"/>
           </a:xfrm>
           <a:prstGeom prst="rect">
             <a:avLst/>
@@ -3489,49 +3360,6 @@
             <a:pPr algn="ctr"/>
             <a:r>
               <a:rPr lang="en-US" sz="1200" dirty="0" err="1" smtClean="0"/>
-              <a:t>A_VolunteerActivity</a:t>
-            </a:r>
-            <a:endParaRPr lang="en-US" sz="1200" dirty="0"/>
-          </a:p>
-        </p:txBody>
-      </p:sp>
-      <p:sp>
-        <p:nvSpPr>
-          <p:cNvPr id="19" name="Rectangle 18"/>
-          <p:cNvSpPr/>
-          <p:nvPr/>
-        </p:nvSpPr>
-        <p:spPr>
-          <a:xfrm>
-            <a:off x="2288308" y="278908"/>
-            <a:ext cx="1420091" cy="277336"/>
-          </a:xfrm>
-          <a:prstGeom prst="rect">
-            <a:avLst/>
-          </a:prstGeom>
-          <a:ln/>
-        </p:spPr>
-        <p:style>
-          <a:lnRef idx="2">
-            <a:schemeClr val="dk1"/>
-          </a:lnRef>
-          <a:fillRef idx="1">
-            <a:schemeClr val="lt1"/>
-          </a:fillRef>
-          <a:effectRef idx="0">
-            <a:schemeClr val="dk1"/>
-          </a:effectRef>
-          <a:fontRef idx="minor">
-            <a:schemeClr val="dk1"/>
-          </a:fontRef>
-        </p:style>
-        <p:txBody>
-          <a:bodyPr rtlCol="0" anchor="ctr"/>
-          <a:lstStyle/>
-          <a:p>
-            <a:pPr algn="ctr"/>
-            <a:r>
-              <a:rPr lang="en-US" sz="1200" dirty="0" err="1" smtClean="0"/>
               <a:t>VolunteerOptions</a:t>
             </a:r>
             <a:endParaRPr lang="en-US" sz="1200" dirty="0"/>
@@ -3546,8 +3374,8 @@
         </p:nvSpPr>
         <p:spPr>
           <a:xfrm>
-            <a:off x="4364889" y="581428"/>
-            <a:ext cx="1056700" cy="276999"/>
+            <a:off x="4448245" y="581428"/>
+            <a:ext cx="889987" cy="276999"/>
           </a:xfrm>
           <a:prstGeom prst="rect">
             <a:avLst/>
@@ -3563,49 +3391,6 @@
             <a:pPr algn="ctr"/>
             <a:r>
               <a:rPr lang="en-US" sz="1200" dirty="0" err="1" smtClean="0"/>
-              <a:t>A_MySignUps</a:t>
-            </a:r>
-            <a:endParaRPr lang="en-US" sz="1200" dirty="0"/>
-          </a:p>
-        </p:txBody>
-      </p:sp>
-      <p:sp>
-        <p:nvSpPr>
-          <p:cNvPr id="21" name="Rectangle 20"/>
-          <p:cNvSpPr/>
-          <p:nvPr/>
-        </p:nvSpPr>
-        <p:spPr>
-          <a:xfrm>
-            <a:off x="4172526" y="292640"/>
-            <a:ext cx="1420091" cy="277336"/>
-          </a:xfrm>
-          <a:prstGeom prst="rect">
-            <a:avLst/>
-          </a:prstGeom>
-          <a:ln/>
-        </p:spPr>
-        <p:style>
-          <a:lnRef idx="2">
-            <a:schemeClr val="dk1"/>
-          </a:lnRef>
-          <a:fillRef idx="1">
-            <a:schemeClr val="lt1"/>
-          </a:fillRef>
-          <a:effectRef idx="0">
-            <a:schemeClr val="dk1"/>
-          </a:effectRef>
-          <a:fontRef idx="minor">
-            <a:schemeClr val="dk1"/>
-          </a:fontRef>
-        </p:style>
-        <p:txBody>
-          <a:bodyPr rtlCol="0" anchor="ctr"/>
-          <a:lstStyle/>
-          <a:p>
-            <a:pPr algn="ctr"/>
-            <a:r>
-              <a:rPr lang="en-US" sz="1200" dirty="0" err="1" smtClean="0"/>
               <a:t>MySignUps</a:t>
             </a:r>
             <a:endParaRPr lang="en-US" sz="1200" dirty="0"/>
@@ -3620,7 +3405,7 @@
         </p:nvSpPr>
         <p:spPr>
           <a:xfrm>
-            <a:off x="5943896" y="595160"/>
+            <a:off x="7423462" y="551040"/>
             <a:ext cx="1574770" cy="276999"/>
           </a:xfrm>
           <a:prstGeom prst="rect">
@@ -3638,49 +3423,6 @@
             <a:r>
               <a:rPr lang="en-US" sz="1200" dirty="0" err="1" smtClean="0"/>
               <a:t>A_ViewSignUpExisting</a:t>
-            </a:r>
-            <a:endParaRPr lang="en-US" sz="1200" dirty="0"/>
-          </a:p>
-        </p:txBody>
-      </p:sp>
-      <p:sp>
-        <p:nvSpPr>
-          <p:cNvPr id="23" name="Rectangle 22"/>
-          <p:cNvSpPr/>
-          <p:nvPr/>
-        </p:nvSpPr>
-        <p:spPr>
-          <a:xfrm>
-            <a:off x="6010563" y="306372"/>
-            <a:ext cx="1420091" cy="277336"/>
-          </a:xfrm>
-          <a:prstGeom prst="rect">
-            <a:avLst/>
-          </a:prstGeom>
-          <a:ln/>
-        </p:spPr>
-        <p:style>
-          <a:lnRef idx="2">
-            <a:schemeClr val="dk1"/>
-          </a:lnRef>
-          <a:fillRef idx="1">
-            <a:schemeClr val="lt1"/>
-          </a:fillRef>
-          <a:effectRef idx="0">
-            <a:schemeClr val="dk1"/>
-          </a:effectRef>
-          <a:fontRef idx="minor">
-            <a:schemeClr val="dk1"/>
-          </a:fontRef>
-        </p:style>
-        <p:txBody>
-          <a:bodyPr rtlCol="0" anchor="ctr"/>
-          <a:lstStyle/>
-          <a:p>
-            <a:pPr algn="ctr"/>
-            <a:r>
-              <a:rPr lang="en-US" sz="1200" dirty="0" err="1" smtClean="0"/>
-              <a:t>ViewSignUpExisting</a:t>
             </a:r>
             <a:endParaRPr lang="en-US" sz="1200" dirty="0"/>
           </a:p>
@@ -3768,9 +3510,9 @@
           <p:nvPr/>
         </p:nvCxnSpPr>
         <p:spPr>
-          <a:xfrm>
-            <a:off x="5592617" y="431308"/>
-            <a:ext cx="417946" cy="13732"/>
+          <a:xfrm flipV="1">
+            <a:off x="5592617" y="392422"/>
+            <a:ext cx="1890320" cy="38886"/>
           </a:xfrm>
           <a:prstGeom prst="curvedConnector3">
             <a:avLst/>
@@ -3802,8 +3544,8 @@
         </p:nvSpPr>
         <p:spPr>
           <a:xfrm>
-            <a:off x="3904336" y="2188491"/>
-            <a:ext cx="1095172" cy="276999"/>
+            <a:off x="2578219" y="2213675"/>
+            <a:ext cx="928459" cy="276999"/>
           </a:xfrm>
           <a:prstGeom prst="rect">
             <a:avLst/>
@@ -3818,49 +3560,6 @@
           <a:p>
             <a:pPr algn="ctr"/>
             <a:r>
-              <a:rPr lang="en-US" sz="1200" dirty="0" err="1" smtClean="0"/>
-              <a:t>A_Suggestions</a:t>
-            </a:r>
-            <a:endParaRPr lang="en-US" sz="1200" dirty="0"/>
-          </a:p>
-        </p:txBody>
-      </p:sp>
-      <p:sp>
-        <p:nvSpPr>
-          <p:cNvPr id="33" name="Rectangle 32"/>
-          <p:cNvSpPr/>
-          <p:nvPr/>
-        </p:nvSpPr>
-        <p:spPr>
-          <a:xfrm>
-            <a:off x="3731210" y="1899703"/>
-            <a:ext cx="1420091" cy="277336"/>
-          </a:xfrm>
-          <a:prstGeom prst="rect">
-            <a:avLst/>
-          </a:prstGeom>
-          <a:ln/>
-        </p:spPr>
-        <p:style>
-          <a:lnRef idx="2">
-            <a:schemeClr val="dk1"/>
-          </a:lnRef>
-          <a:fillRef idx="1">
-            <a:schemeClr val="lt1"/>
-          </a:fillRef>
-          <a:effectRef idx="0">
-            <a:schemeClr val="dk1"/>
-          </a:effectRef>
-          <a:fontRef idx="minor">
-            <a:schemeClr val="dk1"/>
-          </a:fontRef>
-        </p:style>
-        <p:txBody>
-          <a:bodyPr rtlCol="0" anchor="ctr"/>
-          <a:lstStyle/>
-          <a:p>
-            <a:pPr algn="ctr"/>
-            <a:r>
               <a:rPr lang="en-US" sz="1200" dirty="0" smtClean="0"/>
               <a:t>Suggestions</a:t>
             </a:r>
@@ -3876,8 +3575,8 @@
         </p:nvSpPr>
         <p:spPr>
           <a:xfrm>
-            <a:off x="5820503" y="2202223"/>
-            <a:ext cx="1031277" cy="276999"/>
+            <a:off x="4299480" y="2225127"/>
+            <a:ext cx="865592" cy="276999"/>
           </a:xfrm>
           <a:prstGeom prst="rect">
             <a:avLst/>
@@ -3888,49 +3587,6 @@
           <a:bodyPr wrap="none" rtlCol="0">
             <a:spAutoFit/>
           </a:bodyPr>
-          <a:lstStyle/>
-          <a:p>
-            <a:pPr algn="ctr"/>
-            <a:r>
-              <a:rPr lang="en-US" sz="1200" dirty="0" err="1" smtClean="0"/>
-              <a:t>A_Suggestion</a:t>
-            </a:r>
-            <a:endParaRPr lang="en-US" sz="1200" dirty="0"/>
-          </a:p>
-        </p:txBody>
-      </p:sp>
-      <p:sp>
-        <p:nvSpPr>
-          <p:cNvPr id="35" name="Rectangle 34"/>
-          <p:cNvSpPr/>
-          <p:nvPr/>
-        </p:nvSpPr>
-        <p:spPr>
-          <a:xfrm>
-            <a:off x="5615428" y="1913435"/>
-            <a:ext cx="1420091" cy="277336"/>
-          </a:xfrm>
-          <a:prstGeom prst="rect">
-            <a:avLst/>
-          </a:prstGeom>
-          <a:ln/>
-        </p:spPr>
-        <p:style>
-          <a:lnRef idx="2">
-            <a:schemeClr val="dk1"/>
-          </a:lnRef>
-          <a:fillRef idx="1">
-            <a:schemeClr val="lt1"/>
-          </a:fillRef>
-          <a:effectRef idx="0">
-            <a:schemeClr val="dk1"/>
-          </a:effectRef>
-          <a:fontRef idx="minor">
-            <a:schemeClr val="dk1"/>
-          </a:fontRef>
-        </p:style>
-        <p:txBody>
-          <a:bodyPr rtlCol="0" anchor="ctr"/>
           <a:lstStyle/>
           <a:p>
             <a:pPr algn="ctr"/>
@@ -3953,8 +3609,8 @@
         </p:nvCxnSpPr>
         <p:spPr>
           <a:xfrm>
-            <a:off x="5151301" y="2038371"/>
-            <a:ext cx="464127" cy="13732"/>
+            <a:off x="3741825" y="2063555"/>
+            <a:ext cx="269738" cy="11452"/>
           </a:xfrm>
           <a:prstGeom prst="curvedConnector3">
             <a:avLst/>
@@ -3988,12 +3644,15 @@
           <p:nvPr/>
         </p:nvCxnSpPr>
         <p:spPr>
-          <a:xfrm rot="16200000" flipH="1">
-            <a:off x="2773276" y="1080437"/>
-            <a:ext cx="1193676" cy="722192"/>
-          </a:xfrm>
-          <a:prstGeom prst="curvedConnector2">
-            <a:avLst/>
+          <a:xfrm rot="5400000">
+            <a:off x="2055947" y="1110482"/>
+            <a:ext cx="1218860" cy="687286"/>
+          </a:xfrm>
+          <a:prstGeom prst="curvedConnector4">
+            <a:avLst>
+              <a:gd name="adj1" fmla="val 44312"/>
+              <a:gd name="adj2" fmla="val 133261"/>
+            </a:avLst>
           </a:prstGeom>
           <a:ln w="19050" cmpd="sng">
             <a:tailEnd type="arrow"/>
@@ -4022,8 +3681,8 @@
         </p:nvSpPr>
         <p:spPr>
           <a:xfrm>
-            <a:off x="3907114" y="1419996"/>
-            <a:ext cx="1110851" cy="276999"/>
+            <a:off x="2589540" y="1418677"/>
+            <a:ext cx="741384" cy="276999"/>
           </a:xfrm>
           <a:prstGeom prst="rect">
             <a:avLst/>
@@ -4038,51 +3697,8 @@
           <a:p>
             <a:pPr algn="ctr"/>
             <a:r>
-              <a:rPr lang="en-US" sz="1200" dirty="0" err="1" smtClean="0"/>
-              <a:t>A_VolCalendar</a:t>
-            </a:r>
-            <a:endParaRPr lang="en-US" sz="1200" dirty="0"/>
-          </a:p>
-        </p:txBody>
-      </p:sp>
-      <p:sp>
-        <p:nvSpPr>
-          <p:cNvPr id="44" name="Rectangle 43"/>
-          <p:cNvSpPr/>
-          <p:nvPr/>
-        </p:nvSpPr>
-        <p:spPr>
-          <a:xfrm>
-            <a:off x="3741825" y="1131208"/>
-            <a:ext cx="1420091" cy="277336"/>
-          </a:xfrm>
-          <a:prstGeom prst="rect">
-            <a:avLst/>
-          </a:prstGeom>
-          <a:ln/>
-        </p:spPr>
-        <p:style>
-          <a:lnRef idx="2">
-            <a:schemeClr val="dk1"/>
-          </a:lnRef>
-          <a:fillRef idx="1">
-            <a:schemeClr val="lt1"/>
-          </a:fillRef>
-          <a:effectRef idx="0">
-            <a:schemeClr val="dk1"/>
-          </a:effectRef>
-          <a:fontRef idx="minor">
-            <a:schemeClr val="dk1"/>
-          </a:fontRef>
-        </p:style>
-        <p:txBody>
-          <a:bodyPr rtlCol="0" anchor="ctr"/>
-          <a:lstStyle/>
-          <a:p>
-            <a:pPr algn="ctr"/>
-            <a:r>
-              <a:rPr lang="en-US" sz="1200" dirty="0" err="1" smtClean="0"/>
-              <a:t>VolCalendar</a:t>
+              <a:rPr lang="en-US" sz="1200" dirty="0" smtClean="0"/>
+              <a:t>Calendar</a:t>
             </a:r>
             <a:endParaRPr lang="en-US" sz="1200" dirty="0"/>
           </a:p>
@@ -4096,8 +3712,8 @@
         </p:nvSpPr>
         <p:spPr>
           <a:xfrm>
-            <a:off x="5824820" y="1433728"/>
-            <a:ext cx="1043876" cy="276999"/>
+            <a:off x="4076662" y="1418799"/>
+            <a:ext cx="1172116" cy="276999"/>
           </a:xfrm>
           <a:prstGeom prst="rect">
             <a:avLst/>
@@ -4113,50 +3729,7 @@
             <a:pPr algn="ctr"/>
             <a:r>
               <a:rPr lang="en-US" sz="1200" dirty="0" err="1" smtClean="0"/>
-              <a:t>A_VolPickSite</a:t>
-            </a:r>
-            <a:endParaRPr lang="en-US" sz="1200" dirty="0"/>
-          </a:p>
-        </p:txBody>
-      </p:sp>
-      <p:sp>
-        <p:nvSpPr>
-          <p:cNvPr id="46" name="Rectangle 45"/>
-          <p:cNvSpPr/>
-          <p:nvPr/>
-        </p:nvSpPr>
-        <p:spPr>
-          <a:xfrm>
-            <a:off x="5626043" y="1144940"/>
-            <a:ext cx="1420091" cy="277336"/>
-          </a:xfrm>
-          <a:prstGeom prst="rect">
-            <a:avLst/>
-          </a:prstGeom>
-          <a:ln/>
-        </p:spPr>
-        <p:style>
-          <a:lnRef idx="2">
-            <a:schemeClr val="dk1"/>
-          </a:lnRef>
-          <a:fillRef idx="1">
-            <a:schemeClr val="lt1"/>
-          </a:fillRef>
-          <a:effectRef idx="0">
-            <a:schemeClr val="dk1"/>
-          </a:effectRef>
-          <a:fontRef idx="minor">
-            <a:schemeClr val="dk1"/>
-          </a:fontRef>
-        </p:style>
-        <p:txBody>
-          <a:bodyPr rtlCol="0" anchor="ctr"/>
-          <a:lstStyle/>
-          <a:p>
-            <a:pPr algn="ctr"/>
-            <a:r>
-              <a:rPr lang="en-US" sz="1200" dirty="0" err="1" smtClean="0"/>
-              <a:t>VolPickSite</a:t>
+              <a:t>SitesOnDateList</a:t>
             </a:r>
             <a:endParaRPr lang="en-US" sz="1200" dirty="0"/>
           </a:p>
@@ -4173,8 +3746,8 @@
         </p:nvCxnSpPr>
         <p:spPr>
           <a:xfrm>
-            <a:off x="5161916" y="1269876"/>
-            <a:ext cx="464127" cy="13732"/>
+            <a:off x="3659609" y="1268557"/>
+            <a:ext cx="282393" cy="122"/>
           </a:xfrm>
           <a:prstGeom prst="curvedConnector3">
             <a:avLst/>
@@ -4206,8 +3779,8 @@
         </p:nvSpPr>
         <p:spPr>
           <a:xfrm>
-            <a:off x="7518665" y="1430588"/>
-            <a:ext cx="1384363" cy="276999"/>
+            <a:off x="7987079" y="1420121"/>
+            <a:ext cx="623563" cy="276999"/>
           </a:xfrm>
           <a:prstGeom prst="rect">
             <a:avLst/>
@@ -4223,50 +3796,7 @@
             <a:pPr algn="ctr"/>
             <a:r>
               <a:rPr lang="en-US" sz="1200" dirty="0" err="1" smtClean="0"/>
-              <a:t>A_ViewSignUpNew</a:t>
-            </a:r>
-            <a:endParaRPr lang="en-US" sz="1200" dirty="0"/>
-          </a:p>
-        </p:txBody>
-      </p:sp>
-      <p:sp>
-        <p:nvSpPr>
-          <p:cNvPr id="49" name="Rectangle 48"/>
-          <p:cNvSpPr/>
-          <p:nvPr/>
-        </p:nvSpPr>
-        <p:spPr>
-          <a:xfrm>
-            <a:off x="7490129" y="1141800"/>
-            <a:ext cx="1420091" cy="277336"/>
-          </a:xfrm>
-          <a:prstGeom prst="rect">
-            <a:avLst/>
-          </a:prstGeom>
-          <a:ln/>
-        </p:spPr>
-        <p:style>
-          <a:lnRef idx="2">
-            <a:schemeClr val="dk1"/>
-          </a:lnRef>
-          <a:fillRef idx="1">
-            <a:schemeClr val="lt1"/>
-          </a:fillRef>
-          <a:effectRef idx="0">
-            <a:schemeClr val="dk1"/>
-          </a:effectRef>
-          <a:fontRef idx="minor">
-            <a:schemeClr val="dk1"/>
-          </a:fontRef>
-        </p:style>
-        <p:txBody>
-          <a:bodyPr rtlCol="0" anchor="ctr"/>
-          <a:lstStyle/>
-          <a:p>
-            <a:pPr algn="ctr"/>
-            <a:r>
-              <a:rPr lang="en-US" sz="1200" dirty="0" err="1" smtClean="0"/>
-              <a:t>ViewSignUpNew</a:t>
+              <a:t>SignUp</a:t>
             </a:r>
             <a:endParaRPr lang="en-US" sz="1200" dirty="0"/>
           </a:p>
@@ -4277,14 +3807,14 @@
           <p:cNvPr id="50" name="Curved Connector 49"/>
           <p:cNvCxnSpPr>
             <a:stCxn id="46" idx="3"/>
-            <a:endCxn id="49" idx="1"/>
+            <a:endCxn id="85" idx="1"/>
           </p:cNvCxnSpPr>
           <p:nvPr/>
         </p:nvCxnSpPr>
         <p:spPr>
-          <a:xfrm flipV="1">
-            <a:off x="7046134" y="1280468"/>
-            <a:ext cx="443995" cy="3140"/>
+          <a:xfrm>
+            <a:off x="5362093" y="1268679"/>
+            <a:ext cx="381672" cy="1200"/>
           </a:xfrm>
           <a:prstGeom prst="curvedConnector3">
             <a:avLst>
@@ -4320,12 +3850,15 @@
           <p:nvPr/>
         </p:nvCxnSpPr>
         <p:spPr>
-          <a:xfrm rot="16200000" flipH="1">
-            <a:off x="3162831" y="690881"/>
-            <a:ext cx="425181" cy="732807"/>
-          </a:xfrm>
-          <a:prstGeom prst="curvedConnector2">
-            <a:avLst/>
+          <a:xfrm rot="5400000">
+            <a:off x="2412338" y="671875"/>
+            <a:ext cx="423862" cy="769502"/>
+          </a:xfrm>
+          <a:prstGeom prst="curvedConnector4">
+            <a:avLst>
+              <a:gd name="adj1" fmla="val 33642"/>
+              <a:gd name="adj2" fmla="val 129708"/>
+            </a:avLst>
           </a:prstGeom>
           <a:ln w="19050" cmpd="sng">
             <a:tailEnd type="arrow"/>
@@ -4357,12 +3890,12 @@
         </p:nvCxnSpPr>
         <p:spPr>
           <a:xfrm rot="16200000" flipH="1">
-            <a:off x="4132876" y="-279163"/>
-            <a:ext cx="1068740" cy="3316456"/>
+            <a:off x="3319492" y="534222"/>
+            <a:ext cx="1091644" cy="1712589"/>
           </a:xfrm>
           <a:prstGeom prst="curvedConnector3">
             <a:avLst>
-              <a:gd name="adj1" fmla="val 88890"/>
+              <a:gd name="adj1" fmla="val 50000"/>
             </a:avLst>
           </a:prstGeom>
           <a:ln w="19050" cmpd="sng">
@@ -4392,8 +3925,8 @@
         </p:nvSpPr>
         <p:spPr>
           <a:xfrm>
-            <a:off x="4081665" y="2879586"/>
-            <a:ext cx="761747" cy="276999"/>
+            <a:off x="2622683" y="2864936"/>
+            <a:ext cx="1056700" cy="276999"/>
           </a:xfrm>
           <a:prstGeom prst="rect">
             <a:avLst/>
@@ -4409,7 +3942,7 @@
             <a:pPr algn="ctr"/>
             <a:r>
               <a:rPr lang="en-US" sz="1200" dirty="0" err="1" smtClean="0"/>
-              <a:t>A_Profile</a:t>
+              <a:t>UpdateProfile</a:t>
             </a:r>
             <a:endParaRPr lang="en-US" sz="1200" dirty="0"/>
           </a:p>
@@ -4423,7 +3956,7 @@
         </p:nvSpPr>
         <p:spPr>
           <a:xfrm>
-            <a:off x="3741825" y="2590798"/>
+            <a:off x="2430317" y="2576148"/>
             <a:ext cx="1420091" cy="277336"/>
           </a:xfrm>
           <a:prstGeom prst="rect">
@@ -4468,12 +4001,15 @@
           <p:nvPr/>
         </p:nvCxnSpPr>
         <p:spPr>
-          <a:xfrm rot="16200000" flipH="1">
-            <a:off x="2433036" y="1420676"/>
-            <a:ext cx="1884771" cy="732807"/>
-          </a:xfrm>
-          <a:prstGeom prst="curvedConnector2">
-            <a:avLst/>
+          <a:xfrm rot="5400000">
+            <a:off x="1784609" y="1490404"/>
+            <a:ext cx="1870121" cy="578703"/>
+          </a:xfrm>
+          <a:prstGeom prst="curvedConnector4">
+            <a:avLst>
+              <a:gd name="adj1" fmla="val 46293"/>
+              <a:gd name="adj2" fmla="val 139502"/>
+            </a:avLst>
           </a:prstGeom>
           <a:ln w="19050" cmpd="sng">
             <a:tailEnd type="arrow"/>
@@ -4502,8 +4038,8 @@
         </p:nvSpPr>
         <p:spPr>
           <a:xfrm>
-            <a:off x="1024500" y="3574348"/>
-            <a:ext cx="838691" cy="276999"/>
+            <a:off x="1127094" y="3574348"/>
+            <a:ext cx="633507" cy="276999"/>
           </a:xfrm>
           <a:prstGeom prst="rect">
             <a:avLst/>
@@ -4519,52 +4055,9 @@
             <a:pPr algn="ctr"/>
             <a:r>
               <a:rPr lang="en-US" sz="1200" dirty="0" err="1" smtClean="0"/>
-              <a:t>SCMySites</a:t>
+              <a:t>SCSites</a:t>
             </a:r>
             <a:endParaRPr lang="en-US" sz="1200" dirty="0" smtClean="0"/>
-          </a:p>
-        </p:txBody>
-      </p:sp>
-      <p:sp>
-        <p:nvSpPr>
-          <p:cNvPr id="72" name="Rectangle 71"/>
-          <p:cNvSpPr/>
-          <p:nvPr/>
-        </p:nvSpPr>
-        <p:spPr>
-          <a:xfrm>
-            <a:off x="671946" y="3297012"/>
-            <a:ext cx="1420091" cy="277336"/>
-          </a:xfrm>
-          <a:prstGeom prst="rect">
-            <a:avLst/>
-          </a:prstGeom>
-          <a:ln/>
-        </p:spPr>
-        <p:style>
-          <a:lnRef idx="2">
-            <a:schemeClr val="dk1"/>
-          </a:lnRef>
-          <a:fillRef idx="1">
-            <a:schemeClr val="lt1"/>
-          </a:fillRef>
-          <a:effectRef idx="0">
-            <a:schemeClr val="dk1"/>
-          </a:effectRef>
-          <a:fontRef idx="minor">
-            <a:schemeClr val="dk1"/>
-          </a:fontRef>
-        </p:style>
-        <p:txBody>
-          <a:bodyPr rtlCol="0" anchor="ctr"/>
-          <a:lstStyle/>
-          <a:p>
-            <a:pPr algn="ctr"/>
-            <a:r>
-              <a:rPr lang="en-US" sz="1200" dirty="0" err="1" smtClean="0"/>
-              <a:t>SCMySites</a:t>
-            </a:r>
-            <a:endParaRPr lang="en-US" sz="1200" dirty="0"/>
           </a:p>
         </p:txBody>
       </p:sp>
@@ -4576,8 +4069,8 @@
         </p:nvSpPr>
         <p:spPr>
           <a:xfrm>
-            <a:off x="1556417" y="4700597"/>
-            <a:ext cx="737251" cy="276999"/>
+            <a:off x="1320439" y="4700597"/>
+            <a:ext cx="571566" cy="276999"/>
           </a:xfrm>
           <a:prstGeom prst="rect">
             <a:avLst/>
@@ -4588,49 +4081,6 @@
           <a:bodyPr wrap="none" rtlCol="0">
             <a:spAutoFit/>
           </a:bodyPr>
-          <a:lstStyle/>
-          <a:p>
-            <a:pPr algn="ctr"/>
-            <a:r>
-              <a:rPr lang="en-US" sz="1200" dirty="0" err="1" smtClean="0"/>
-              <a:t>A_SCSite</a:t>
-            </a:r>
-            <a:endParaRPr lang="en-US" sz="1200" dirty="0"/>
-          </a:p>
-        </p:txBody>
-      </p:sp>
-      <p:sp>
-        <p:nvSpPr>
-          <p:cNvPr id="74" name="Rectangle 73"/>
-          <p:cNvSpPr/>
-          <p:nvPr/>
-        </p:nvSpPr>
-        <p:spPr>
-          <a:xfrm>
-            <a:off x="1153145" y="4423261"/>
-            <a:ext cx="1420091" cy="277336"/>
-          </a:xfrm>
-          <a:prstGeom prst="rect">
-            <a:avLst/>
-          </a:prstGeom>
-          <a:ln/>
-        </p:spPr>
-        <p:style>
-          <a:lnRef idx="2">
-            <a:schemeClr val="dk1"/>
-          </a:lnRef>
-          <a:fillRef idx="1">
-            <a:schemeClr val="lt1"/>
-          </a:fillRef>
-          <a:effectRef idx="0">
-            <a:schemeClr val="dk1"/>
-          </a:effectRef>
-          <a:fontRef idx="minor">
-            <a:schemeClr val="dk1"/>
-          </a:fontRef>
-        </p:style>
-        <p:txBody>
-          <a:bodyPr rtlCol="0" anchor="ctr"/>
           <a:lstStyle/>
           <a:p>
             <a:pPr algn="ctr"/>
@@ -4653,13 +4103,13 @@
         </p:nvCxnSpPr>
         <p:spPr>
           <a:xfrm rot="5400000">
-            <a:off x="-473110" y="1953145"/>
-            <a:ext cx="2627591" cy="337478"/>
+            <a:off x="-473109" y="1953145"/>
+            <a:ext cx="2627591" cy="337479"/>
           </a:xfrm>
           <a:prstGeom prst="curvedConnector4">
             <a:avLst>
-              <a:gd name="adj1" fmla="val 7376"/>
-              <a:gd name="adj2" fmla="val 208791"/>
+              <a:gd name="adj1" fmla="val 47361"/>
+              <a:gd name="adj2" fmla="val 167738"/>
             </a:avLst>
           </a:prstGeom>
           <a:ln w="19050" cmpd="sng">
@@ -4691,8 +4141,8 @@
         </p:nvCxnSpPr>
         <p:spPr>
           <a:xfrm rot="16200000" flipH="1">
-            <a:off x="-380588" y="3028195"/>
-            <a:ext cx="2214503" cy="852964"/>
+            <a:off x="-1003652" y="2723952"/>
+            <a:ext cx="3141808" cy="534145"/>
           </a:xfrm>
           <a:prstGeom prst="curvedConnector2">
             <a:avLst/>
@@ -4727,13 +4177,13 @@
         </p:nvCxnSpPr>
         <p:spPr>
           <a:xfrm rot="5400000">
-            <a:off x="943205" y="4061288"/>
-            <a:ext cx="710582" cy="290701"/>
+            <a:off x="783796" y="3901877"/>
+            <a:ext cx="710582" cy="609523"/>
           </a:xfrm>
           <a:prstGeom prst="curvedConnector4">
             <a:avLst>
               <a:gd name="adj1" fmla="val 40243"/>
-              <a:gd name="adj2" fmla="val 178638"/>
+              <a:gd name="adj2" fmla="val 137505"/>
             </a:avLst>
           </a:prstGeom>
           <a:ln w="19050" cmpd="sng">
@@ -4763,8 +4213,8 @@
         </p:nvSpPr>
         <p:spPr>
           <a:xfrm>
-            <a:off x="5663474" y="3990015"/>
-            <a:ext cx="941033" cy="276999"/>
+            <a:off x="6134164" y="3941894"/>
+            <a:ext cx="1031051" cy="276999"/>
           </a:xfrm>
           <a:prstGeom prst="rect">
             <a:avLst/>
@@ -4780,50 +4230,7 @@
             <a:pPr algn="ctr"/>
             <a:r>
               <a:rPr lang="en-US" sz="1200" dirty="0" err="1" smtClean="0"/>
-              <a:t>A_SCSiteVol</a:t>
-            </a:r>
-            <a:endParaRPr lang="en-US" sz="1200" dirty="0"/>
-          </a:p>
-        </p:txBody>
-      </p:sp>
-      <p:sp>
-        <p:nvSpPr>
-          <p:cNvPr id="95" name="Rectangle 94"/>
-          <p:cNvSpPr/>
-          <p:nvPr/>
-        </p:nvSpPr>
-        <p:spPr>
-          <a:xfrm>
-            <a:off x="5362093" y="3712679"/>
-            <a:ext cx="1420091" cy="277336"/>
-          </a:xfrm>
-          <a:prstGeom prst="rect">
-            <a:avLst/>
-          </a:prstGeom>
-          <a:ln/>
-        </p:spPr>
-        <p:style>
-          <a:lnRef idx="2">
-            <a:schemeClr val="dk1"/>
-          </a:lnRef>
-          <a:fillRef idx="1">
-            <a:schemeClr val="lt1"/>
-          </a:fillRef>
-          <a:effectRef idx="0">
-            <a:schemeClr val="dk1"/>
-          </a:effectRef>
-          <a:fontRef idx="minor">
-            <a:schemeClr val="dk1"/>
-          </a:fontRef>
-        </p:style>
-        <p:txBody>
-          <a:bodyPr rtlCol="0" anchor="ctr"/>
-          <a:lstStyle/>
-          <a:p>
-            <a:pPr algn="ctr"/>
-            <a:r>
-              <a:rPr lang="en-US" sz="1200" dirty="0" err="1" smtClean="0"/>
-              <a:t>SCSiteVol</a:t>
+              <a:t>SCVolunteers</a:t>
             </a:r>
             <a:endParaRPr lang="en-US" sz="1200" dirty="0"/>
           </a:p>
@@ -4837,8 +4244,8 @@
         </p:nvSpPr>
         <p:spPr>
           <a:xfrm>
-            <a:off x="7528604" y="3990014"/>
-            <a:ext cx="1082348" cy="276999"/>
+            <a:off x="7680628" y="3941894"/>
+            <a:ext cx="1338828" cy="276999"/>
           </a:xfrm>
           <a:prstGeom prst="rect">
             <a:avLst/>
@@ -4854,50 +4261,7 @@
             <a:pPr algn="ctr"/>
             <a:r>
               <a:rPr lang="en-US" sz="1200" dirty="0" err="1" smtClean="0"/>
-              <a:t>A_SCVolHours</a:t>
-            </a:r>
-            <a:endParaRPr lang="en-US" sz="1200" dirty="0"/>
-          </a:p>
-        </p:txBody>
-      </p:sp>
-      <p:sp>
-        <p:nvSpPr>
-          <p:cNvPr id="97" name="Rectangle 96"/>
-          <p:cNvSpPr/>
-          <p:nvPr/>
-        </p:nvSpPr>
-        <p:spPr>
-          <a:xfrm>
-            <a:off x="7297880" y="3712678"/>
-            <a:ext cx="1420091" cy="277336"/>
-          </a:xfrm>
-          <a:prstGeom prst="rect">
-            <a:avLst/>
-          </a:prstGeom>
-          <a:ln/>
-        </p:spPr>
-        <p:style>
-          <a:lnRef idx="2">
-            <a:schemeClr val="dk1"/>
-          </a:lnRef>
-          <a:fillRef idx="1">
-            <a:schemeClr val="lt1"/>
-          </a:fillRef>
-          <a:effectRef idx="0">
-            <a:schemeClr val="dk1"/>
-          </a:effectRef>
-          <a:fontRef idx="minor">
-            <a:schemeClr val="dk1"/>
-          </a:fontRef>
-        </p:style>
-        <p:txBody>
-          <a:bodyPr rtlCol="0" anchor="ctr"/>
-          <a:lstStyle/>
-          <a:p>
-            <a:pPr algn="ctr"/>
-            <a:r>
-              <a:rPr lang="en-US" sz="1200" dirty="0" err="1" smtClean="0"/>
-              <a:t>SCVolHours</a:t>
+              <a:t>SCVolunteerHours</a:t>
             </a:r>
             <a:endParaRPr lang="en-US" sz="1200" dirty="0"/>
           </a:p>
@@ -4911,8 +4275,8 @@
         </p:nvSpPr>
         <p:spPr>
           <a:xfrm>
-            <a:off x="3681482" y="4995018"/>
-            <a:ext cx="1059830" cy="276999"/>
+            <a:off x="3647257" y="4995018"/>
+            <a:ext cx="1128284" cy="276999"/>
           </a:xfrm>
           <a:prstGeom prst="rect">
             <a:avLst/>
@@ -4928,50 +4292,7 @@
             <a:pPr algn="ctr"/>
             <a:r>
               <a:rPr lang="en-US" sz="1200" dirty="0" err="1" smtClean="0"/>
-              <a:t>A_SCCalendar</a:t>
-            </a:r>
-            <a:endParaRPr lang="en-US" sz="1200" dirty="0"/>
-          </a:p>
-        </p:txBody>
-      </p:sp>
-      <p:sp>
-        <p:nvSpPr>
-          <p:cNvPr id="99" name="Rectangle 98"/>
-          <p:cNvSpPr/>
-          <p:nvPr/>
-        </p:nvSpPr>
-        <p:spPr>
-          <a:xfrm>
-            <a:off x="3439499" y="4717682"/>
-            <a:ext cx="1420091" cy="277336"/>
-          </a:xfrm>
-          <a:prstGeom prst="rect">
-            <a:avLst/>
-          </a:prstGeom>
-          <a:ln/>
-        </p:spPr>
-        <p:style>
-          <a:lnRef idx="2">
-            <a:schemeClr val="dk1"/>
-          </a:lnRef>
-          <a:fillRef idx="1">
-            <a:schemeClr val="lt1"/>
-          </a:fillRef>
-          <a:effectRef idx="0">
-            <a:schemeClr val="dk1"/>
-          </a:effectRef>
-          <a:fontRef idx="minor">
-            <a:schemeClr val="dk1"/>
-          </a:fontRef>
-        </p:style>
-        <p:txBody>
-          <a:bodyPr rtlCol="0" anchor="ctr"/>
-          <a:lstStyle/>
-          <a:p>
-            <a:pPr algn="ctr"/>
-            <a:r>
-              <a:rPr lang="en-US" sz="1200" dirty="0" err="1" smtClean="0"/>
-              <a:t>SCCalendar</a:t>
+              <a:t>SCSiteCalendar</a:t>
             </a:r>
             <a:endParaRPr lang="en-US" sz="1200" dirty="0"/>
           </a:p>
@@ -4985,8 +4306,8 @@
         </p:nvSpPr>
         <p:spPr>
           <a:xfrm>
-            <a:off x="5993522" y="4977596"/>
-            <a:ext cx="1197764" cy="276999"/>
+            <a:off x="5469010" y="5001947"/>
+            <a:ext cx="1056700" cy="276999"/>
           </a:xfrm>
           <a:prstGeom prst="rect">
             <a:avLst/>
@@ -5002,50 +4323,7 @@
             <a:pPr algn="ctr"/>
             <a:r>
               <a:rPr lang="en-US" sz="1200" dirty="0" err="1" smtClean="0"/>
-              <a:t>A_SCSiteDefault</a:t>
-            </a:r>
-            <a:endParaRPr lang="en-US" sz="1200" dirty="0"/>
-          </a:p>
-        </p:txBody>
-      </p:sp>
-      <p:sp>
-        <p:nvSpPr>
-          <p:cNvPr id="101" name="Rectangle 100"/>
-          <p:cNvSpPr/>
-          <p:nvPr/>
-        </p:nvSpPr>
-        <p:spPr>
-          <a:xfrm>
-            <a:off x="5820503" y="4700260"/>
-            <a:ext cx="1420091" cy="277336"/>
-          </a:xfrm>
-          <a:prstGeom prst="rect">
-            <a:avLst/>
-          </a:prstGeom>
-          <a:ln/>
-        </p:spPr>
-        <p:style>
-          <a:lnRef idx="2">
-            <a:schemeClr val="dk1"/>
-          </a:lnRef>
-          <a:fillRef idx="1">
-            <a:schemeClr val="lt1"/>
-          </a:fillRef>
-          <a:effectRef idx="0">
-            <a:schemeClr val="dk1"/>
-          </a:effectRef>
-          <a:fontRef idx="minor">
-            <a:schemeClr val="dk1"/>
-          </a:fontRef>
-        </p:style>
-        <p:txBody>
-          <a:bodyPr rtlCol="0" anchor="ctr"/>
-          <a:lstStyle/>
-          <a:p>
-            <a:pPr algn="ctr"/>
-            <a:r>
-              <a:rPr lang="en-US" sz="1200" dirty="0" err="1" smtClean="0"/>
-              <a:t>SCSiteDefault</a:t>
+              <a:t>SCSiteOnDate</a:t>
             </a:r>
             <a:endParaRPr lang="en-US" sz="1200" dirty="0"/>
           </a:p>
@@ -5059,8 +4337,8 @@
         </p:nvSpPr>
         <p:spPr>
           <a:xfrm>
-            <a:off x="5917765" y="5917735"/>
-            <a:ext cx="1349273" cy="276999"/>
+            <a:off x="7419317" y="4995018"/>
+            <a:ext cx="902811" cy="276999"/>
           </a:xfrm>
           <a:prstGeom prst="rect">
             <a:avLst/>
@@ -5076,52 +4354,9 @@
             <a:pPr algn="ctr"/>
             <a:r>
               <a:rPr lang="en-US" sz="1200" dirty="0" err="1" smtClean="0"/>
-              <a:t>A_SCSiteException</a:t>
-            </a:r>
-            <a:endParaRPr lang="en-US" sz="1200" dirty="0"/>
-          </a:p>
-        </p:txBody>
-      </p:sp>
-      <p:sp>
-        <p:nvSpPr>
-          <p:cNvPr id="103" name="Rectangle 102"/>
-          <p:cNvSpPr/>
-          <p:nvPr/>
-        </p:nvSpPr>
-        <p:spPr>
-          <a:xfrm>
-            <a:off x="5820503" y="5640399"/>
-            <a:ext cx="1420091" cy="277336"/>
-          </a:xfrm>
-          <a:prstGeom prst="rect">
-            <a:avLst/>
-          </a:prstGeom>
-          <a:ln/>
-        </p:spPr>
-        <p:style>
-          <a:lnRef idx="2">
-            <a:schemeClr val="dk1"/>
-          </a:lnRef>
-          <a:fillRef idx="1">
-            <a:schemeClr val="lt1"/>
-          </a:fillRef>
-          <a:effectRef idx="0">
-            <a:schemeClr val="dk1"/>
-          </a:effectRef>
-          <a:fontRef idx="minor">
-            <a:schemeClr val="dk1"/>
-          </a:fontRef>
-        </p:style>
-        <p:txBody>
-          <a:bodyPr rtlCol="0" anchor="ctr"/>
-          <a:lstStyle/>
-          <a:p>
-            <a:pPr algn="ctr"/>
-            <a:r>
-              <a:rPr lang="en-US" sz="1200" dirty="0" err="1" smtClean="0"/>
-              <a:t>SCSiteException</a:t>
-            </a:r>
-            <a:endParaRPr lang="en-US" sz="1200" dirty="0"/>
+              <a:t>ShiftDetails</a:t>
+            </a:r>
+            <a:endParaRPr lang="en-US" sz="1200" dirty="0" smtClean="0"/>
           </a:p>
         </p:txBody>
       </p:sp>
@@ -5136,8 +4371,8 @@
         </p:nvCxnSpPr>
         <p:spPr>
           <a:xfrm flipV="1">
-            <a:off x="2573236" y="2729466"/>
-            <a:ext cx="1168589" cy="1832463"/>
+            <a:off x="2254416" y="2714816"/>
+            <a:ext cx="175901" cy="1847113"/>
           </a:xfrm>
           <a:prstGeom prst="curvedConnector3">
             <a:avLst>
@@ -5174,8 +4409,8 @@
         </p:nvCxnSpPr>
         <p:spPr>
           <a:xfrm flipV="1">
-            <a:off x="2573236" y="3851346"/>
-            <a:ext cx="889244" cy="710583"/>
+            <a:off x="2254416" y="3815926"/>
+            <a:ext cx="265812" cy="746003"/>
           </a:xfrm>
           <a:prstGeom prst="curvedConnector3">
             <a:avLst>
@@ -5212,120 +4447,8 @@
         </p:nvCxnSpPr>
         <p:spPr>
           <a:xfrm>
-            <a:off x="2573236" y="4561929"/>
-            <a:ext cx="866263" cy="294421"/>
-          </a:xfrm>
-          <a:prstGeom prst="curvedConnector3">
-            <a:avLst>
-              <a:gd name="adj1" fmla="val 50000"/>
-            </a:avLst>
-          </a:prstGeom>
-          <a:ln w="19050" cmpd="sng">
-            <a:tailEnd type="arrow"/>
-          </a:ln>
-        </p:spPr>
-        <p:style>
-          <a:lnRef idx="1">
-            <a:schemeClr val="dk1"/>
-          </a:lnRef>
-          <a:fillRef idx="0">
-            <a:schemeClr val="dk1"/>
-          </a:fillRef>
-          <a:effectRef idx="0">
-            <a:schemeClr val="dk1"/>
-          </a:effectRef>
-          <a:fontRef idx="minor">
-            <a:schemeClr val="tx1"/>
-          </a:fontRef>
-        </p:style>
-      </p:cxnSp>
-      <p:sp>
-        <p:nvSpPr>
-          <p:cNvPr id="115" name="TextBox 114"/>
-          <p:cNvSpPr txBox="1"/>
-          <p:nvPr/>
-        </p:nvSpPr>
-        <p:spPr>
-          <a:xfrm>
-            <a:off x="3648321" y="5937973"/>
-            <a:ext cx="1172116" cy="276999"/>
-          </a:xfrm>
-          <a:prstGeom prst="rect">
-            <a:avLst/>
-          </a:prstGeom>
-          <a:noFill/>
-        </p:spPr>
-        <p:txBody>
-          <a:bodyPr wrap="none" rtlCol="0">
-            <a:spAutoFit/>
-          </a:bodyPr>
-          <a:lstStyle/>
-          <a:p>
-            <a:pPr algn="ctr"/>
-            <a:r>
-              <a:rPr lang="en-US" sz="1200" dirty="0" err="1" smtClean="0"/>
-              <a:t>A_SCSiteDetails</a:t>
-            </a:r>
-            <a:endParaRPr lang="en-US" sz="1200" dirty="0"/>
-          </a:p>
-        </p:txBody>
-      </p:sp>
-      <p:sp>
-        <p:nvSpPr>
-          <p:cNvPr id="116" name="Rectangle 115"/>
-          <p:cNvSpPr/>
-          <p:nvPr/>
-        </p:nvSpPr>
-        <p:spPr>
-          <a:xfrm>
-            <a:off x="3462480" y="5660637"/>
-            <a:ext cx="1420091" cy="277336"/>
-          </a:xfrm>
-          <a:prstGeom prst="rect">
-            <a:avLst/>
-          </a:prstGeom>
-          <a:ln/>
-        </p:spPr>
-        <p:style>
-          <a:lnRef idx="2">
-            <a:schemeClr val="dk1"/>
-          </a:lnRef>
-          <a:fillRef idx="1">
-            <a:schemeClr val="lt1"/>
-          </a:fillRef>
-          <a:effectRef idx="0">
-            <a:schemeClr val="dk1"/>
-          </a:effectRef>
-          <a:fontRef idx="minor">
-            <a:schemeClr val="dk1"/>
-          </a:fontRef>
-        </p:style>
-        <p:txBody>
-          <a:bodyPr rtlCol="0" anchor="ctr"/>
-          <a:lstStyle/>
-          <a:p>
-            <a:pPr algn="ctr"/>
-            <a:r>
-              <a:rPr lang="en-US" sz="1200" dirty="0" err="1" smtClean="0"/>
-              <a:t>SCSiteDetails</a:t>
-            </a:r>
-            <a:endParaRPr lang="en-US" sz="1200" dirty="0"/>
-          </a:p>
-        </p:txBody>
-      </p:sp>
-      <p:cxnSp>
-        <p:nvCxnSpPr>
-          <p:cNvPr id="117" name="Curved Connector 116"/>
-          <p:cNvCxnSpPr>
-            <a:stCxn id="74" idx="3"/>
-            <a:endCxn id="116" idx="1"/>
-          </p:cNvCxnSpPr>
-          <p:nvPr/>
-        </p:nvCxnSpPr>
-        <p:spPr>
-          <a:xfrm>
-            <a:off x="2573236" y="4561929"/>
-            <a:ext cx="889244" cy="1237376"/>
+            <a:off x="2254416" y="4561929"/>
+            <a:ext cx="1185083" cy="294421"/>
           </a:xfrm>
           <a:prstGeom prst="curvedConnector3">
             <a:avLst>
@@ -5361,9 +4484,9 @@
           <p:nvPr/>
         </p:nvCxnSpPr>
         <p:spPr>
-          <a:xfrm flipV="1">
-            <a:off x="6782184" y="3851346"/>
-            <a:ext cx="515696" cy="1"/>
+          <a:xfrm>
+            <a:off x="7297880" y="3803226"/>
+            <a:ext cx="280261" cy="12700"/>
           </a:xfrm>
           <a:prstGeom prst="curvedConnector3">
             <a:avLst>
@@ -5399,47 +4522,9 @@
           <p:nvPr/>
         </p:nvCxnSpPr>
         <p:spPr>
-          <a:xfrm flipV="1">
-            <a:off x="4859590" y="4838928"/>
-            <a:ext cx="960913" cy="17422"/>
-          </a:xfrm>
-          <a:prstGeom prst="curvedConnector3">
-            <a:avLst>
-              <a:gd name="adj1" fmla="val 50000"/>
-            </a:avLst>
-          </a:prstGeom>
-          <a:ln w="19050" cmpd="sng">
-            <a:tailEnd type="arrow"/>
-          </a:ln>
-        </p:spPr>
-        <p:style>
-          <a:lnRef idx="1">
-            <a:schemeClr val="dk1"/>
-          </a:lnRef>
-          <a:fillRef idx="0">
-            <a:schemeClr val="dk1"/>
-          </a:fillRef>
-          <a:effectRef idx="0">
-            <a:schemeClr val="dk1"/>
-          </a:effectRef>
-          <a:fontRef idx="minor">
-            <a:schemeClr val="tx1"/>
-          </a:fontRef>
-        </p:style>
-      </p:cxnSp>
-      <p:cxnSp>
-        <p:nvCxnSpPr>
-          <p:cNvPr id="126" name="Curved Connector 125"/>
-          <p:cNvCxnSpPr>
-            <a:stCxn id="99" idx="3"/>
-            <a:endCxn id="103" idx="1"/>
-          </p:cNvCxnSpPr>
-          <p:nvPr/>
-        </p:nvCxnSpPr>
-        <p:spPr>
           <a:xfrm>
             <a:off x="4859590" y="4856350"/>
-            <a:ext cx="960913" cy="922717"/>
+            <a:ext cx="365866" cy="6929"/>
           </a:xfrm>
           <a:prstGeom prst="curvedConnector3">
             <a:avLst>
@@ -5568,8 +4653,8 @@
         </p:nvSpPr>
         <p:spPr>
           <a:xfrm>
-            <a:off x="7547842" y="2191981"/>
-            <a:ext cx="1326004" cy="276999"/>
+            <a:off x="5976319" y="2180086"/>
+            <a:ext cx="1244376" cy="276999"/>
           </a:xfrm>
           <a:prstGeom prst="rect">
             <a:avLst/>
@@ -5585,50 +4670,7 @@
             <a:pPr algn="ctr"/>
             <a:r>
               <a:rPr lang="en-US" sz="1200" dirty="0" err="1" smtClean="0"/>
-              <a:t>A_VolPickSiteMap</a:t>
-            </a:r>
-            <a:endParaRPr lang="en-US" sz="1200" dirty="0"/>
-          </a:p>
-        </p:txBody>
-      </p:sp>
-      <p:sp>
-        <p:nvSpPr>
-          <p:cNvPr id="135" name="Rectangle 134"/>
-          <p:cNvSpPr/>
-          <p:nvPr/>
-        </p:nvSpPr>
-        <p:spPr>
-          <a:xfrm>
-            <a:off x="7490129" y="1903193"/>
-            <a:ext cx="1420091" cy="277336"/>
-          </a:xfrm>
-          <a:prstGeom prst="rect">
-            <a:avLst/>
-          </a:prstGeom>
-          <a:ln/>
-        </p:spPr>
-        <p:style>
-          <a:lnRef idx="2">
-            <a:schemeClr val="dk1"/>
-          </a:lnRef>
-          <a:fillRef idx="1">
-            <a:schemeClr val="lt1"/>
-          </a:fillRef>
-          <a:effectRef idx="0">
-            <a:schemeClr val="dk1"/>
-          </a:effectRef>
-          <a:fontRef idx="minor">
-            <a:schemeClr val="dk1"/>
-          </a:fontRef>
-        </p:style>
-        <p:txBody>
-          <a:bodyPr rtlCol="0" anchor="ctr"/>
-          <a:lstStyle/>
-          <a:p>
-            <a:pPr algn="ctr"/>
-            <a:r>
-              <a:rPr lang="en-US" sz="1200" dirty="0" err="1" smtClean="0"/>
-              <a:t>VolPickSiteMap</a:t>
+              <a:t>SitesOnDateMap</a:t>
             </a:r>
             <a:endParaRPr lang="en-US" sz="1200" dirty="0"/>
           </a:p>
@@ -5645,8 +4687,8 @@
         </p:nvCxnSpPr>
         <p:spPr>
           <a:xfrm>
-            <a:off x="7046134" y="1283608"/>
-            <a:ext cx="443995" cy="758253"/>
+            <a:off x="5362093" y="1268679"/>
+            <a:ext cx="515696" cy="761287"/>
           </a:xfrm>
           <a:prstGeom prst="curvedConnector3">
             <a:avLst>
@@ -5655,6 +4697,1230 @@
           </a:prstGeom>
           <a:ln w="19050" cmpd="sng">
             <a:headEnd type="arrow"/>
+            <a:tailEnd type="arrow"/>
+          </a:ln>
+        </p:spPr>
+        <p:style>
+          <a:lnRef idx="1">
+            <a:schemeClr val="dk1"/>
+          </a:lnRef>
+          <a:fillRef idx="0">
+            <a:schemeClr val="dk1"/>
+          </a:fillRef>
+          <a:effectRef idx="0">
+            <a:schemeClr val="dk1"/>
+          </a:effectRef>
+          <a:fontRef idx="minor">
+            <a:schemeClr val="tx1"/>
+          </a:fontRef>
+        </p:style>
+      </p:cxnSp>
+      <p:sp>
+        <p:nvSpPr>
+          <p:cNvPr id="81" name="TextBox 80"/>
+          <p:cNvSpPr txBox="1"/>
+          <p:nvPr/>
+        </p:nvSpPr>
+        <p:spPr>
+          <a:xfrm>
+            <a:off x="2564241" y="3954594"/>
+            <a:ext cx="1332065" cy="276999"/>
+          </a:xfrm>
+          <a:prstGeom prst="rect">
+            <a:avLst/>
+          </a:prstGeom>
+          <a:noFill/>
+        </p:spPr>
+        <p:txBody>
+          <a:bodyPr wrap="none" rtlCol="0">
+            <a:spAutoFit/>
+          </a:bodyPr>
+          <a:lstStyle/>
+          <a:p>
+            <a:pPr algn="ctr"/>
+            <a:r>
+              <a:rPr lang="en-US" sz="1200" dirty="0" err="1" smtClean="0"/>
+              <a:t>SCSiteVolCalendar</a:t>
+            </a:r>
+            <a:endParaRPr lang="en-US" sz="1200" dirty="0"/>
+          </a:p>
+        </p:txBody>
+      </p:sp>
+      <p:cxnSp>
+        <p:nvCxnSpPr>
+          <p:cNvPr id="84" name="Curved Connector 83"/>
+          <p:cNvCxnSpPr>
+            <a:stCxn id="82" idx="3"/>
+            <a:endCxn id="128" idx="1"/>
+          </p:cNvCxnSpPr>
+          <p:nvPr/>
+        </p:nvCxnSpPr>
+        <p:spPr>
+          <a:xfrm flipV="1">
+            <a:off x="3940319" y="3803226"/>
+            <a:ext cx="262940" cy="12700"/>
+          </a:xfrm>
+          <a:prstGeom prst="curvedConnector3">
+            <a:avLst>
+              <a:gd name="adj1" fmla="val 50000"/>
+            </a:avLst>
+          </a:prstGeom>
+          <a:ln w="19050" cmpd="sng">
+            <a:tailEnd type="arrow"/>
+          </a:ln>
+        </p:spPr>
+        <p:style>
+          <a:lnRef idx="1">
+            <a:schemeClr val="dk1"/>
+          </a:lnRef>
+          <a:fillRef idx="0">
+            <a:schemeClr val="dk1"/>
+          </a:fillRef>
+          <a:effectRef idx="0">
+            <a:schemeClr val="dk1"/>
+          </a:effectRef>
+          <a:fontRef idx="minor">
+            <a:schemeClr val="tx1"/>
+          </a:fontRef>
+        </p:style>
+      </p:cxnSp>
+      <p:sp>
+        <p:nvSpPr>
+          <p:cNvPr id="80" name="TextBox 79"/>
+          <p:cNvSpPr txBox="1"/>
+          <p:nvPr/>
+        </p:nvSpPr>
+        <p:spPr>
+          <a:xfrm>
+            <a:off x="5974427" y="1419999"/>
+            <a:ext cx="980106" cy="461665"/>
+          </a:xfrm>
+          <a:prstGeom prst="rect">
+            <a:avLst/>
+          </a:prstGeom>
+          <a:noFill/>
+        </p:spPr>
+        <p:txBody>
+          <a:bodyPr wrap="none" rtlCol="0">
+            <a:spAutoFit/>
+          </a:bodyPr>
+          <a:lstStyle/>
+          <a:p>
+            <a:pPr algn="ctr"/>
+            <a:r>
+              <a:rPr lang="en-US" sz="1200" dirty="0" err="1" smtClean="0"/>
+              <a:t>VolPickShifts</a:t>
+            </a:r>
+            <a:endParaRPr lang="en-US" sz="1200" dirty="0" smtClean="0"/>
+          </a:p>
+          <a:p>
+            <a:pPr algn="ctr"/>
+            <a:endParaRPr lang="en-US" sz="1200" dirty="0"/>
+          </a:p>
+        </p:txBody>
+      </p:sp>
+      <p:cxnSp>
+        <p:nvCxnSpPr>
+          <p:cNvPr id="93" name="Curved Connector 92"/>
+          <p:cNvCxnSpPr>
+            <a:stCxn id="85" idx="3"/>
+            <a:endCxn id="49" idx="1"/>
+          </p:cNvCxnSpPr>
+          <p:nvPr/>
+        </p:nvCxnSpPr>
+        <p:spPr>
+          <a:xfrm>
+            <a:off x="7163856" y="1269879"/>
+            <a:ext cx="414285" cy="122"/>
+          </a:xfrm>
+          <a:prstGeom prst="curvedConnector3">
+            <a:avLst>
+              <a:gd name="adj1" fmla="val 50000"/>
+            </a:avLst>
+          </a:prstGeom>
+          <a:ln w="19050" cmpd="sng">
+            <a:headEnd type="arrow"/>
+            <a:tailEnd type="arrow"/>
+          </a:ln>
+        </p:spPr>
+        <p:style>
+          <a:lnRef idx="1">
+            <a:schemeClr val="dk1"/>
+          </a:lnRef>
+          <a:fillRef idx="0">
+            <a:schemeClr val="dk1"/>
+          </a:fillRef>
+          <a:effectRef idx="0">
+            <a:schemeClr val="dk1"/>
+          </a:effectRef>
+          <a:fontRef idx="minor">
+            <a:schemeClr val="tx1"/>
+          </a:fontRef>
+        </p:style>
+      </p:cxnSp>
+      <p:sp>
+        <p:nvSpPr>
+          <p:cNvPr id="6" name="Rectangle 5"/>
+          <p:cNvSpPr/>
+          <p:nvPr/>
+        </p:nvSpPr>
+        <p:spPr>
+          <a:xfrm>
+            <a:off x="300181" y="253754"/>
+            <a:ext cx="1420091" cy="277336"/>
+          </a:xfrm>
+          <a:prstGeom prst="rect">
+            <a:avLst/>
+          </a:prstGeom>
+          <a:solidFill>
+            <a:srgbClr val="FFFFFF"/>
+          </a:solidFill>
+          <a:ln/>
+        </p:spPr>
+        <p:style>
+          <a:lnRef idx="2">
+            <a:schemeClr val="dk1"/>
+          </a:lnRef>
+          <a:fillRef idx="1">
+            <a:schemeClr val="lt1"/>
+          </a:fillRef>
+          <a:effectRef idx="0">
+            <a:schemeClr val="dk1"/>
+          </a:effectRef>
+          <a:fontRef idx="minor">
+            <a:schemeClr val="dk1"/>
+          </a:fontRef>
+        </p:style>
+        <p:txBody>
+          <a:bodyPr rtlCol="0" anchor="ctr"/>
+          <a:lstStyle/>
+          <a:p>
+            <a:pPr algn="ctr"/>
+            <a:r>
+              <a:rPr lang="en-US" sz="1200" dirty="0" smtClean="0"/>
+              <a:t>Main</a:t>
+            </a:r>
+            <a:endParaRPr lang="en-US" sz="1200" dirty="0"/>
+          </a:p>
+        </p:txBody>
+      </p:sp>
+      <p:sp>
+        <p:nvSpPr>
+          <p:cNvPr id="8" name="Rectangle 7"/>
+          <p:cNvSpPr/>
+          <p:nvPr/>
+        </p:nvSpPr>
+        <p:spPr>
+          <a:xfrm>
+            <a:off x="484909" y="1698075"/>
+            <a:ext cx="1420091" cy="277336"/>
+          </a:xfrm>
+          <a:prstGeom prst="rect">
+            <a:avLst/>
+          </a:prstGeom>
+          <a:solidFill>
+            <a:srgbClr val="FFFFFF"/>
+          </a:solidFill>
+          <a:ln/>
+        </p:spPr>
+        <p:style>
+          <a:lnRef idx="2">
+            <a:schemeClr val="dk1"/>
+          </a:lnRef>
+          <a:fillRef idx="1">
+            <a:schemeClr val="lt1"/>
+          </a:fillRef>
+          <a:effectRef idx="0">
+            <a:schemeClr val="dk1"/>
+          </a:effectRef>
+          <a:fontRef idx="minor">
+            <a:schemeClr val="dk1"/>
+          </a:fontRef>
+        </p:style>
+        <p:txBody>
+          <a:bodyPr rtlCol="0" anchor="ctr"/>
+          <a:lstStyle/>
+          <a:p>
+            <a:pPr algn="ctr"/>
+            <a:r>
+              <a:rPr lang="en-US" sz="1200" dirty="0" smtClean="0"/>
+              <a:t>About</a:t>
+            </a:r>
+            <a:endParaRPr lang="en-US" sz="1200" dirty="0"/>
+          </a:p>
+        </p:txBody>
+      </p:sp>
+      <p:sp>
+        <p:nvSpPr>
+          <p:cNvPr id="10" name="Rectangle 9"/>
+          <p:cNvSpPr/>
+          <p:nvPr/>
+        </p:nvSpPr>
+        <p:spPr>
+          <a:xfrm>
+            <a:off x="674959" y="2452130"/>
+            <a:ext cx="1420091" cy="277336"/>
+          </a:xfrm>
+          <a:prstGeom prst="rect">
+            <a:avLst/>
+          </a:prstGeom>
+          <a:solidFill>
+            <a:srgbClr val="FFFFFF"/>
+          </a:solidFill>
+          <a:ln/>
+        </p:spPr>
+        <p:style>
+          <a:lnRef idx="2">
+            <a:schemeClr val="dk1"/>
+          </a:lnRef>
+          <a:fillRef idx="1">
+            <a:schemeClr val="lt1"/>
+          </a:fillRef>
+          <a:effectRef idx="0">
+            <a:schemeClr val="dk1"/>
+          </a:effectRef>
+          <a:fontRef idx="minor">
+            <a:schemeClr val="dk1"/>
+          </a:fontRef>
+        </p:style>
+        <p:txBody>
+          <a:bodyPr rtlCol="0" anchor="ctr"/>
+          <a:lstStyle/>
+          <a:p>
+            <a:pPr algn="ctr"/>
+            <a:r>
+              <a:rPr lang="en-US" sz="1200" dirty="0" smtClean="0"/>
+              <a:t>Registration</a:t>
+            </a:r>
+            <a:endParaRPr lang="en-US" sz="1200" dirty="0"/>
+          </a:p>
+        </p:txBody>
+      </p:sp>
+      <p:sp>
+        <p:nvSpPr>
+          <p:cNvPr id="19" name="Rectangle 18"/>
+          <p:cNvSpPr/>
+          <p:nvPr/>
+        </p:nvSpPr>
+        <p:spPr>
+          <a:xfrm>
+            <a:off x="2288308" y="278908"/>
+            <a:ext cx="1420091" cy="277336"/>
+          </a:xfrm>
+          <a:prstGeom prst="rect">
+            <a:avLst/>
+          </a:prstGeom>
+          <a:solidFill>
+            <a:srgbClr val="FFFFFF"/>
+          </a:solidFill>
+          <a:ln/>
+        </p:spPr>
+        <p:style>
+          <a:lnRef idx="2">
+            <a:schemeClr val="dk1"/>
+          </a:lnRef>
+          <a:fillRef idx="1">
+            <a:schemeClr val="lt1"/>
+          </a:fillRef>
+          <a:effectRef idx="0">
+            <a:schemeClr val="dk1"/>
+          </a:effectRef>
+          <a:fontRef idx="minor">
+            <a:schemeClr val="dk1"/>
+          </a:fontRef>
+        </p:style>
+        <p:txBody>
+          <a:bodyPr rtlCol="0" anchor="ctr"/>
+          <a:lstStyle/>
+          <a:p>
+            <a:pPr algn="ctr"/>
+            <a:r>
+              <a:rPr lang="en-US" sz="1200" dirty="0" err="1" smtClean="0"/>
+              <a:t>VolunteerOptions</a:t>
+            </a:r>
+            <a:endParaRPr lang="en-US" sz="1200" dirty="0"/>
+          </a:p>
+        </p:txBody>
+      </p:sp>
+      <p:sp>
+        <p:nvSpPr>
+          <p:cNvPr id="21" name="Rectangle 20"/>
+          <p:cNvSpPr/>
+          <p:nvPr/>
+        </p:nvSpPr>
+        <p:spPr>
+          <a:xfrm>
+            <a:off x="4172526" y="292640"/>
+            <a:ext cx="1420091" cy="277336"/>
+          </a:xfrm>
+          <a:prstGeom prst="rect">
+            <a:avLst/>
+          </a:prstGeom>
+          <a:solidFill>
+            <a:srgbClr val="FFFFFF"/>
+          </a:solidFill>
+          <a:ln/>
+        </p:spPr>
+        <p:style>
+          <a:lnRef idx="2">
+            <a:schemeClr val="dk1"/>
+          </a:lnRef>
+          <a:fillRef idx="1">
+            <a:schemeClr val="lt1"/>
+          </a:fillRef>
+          <a:effectRef idx="0">
+            <a:schemeClr val="dk1"/>
+          </a:effectRef>
+          <a:fontRef idx="minor">
+            <a:schemeClr val="dk1"/>
+          </a:fontRef>
+        </p:style>
+        <p:txBody>
+          <a:bodyPr rtlCol="0" anchor="ctr"/>
+          <a:lstStyle/>
+          <a:p>
+            <a:pPr algn="ctr"/>
+            <a:r>
+              <a:rPr lang="en-US" sz="1200" dirty="0" err="1" smtClean="0"/>
+              <a:t>MySignUps</a:t>
+            </a:r>
+            <a:endParaRPr lang="en-US" sz="1200" dirty="0"/>
+          </a:p>
+        </p:txBody>
+      </p:sp>
+      <p:sp>
+        <p:nvSpPr>
+          <p:cNvPr id="23" name="Rectangle 22"/>
+          <p:cNvSpPr/>
+          <p:nvPr/>
+        </p:nvSpPr>
+        <p:spPr>
+          <a:xfrm>
+            <a:off x="7482937" y="253754"/>
+            <a:ext cx="1420091" cy="277336"/>
+          </a:xfrm>
+          <a:prstGeom prst="rect">
+            <a:avLst/>
+          </a:prstGeom>
+          <a:solidFill>
+            <a:srgbClr val="FFFFFF"/>
+          </a:solidFill>
+          <a:ln/>
+        </p:spPr>
+        <p:style>
+          <a:lnRef idx="2">
+            <a:schemeClr val="dk1"/>
+          </a:lnRef>
+          <a:fillRef idx="1">
+            <a:schemeClr val="lt1"/>
+          </a:fillRef>
+          <a:effectRef idx="0">
+            <a:schemeClr val="dk1"/>
+          </a:effectRef>
+          <a:fontRef idx="minor">
+            <a:schemeClr val="dk1"/>
+          </a:fontRef>
+        </p:style>
+        <p:txBody>
+          <a:bodyPr rtlCol="0" anchor="ctr"/>
+          <a:lstStyle/>
+          <a:p>
+            <a:pPr algn="ctr"/>
+            <a:r>
+              <a:rPr lang="en-US" sz="1200" dirty="0" err="1" smtClean="0"/>
+              <a:t>ViewSignUpExisting</a:t>
+            </a:r>
+            <a:endParaRPr lang="en-US" sz="1200" dirty="0"/>
+          </a:p>
+        </p:txBody>
+      </p:sp>
+      <p:sp>
+        <p:nvSpPr>
+          <p:cNvPr id="33" name="Rectangle 32"/>
+          <p:cNvSpPr/>
+          <p:nvPr/>
+        </p:nvSpPr>
+        <p:spPr>
+          <a:xfrm>
+            <a:off x="2321734" y="1924887"/>
+            <a:ext cx="1420091" cy="277336"/>
+          </a:xfrm>
+          <a:prstGeom prst="rect">
+            <a:avLst/>
+          </a:prstGeom>
+          <a:solidFill>
+            <a:srgbClr val="FFFFFF"/>
+          </a:solidFill>
+          <a:ln/>
+        </p:spPr>
+        <p:style>
+          <a:lnRef idx="2">
+            <a:schemeClr val="dk1"/>
+          </a:lnRef>
+          <a:fillRef idx="1">
+            <a:schemeClr val="lt1"/>
+          </a:fillRef>
+          <a:effectRef idx="0">
+            <a:schemeClr val="dk1"/>
+          </a:effectRef>
+          <a:fontRef idx="minor">
+            <a:schemeClr val="dk1"/>
+          </a:fontRef>
+        </p:style>
+        <p:txBody>
+          <a:bodyPr rtlCol="0" anchor="ctr"/>
+          <a:lstStyle/>
+          <a:p>
+            <a:pPr algn="ctr"/>
+            <a:r>
+              <a:rPr lang="en-US" sz="1200" dirty="0" smtClean="0"/>
+              <a:t>Suggestions</a:t>
+            </a:r>
+            <a:endParaRPr lang="en-US" sz="1200" dirty="0"/>
+          </a:p>
+        </p:txBody>
+      </p:sp>
+      <p:sp>
+        <p:nvSpPr>
+          <p:cNvPr id="35" name="Rectangle 34"/>
+          <p:cNvSpPr/>
+          <p:nvPr/>
+        </p:nvSpPr>
+        <p:spPr>
+          <a:xfrm>
+            <a:off x="4011563" y="1936339"/>
+            <a:ext cx="1420091" cy="277336"/>
+          </a:xfrm>
+          <a:prstGeom prst="rect">
+            <a:avLst/>
+          </a:prstGeom>
+          <a:solidFill>
+            <a:srgbClr val="FFFFFF"/>
+          </a:solidFill>
+          <a:ln/>
+        </p:spPr>
+        <p:style>
+          <a:lnRef idx="2">
+            <a:schemeClr val="dk1"/>
+          </a:lnRef>
+          <a:fillRef idx="1">
+            <a:schemeClr val="lt1"/>
+          </a:fillRef>
+          <a:effectRef idx="0">
+            <a:schemeClr val="dk1"/>
+          </a:effectRef>
+          <a:fontRef idx="minor">
+            <a:schemeClr val="dk1"/>
+          </a:fontRef>
+        </p:style>
+        <p:txBody>
+          <a:bodyPr rtlCol="0" anchor="ctr"/>
+          <a:lstStyle/>
+          <a:p>
+            <a:pPr algn="ctr"/>
+            <a:r>
+              <a:rPr lang="en-US" sz="1200" dirty="0" smtClean="0"/>
+              <a:t>Suggestion</a:t>
+            </a:r>
+            <a:endParaRPr lang="en-US" sz="1200" dirty="0"/>
+          </a:p>
+        </p:txBody>
+      </p:sp>
+      <p:sp>
+        <p:nvSpPr>
+          <p:cNvPr id="44" name="Rectangle 43"/>
+          <p:cNvSpPr/>
+          <p:nvPr/>
+        </p:nvSpPr>
+        <p:spPr>
+          <a:xfrm>
+            <a:off x="2239518" y="1129889"/>
+            <a:ext cx="1420091" cy="277336"/>
+          </a:xfrm>
+          <a:prstGeom prst="rect">
+            <a:avLst/>
+          </a:prstGeom>
+          <a:solidFill>
+            <a:srgbClr val="FFFFFF"/>
+          </a:solidFill>
+          <a:ln/>
+        </p:spPr>
+        <p:style>
+          <a:lnRef idx="2">
+            <a:schemeClr val="dk1"/>
+          </a:lnRef>
+          <a:fillRef idx="1">
+            <a:schemeClr val="lt1"/>
+          </a:fillRef>
+          <a:effectRef idx="0">
+            <a:schemeClr val="dk1"/>
+          </a:effectRef>
+          <a:fontRef idx="minor">
+            <a:schemeClr val="dk1"/>
+          </a:fontRef>
+        </p:style>
+        <p:txBody>
+          <a:bodyPr rtlCol="0" anchor="ctr"/>
+          <a:lstStyle/>
+          <a:p>
+            <a:pPr algn="ctr"/>
+            <a:r>
+              <a:rPr lang="en-US" sz="1200" dirty="0" err="1" smtClean="0"/>
+              <a:t>VolCalendar</a:t>
+            </a:r>
+            <a:endParaRPr lang="en-US" sz="1200" dirty="0"/>
+          </a:p>
+        </p:txBody>
+      </p:sp>
+      <p:sp>
+        <p:nvSpPr>
+          <p:cNvPr id="46" name="Rectangle 45"/>
+          <p:cNvSpPr/>
+          <p:nvPr/>
+        </p:nvSpPr>
+        <p:spPr>
+          <a:xfrm>
+            <a:off x="3942002" y="1130011"/>
+            <a:ext cx="1420091" cy="277336"/>
+          </a:xfrm>
+          <a:prstGeom prst="rect">
+            <a:avLst/>
+          </a:prstGeom>
+          <a:solidFill>
+            <a:srgbClr val="FFFFFF"/>
+          </a:solidFill>
+          <a:ln/>
+        </p:spPr>
+        <p:style>
+          <a:lnRef idx="2">
+            <a:schemeClr val="dk1"/>
+          </a:lnRef>
+          <a:fillRef idx="1">
+            <a:schemeClr val="lt1"/>
+          </a:fillRef>
+          <a:effectRef idx="0">
+            <a:schemeClr val="dk1"/>
+          </a:effectRef>
+          <a:fontRef idx="minor">
+            <a:schemeClr val="dk1"/>
+          </a:fontRef>
+        </p:style>
+        <p:txBody>
+          <a:bodyPr rtlCol="0" anchor="ctr"/>
+          <a:lstStyle/>
+          <a:p>
+            <a:pPr algn="ctr"/>
+            <a:r>
+              <a:rPr lang="en-US" sz="1200" dirty="0" err="1" smtClean="0"/>
+              <a:t>VolPickSite</a:t>
+            </a:r>
+            <a:endParaRPr lang="en-US" sz="1200" dirty="0"/>
+          </a:p>
+        </p:txBody>
+      </p:sp>
+      <p:sp>
+        <p:nvSpPr>
+          <p:cNvPr id="49" name="Rectangle 48"/>
+          <p:cNvSpPr/>
+          <p:nvPr/>
+        </p:nvSpPr>
+        <p:spPr>
+          <a:xfrm>
+            <a:off x="7578141" y="1131333"/>
+            <a:ext cx="1420091" cy="277336"/>
+          </a:xfrm>
+          <a:prstGeom prst="rect">
+            <a:avLst/>
+          </a:prstGeom>
+          <a:solidFill>
+            <a:srgbClr val="FFFFFF"/>
+          </a:solidFill>
+          <a:ln/>
+        </p:spPr>
+        <p:style>
+          <a:lnRef idx="2">
+            <a:schemeClr val="dk1"/>
+          </a:lnRef>
+          <a:fillRef idx="1">
+            <a:schemeClr val="lt1"/>
+          </a:fillRef>
+          <a:effectRef idx="0">
+            <a:schemeClr val="dk1"/>
+          </a:effectRef>
+          <a:fontRef idx="minor">
+            <a:schemeClr val="dk1"/>
+          </a:fontRef>
+        </p:style>
+        <p:txBody>
+          <a:bodyPr rtlCol="0" anchor="ctr"/>
+          <a:lstStyle/>
+          <a:p>
+            <a:pPr algn="ctr"/>
+            <a:r>
+              <a:rPr lang="en-US" sz="1200" dirty="0" err="1" smtClean="0"/>
+              <a:t>ViewSignUpNew</a:t>
+            </a:r>
+            <a:endParaRPr lang="en-US" sz="1200" dirty="0"/>
+          </a:p>
+        </p:txBody>
+      </p:sp>
+      <p:sp>
+        <p:nvSpPr>
+          <p:cNvPr id="72" name="Rectangle 71"/>
+          <p:cNvSpPr/>
+          <p:nvPr/>
+        </p:nvSpPr>
+        <p:spPr>
+          <a:xfrm>
+            <a:off x="671946" y="3297012"/>
+            <a:ext cx="1420091" cy="277336"/>
+          </a:xfrm>
+          <a:prstGeom prst="rect">
+            <a:avLst/>
+          </a:prstGeom>
+          <a:solidFill>
+            <a:srgbClr val="FFFFFF"/>
+          </a:solidFill>
+          <a:ln/>
+        </p:spPr>
+        <p:style>
+          <a:lnRef idx="2">
+            <a:schemeClr val="dk1"/>
+          </a:lnRef>
+          <a:fillRef idx="1">
+            <a:schemeClr val="lt1"/>
+          </a:fillRef>
+          <a:effectRef idx="0">
+            <a:schemeClr val="dk1"/>
+          </a:effectRef>
+          <a:fontRef idx="minor">
+            <a:schemeClr val="dk1"/>
+          </a:fontRef>
+        </p:style>
+        <p:txBody>
+          <a:bodyPr rtlCol="0" anchor="ctr"/>
+          <a:lstStyle/>
+          <a:p>
+            <a:pPr algn="ctr"/>
+            <a:r>
+              <a:rPr lang="en-US" sz="1200" dirty="0" err="1" smtClean="0"/>
+              <a:t>SCMySites</a:t>
+            </a:r>
+            <a:endParaRPr lang="en-US" sz="1200" dirty="0"/>
+          </a:p>
+        </p:txBody>
+      </p:sp>
+      <p:sp>
+        <p:nvSpPr>
+          <p:cNvPr id="74" name="Rectangle 73"/>
+          <p:cNvSpPr/>
+          <p:nvPr/>
+        </p:nvSpPr>
+        <p:spPr>
+          <a:xfrm>
+            <a:off x="834325" y="4423261"/>
+            <a:ext cx="1420091" cy="277336"/>
+          </a:xfrm>
+          <a:prstGeom prst="rect">
+            <a:avLst/>
+          </a:prstGeom>
+          <a:solidFill>
+            <a:srgbClr val="FFFFFF"/>
+          </a:solidFill>
+          <a:ln/>
+        </p:spPr>
+        <p:style>
+          <a:lnRef idx="2">
+            <a:schemeClr val="dk1"/>
+          </a:lnRef>
+          <a:fillRef idx="1">
+            <a:schemeClr val="lt1"/>
+          </a:fillRef>
+          <a:effectRef idx="0">
+            <a:schemeClr val="dk1"/>
+          </a:effectRef>
+          <a:fontRef idx="minor">
+            <a:schemeClr val="dk1"/>
+          </a:fontRef>
+        </p:style>
+        <p:txBody>
+          <a:bodyPr rtlCol="0" anchor="ctr"/>
+          <a:lstStyle/>
+          <a:p>
+            <a:pPr algn="ctr"/>
+            <a:r>
+              <a:rPr lang="en-US" sz="1200" dirty="0" err="1" smtClean="0"/>
+              <a:t>SCSite</a:t>
+            </a:r>
+            <a:endParaRPr lang="en-US" sz="1200" dirty="0"/>
+          </a:p>
+        </p:txBody>
+      </p:sp>
+      <p:sp>
+        <p:nvSpPr>
+          <p:cNvPr id="95" name="Rectangle 94"/>
+          <p:cNvSpPr/>
+          <p:nvPr/>
+        </p:nvSpPr>
+        <p:spPr>
+          <a:xfrm>
+            <a:off x="5877789" y="3664558"/>
+            <a:ext cx="1420091" cy="277336"/>
+          </a:xfrm>
+          <a:prstGeom prst="rect">
+            <a:avLst/>
+          </a:prstGeom>
+          <a:solidFill>
+            <a:srgbClr val="FFFFFF"/>
+          </a:solidFill>
+          <a:ln/>
+        </p:spPr>
+        <p:style>
+          <a:lnRef idx="2">
+            <a:schemeClr val="dk1"/>
+          </a:lnRef>
+          <a:fillRef idx="1">
+            <a:schemeClr val="lt1"/>
+          </a:fillRef>
+          <a:effectRef idx="0">
+            <a:schemeClr val="dk1"/>
+          </a:effectRef>
+          <a:fontRef idx="minor">
+            <a:schemeClr val="dk1"/>
+          </a:fontRef>
+        </p:style>
+        <p:txBody>
+          <a:bodyPr rtlCol="0" anchor="ctr"/>
+          <a:lstStyle/>
+          <a:p>
+            <a:pPr algn="ctr"/>
+            <a:r>
+              <a:rPr lang="en-US" sz="1200" dirty="0" err="1" smtClean="0"/>
+              <a:t>SCSiteVol</a:t>
+            </a:r>
+            <a:endParaRPr lang="en-US" sz="1200" dirty="0"/>
+          </a:p>
+        </p:txBody>
+      </p:sp>
+      <p:sp>
+        <p:nvSpPr>
+          <p:cNvPr id="97" name="Rectangle 96"/>
+          <p:cNvSpPr/>
+          <p:nvPr/>
+        </p:nvSpPr>
+        <p:spPr>
+          <a:xfrm>
+            <a:off x="7578141" y="3664558"/>
+            <a:ext cx="1420091" cy="277336"/>
+          </a:xfrm>
+          <a:prstGeom prst="rect">
+            <a:avLst/>
+          </a:prstGeom>
+          <a:solidFill>
+            <a:srgbClr val="FFFFFF"/>
+          </a:solidFill>
+          <a:ln/>
+        </p:spPr>
+        <p:style>
+          <a:lnRef idx="2">
+            <a:schemeClr val="dk1"/>
+          </a:lnRef>
+          <a:fillRef idx="1">
+            <a:schemeClr val="lt1"/>
+          </a:fillRef>
+          <a:effectRef idx="0">
+            <a:schemeClr val="dk1"/>
+          </a:effectRef>
+          <a:fontRef idx="minor">
+            <a:schemeClr val="dk1"/>
+          </a:fontRef>
+        </p:style>
+        <p:txBody>
+          <a:bodyPr rtlCol="0" anchor="ctr"/>
+          <a:lstStyle/>
+          <a:p>
+            <a:pPr algn="ctr"/>
+            <a:r>
+              <a:rPr lang="en-US" sz="1200" dirty="0" err="1" smtClean="0"/>
+              <a:t>SCVolHours</a:t>
+            </a:r>
+            <a:endParaRPr lang="en-US" sz="1200" dirty="0"/>
+          </a:p>
+        </p:txBody>
+      </p:sp>
+      <p:sp>
+        <p:nvSpPr>
+          <p:cNvPr id="99" name="Rectangle 98"/>
+          <p:cNvSpPr/>
+          <p:nvPr/>
+        </p:nvSpPr>
+        <p:spPr>
+          <a:xfrm>
+            <a:off x="3439499" y="4717682"/>
+            <a:ext cx="1420091" cy="277336"/>
+          </a:xfrm>
+          <a:prstGeom prst="rect">
+            <a:avLst/>
+          </a:prstGeom>
+          <a:solidFill>
+            <a:srgbClr val="FFFFFF"/>
+          </a:solidFill>
+          <a:ln/>
+        </p:spPr>
+        <p:style>
+          <a:lnRef idx="2">
+            <a:schemeClr val="dk1"/>
+          </a:lnRef>
+          <a:fillRef idx="1">
+            <a:schemeClr val="lt1"/>
+          </a:fillRef>
+          <a:effectRef idx="0">
+            <a:schemeClr val="dk1"/>
+          </a:effectRef>
+          <a:fontRef idx="minor">
+            <a:schemeClr val="dk1"/>
+          </a:fontRef>
+        </p:style>
+        <p:txBody>
+          <a:bodyPr rtlCol="0" anchor="ctr"/>
+          <a:lstStyle/>
+          <a:p>
+            <a:pPr algn="ctr"/>
+            <a:r>
+              <a:rPr lang="en-US" sz="1200" dirty="0" err="1" smtClean="0"/>
+              <a:t>SCCalendar</a:t>
+            </a:r>
+            <a:endParaRPr lang="en-US" sz="1200" dirty="0"/>
+          </a:p>
+        </p:txBody>
+      </p:sp>
+      <p:sp>
+        <p:nvSpPr>
+          <p:cNvPr id="101" name="Rectangle 100"/>
+          <p:cNvSpPr/>
+          <p:nvPr/>
+        </p:nvSpPr>
+        <p:spPr>
+          <a:xfrm>
+            <a:off x="5225456" y="4724611"/>
+            <a:ext cx="1420091" cy="277336"/>
+          </a:xfrm>
+          <a:prstGeom prst="rect">
+            <a:avLst/>
+          </a:prstGeom>
+          <a:solidFill>
+            <a:srgbClr val="FFFFFF"/>
+          </a:solidFill>
+          <a:ln/>
+        </p:spPr>
+        <p:style>
+          <a:lnRef idx="2">
+            <a:schemeClr val="dk1"/>
+          </a:lnRef>
+          <a:fillRef idx="1">
+            <a:schemeClr val="lt1"/>
+          </a:fillRef>
+          <a:effectRef idx="0">
+            <a:schemeClr val="dk1"/>
+          </a:effectRef>
+          <a:fontRef idx="minor">
+            <a:schemeClr val="dk1"/>
+          </a:fontRef>
+        </p:style>
+        <p:txBody>
+          <a:bodyPr rtlCol="0" anchor="ctr"/>
+          <a:lstStyle/>
+          <a:p>
+            <a:pPr algn="ctr"/>
+            <a:r>
+              <a:rPr lang="en-US" sz="1200" dirty="0" err="1" smtClean="0"/>
+              <a:t>SCSiteCalShifts</a:t>
+            </a:r>
+            <a:endParaRPr lang="en-US" sz="1200" dirty="0"/>
+          </a:p>
+        </p:txBody>
+      </p:sp>
+      <p:sp>
+        <p:nvSpPr>
+          <p:cNvPr id="103" name="Rectangle 102"/>
+          <p:cNvSpPr/>
+          <p:nvPr/>
+        </p:nvSpPr>
+        <p:spPr>
+          <a:xfrm>
+            <a:off x="7098819" y="4717682"/>
+            <a:ext cx="1420091" cy="277336"/>
+          </a:xfrm>
+          <a:prstGeom prst="rect">
+            <a:avLst/>
+          </a:prstGeom>
+          <a:solidFill>
+            <a:srgbClr val="FFFFFF"/>
+          </a:solidFill>
+          <a:ln/>
+        </p:spPr>
+        <p:style>
+          <a:lnRef idx="2">
+            <a:schemeClr val="dk1"/>
+          </a:lnRef>
+          <a:fillRef idx="1">
+            <a:schemeClr val="lt1"/>
+          </a:fillRef>
+          <a:effectRef idx="0">
+            <a:schemeClr val="dk1"/>
+          </a:effectRef>
+          <a:fontRef idx="minor">
+            <a:schemeClr val="dk1"/>
+          </a:fontRef>
+        </p:style>
+        <p:txBody>
+          <a:bodyPr rtlCol="0" anchor="ctr"/>
+          <a:lstStyle/>
+          <a:p>
+            <a:pPr algn="ctr"/>
+            <a:r>
+              <a:rPr lang="en-US" sz="1200" dirty="0" err="1" smtClean="0"/>
+              <a:t>SCShiftDetails</a:t>
+            </a:r>
+            <a:endParaRPr lang="en-US" sz="1200" dirty="0"/>
+          </a:p>
+        </p:txBody>
+      </p:sp>
+      <p:sp>
+        <p:nvSpPr>
+          <p:cNvPr id="135" name="Rectangle 134"/>
+          <p:cNvSpPr/>
+          <p:nvPr/>
+        </p:nvSpPr>
+        <p:spPr>
+          <a:xfrm>
+            <a:off x="5877789" y="1891298"/>
+            <a:ext cx="1420091" cy="277336"/>
+          </a:xfrm>
+          <a:prstGeom prst="rect">
+            <a:avLst/>
+          </a:prstGeom>
+          <a:solidFill>
+            <a:srgbClr val="FFFFFF"/>
+          </a:solidFill>
+          <a:ln/>
+        </p:spPr>
+        <p:style>
+          <a:lnRef idx="2">
+            <a:schemeClr val="dk1"/>
+          </a:lnRef>
+          <a:fillRef idx="1">
+            <a:schemeClr val="lt1"/>
+          </a:fillRef>
+          <a:effectRef idx="0">
+            <a:schemeClr val="dk1"/>
+          </a:effectRef>
+          <a:fontRef idx="minor">
+            <a:schemeClr val="dk1"/>
+          </a:fontRef>
+        </p:style>
+        <p:txBody>
+          <a:bodyPr rtlCol="0" anchor="ctr"/>
+          <a:lstStyle/>
+          <a:p>
+            <a:pPr algn="ctr"/>
+            <a:r>
+              <a:rPr lang="en-US" sz="1200" dirty="0" err="1" smtClean="0"/>
+              <a:t>VolPickSiteMap</a:t>
+            </a:r>
+            <a:endParaRPr lang="en-US" sz="1200" dirty="0"/>
+          </a:p>
+        </p:txBody>
+      </p:sp>
+      <p:sp>
+        <p:nvSpPr>
+          <p:cNvPr id="82" name="Rectangle 81"/>
+          <p:cNvSpPr/>
+          <p:nvPr/>
+        </p:nvSpPr>
+        <p:spPr>
+          <a:xfrm>
+            <a:off x="2520228" y="3677258"/>
+            <a:ext cx="1420091" cy="277336"/>
+          </a:xfrm>
+          <a:prstGeom prst="rect">
+            <a:avLst/>
+          </a:prstGeom>
+          <a:solidFill>
+            <a:srgbClr val="FFFFFF"/>
+          </a:solidFill>
+          <a:ln/>
+        </p:spPr>
+        <p:style>
+          <a:lnRef idx="2">
+            <a:schemeClr val="dk1"/>
+          </a:lnRef>
+          <a:fillRef idx="1">
+            <a:schemeClr val="lt1"/>
+          </a:fillRef>
+          <a:effectRef idx="0">
+            <a:schemeClr val="dk1"/>
+          </a:effectRef>
+          <a:fontRef idx="minor">
+            <a:schemeClr val="dk1"/>
+          </a:fontRef>
+        </p:style>
+        <p:txBody>
+          <a:bodyPr rtlCol="0" anchor="ctr"/>
+          <a:lstStyle/>
+          <a:p>
+            <a:pPr algn="ctr"/>
+            <a:r>
+              <a:rPr lang="en-US" sz="1200" dirty="0" err="1" smtClean="0"/>
+              <a:t>SCSiteVolCalendar</a:t>
+            </a:r>
+            <a:endParaRPr lang="en-US" sz="1200" dirty="0" smtClean="0"/>
+          </a:p>
+        </p:txBody>
+      </p:sp>
+      <p:sp>
+        <p:nvSpPr>
+          <p:cNvPr id="85" name="Rectangle 84"/>
+          <p:cNvSpPr/>
+          <p:nvPr/>
+        </p:nvSpPr>
+        <p:spPr>
+          <a:xfrm>
+            <a:off x="5743765" y="1131211"/>
+            <a:ext cx="1420091" cy="277336"/>
+          </a:xfrm>
+          <a:prstGeom prst="rect">
+            <a:avLst/>
+          </a:prstGeom>
+          <a:solidFill>
+            <a:srgbClr val="FFFFFF"/>
+          </a:solidFill>
+          <a:ln/>
+        </p:spPr>
+        <p:style>
+          <a:lnRef idx="2">
+            <a:schemeClr val="dk1"/>
+          </a:lnRef>
+          <a:fillRef idx="1">
+            <a:schemeClr val="lt1"/>
+          </a:fillRef>
+          <a:effectRef idx="0">
+            <a:schemeClr val="dk1"/>
+          </a:effectRef>
+          <a:fontRef idx="minor">
+            <a:schemeClr val="dk1"/>
+          </a:fontRef>
+        </p:style>
+        <p:txBody>
+          <a:bodyPr rtlCol="0" anchor="ctr"/>
+          <a:lstStyle/>
+          <a:p>
+            <a:pPr algn="ctr"/>
+            <a:r>
+              <a:rPr lang="en-US" sz="1200" dirty="0" err="1" smtClean="0"/>
+              <a:t>VolPickShift</a:t>
+            </a:r>
+            <a:endParaRPr lang="en-US" sz="1200" dirty="0"/>
+          </a:p>
+        </p:txBody>
+      </p:sp>
+      <p:sp>
+        <p:nvSpPr>
+          <p:cNvPr id="127" name="TextBox 126"/>
+          <p:cNvSpPr txBox="1"/>
+          <p:nvPr/>
+        </p:nvSpPr>
+        <p:spPr>
+          <a:xfrm>
+            <a:off x="4594284" y="3941894"/>
+            <a:ext cx="761747" cy="276999"/>
+          </a:xfrm>
+          <a:prstGeom prst="rect">
+            <a:avLst/>
+          </a:prstGeom>
+          <a:noFill/>
+        </p:spPr>
+        <p:txBody>
+          <a:bodyPr wrap="none" rtlCol="0">
+            <a:spAutoFit/>
+          </a:bodyPr>
+          <a:lstStyle/>
+          <a:p>
+            <a:pPr algn="ctr"/>
+            <a:r>
+              <a:rPr lang="en-US" sz="1200" dirty="0" err="1" smtClean="0"/>
+              <a:t>SiteShifts</a:t>
+            </a:r>
+            <a:endParaRPr lang="en-US" sz="1200" dirty="0"/>
+          </a:p>
+        </p:txBody>
+      </p:sp>
+      <p:sp>
+        <p:nvSpPr>
+          <p:cNvPr id="128" name="Rectangle 127"/>
+          <p:cNvSpPr/>
+          <p:nvPr/>
+        </p:nvSpPr>
+        <p:spPr>
+          <a:xfrm>
+            <a:off x="4203259" y="3664558"/>
+            <a:ext cx="1420091" cy="277336"/>
+          </a:xfrm>
+          <a:prstGeom prst="rect">
+            <a:avLst/>
+          </a:prstGeom>
+          <a:solidFill>
+            <a:srgbClr val="FFFFFF"/>
+          </a:solidFill>
+          <a:ln/>
+        </p:spPr>
+        <p:style>
+          <a:lnRef idx="2">
+            <a:schemeClr val="dk1"/>
+          </a:lnRef>
+          <a:fillRef idx="1">
+            <a:schemeClr val="lt1"/>
+          </a:fillRef>
+          <a:effectRef idx="0">
+            <a:schemeClr val="dk1"/>
+          </a:effectRef>
+          <a:fontRef idx="minor">
+            <a:schemeClr val="dk1"/>
+          </a:fontRef>
+        </p:style>
+        <p:txBody>
+          <a:bodyPr rtlCol="0" anchor="ctr"/>
+          <a:lstStyle/>
+          <a:p>
+            <a:pPr algn="ctr"/>
+            <a:r>
+              <a:rPr lang="en-US" sz="1200" dirty="0" err="1" smtClean="0"/>
+              <a:t>SCSiteShifts</a:t>
+            </a:r>
+            <a:endParaRPr lang="en-US" sz="1200" dirty="0"/>
+          </a:p>
+        </p:txBody>
+      </p:sp>
+      <p:cxnSp>
+        <p:nvCxnSpPr>
+          <p:cNvPr id="137" name="Curved Connector 136"/>
+          <p:cNvCxnSpPr>
+            <a:stCxn id="128" idx="3"/>
+            <a:endCxn id="95" idx="1"/>
+          </p:cNvCxnSpPr>
+          <p:nvPr/>
+        </p:nvCxnSpPr>
+        <p:spPr>
+          <a:xfrm>
+            <a:off x="5623350" y="3803226"/>
+            <a:ext cx="254439" cy="12700"/>
+          </a:xfrm>
+          <a:prstGeom prst="curvedConnector3">
+            <a:avLst>
+              <a:gd name="adj1" fmla="val 50000"/>
+            </a:avLst>
+          </a:prstGeom>
+          <a:ln w="19050" cmpd="sng">
             <a:tailEnd type="arrow"/>
           </a:ln>
         </p:spPr>
@@ -5675,27 +5941,25 @@
       </p:cxnSp>
       <p:cxnSp>
         <p:nvCxnSpPr>
-          <p:cNvPr id="140" name="Curved Connector 139"/>
+          <p:cNvPr id="138" name="Curved Connector 137"/>
           <p:cNvCxnSpPr>
-            <a:stCxn id="48" idx="2"/>
-            <a:endCxn id="135" idx="1"/>
+            <a:stCxn id="101" idx="3"/>
+            <a:endCxn id="103" idx="1"/>
           </p:cNvCxnSpPr>
           <p:nvPr/>
         </p:nvCxnSpPr>
         <p:spPr>
-          <a:xfrm rot="5400000">
-            <a:off x="7683351" y="1514365"/>
-            <a:ext cx="334274" cy="720718"/>
-          </a:xfrm>
-          <a:prstGeom prst="curvedConnector4">
+          <a:xfrm flipV="1">
+            <a:off x="6645547" y="4856350"/>
+            <a:ext cx="453272" cy="6929"/>
+          </a:xfrm>
+          <a:prstGeom prst="curvedConnector3">
             <a:avLst>
-              <a:gd name="adj1" fmla="val 29258"/>
-              <a:gd name="adj2" fmla="val 131718"/>
+              <a:gd name="adj1" fmla="val 50000"/>
             </a:avLst>
           </a:prstGeom>
           <a:ln w="19050" cmpd="sng">
-            <a:headEnd type="arrow"/>
-            <a:tailEnd type="none"/>
+            <a:tailEnd type="arrow"/>
           </a:ln>
         </p:spPr>
         <p:style>
@@ -5713,97 +5977,23 @@
           </a:fontRef>
         </p:style>
       </p:cxnSp>
-      <p:sp>
-        <p:nvSpPr>
-          <p:cNvPr id="81" name="TextBox 80"/>
-          <p:cNvSpPr txBox="1"/>
-          <p:nvPr/>
-        </p:nvSpPr>
-        <p:spPr>
-          <a:xfrm>
-            <a:off x="3423650" y="3990014"/>
-            <a:ext cx="1497751" cy="276999"/>
-          </a:xfrm>
-          <a:prstGeom prst="rect">
-            <a:avLst/>
-          </a:prstGeom>
-          <a:noFill/>
-        </p:spPr>
-        <p:txBody>
-          <a:bodyPr wrap="none" rtlCol="0">
-            <a:spAutoFit/>
-          </a:bodyPr>
-          <a:lstStyle/>
-          <a:p>
-            <a:pPr algn="ctr"/>
-            <a:r>
-              <a:rPr lang="en-US" sz="1200" dirty="0" err="1" smtClean="0"/>
-              <a:t>A_SCSiteVolCalendar</a:t>
-            </a:r>
-            <a:endParaRPr lang="en-US" sz="1200" dirty="0"/>
-          </a:p>
-        </p:txBody>
-      </p:sp>
-      <p:sp>
-        <p:nvSpPr>
-          <p:cNvPr id="82" name="Rectangle 81"/>
-          <p:cNvSpPr/>
-          <p:nvPr/>
-        </p:nvSpPr>
-        <p:spPr>
-          <a:xfrm>
-            <a:off x="3462480" y="3712678"/>
-            <a:ext cx="1420091" cy="277336"/>
-          </a:xfrm>
-          <a:prstGeom prst="rect">
-            <a:avLst/>
-          </a:prstGeom>
-          <a:ln/>
-        </p:spPr>
-        <p:style>
-          <a:lnRef idx="2">
-            <a:schemeClr val="dk1"/>
-          </a:lnRef>
-          <a:fillRef idx="1">
-            <a:schemeClr val="lt1"/>
-          </a:fillRef>
-          <a:effectRef idx="0">
-            <a:schemeClr val="dk1"/>
-          </a:effectRef>
-          <a:fontRef idx="minor">
-            <a:schemeClr val="dk1"/>
-          </a:fontRef>
-        </p:style>
-        <p:txBody>
-          <a:bodyPr rtlCol="0" anchor="ctr"/>
-          <a:lstStyle/>
-          <a:p>
-            <a:pPr algn="ctr"/>
-            <a:r>
-              <a:rPr lang="en-US" sz="1200" dirty="0" err="1" smtClean="0"/>
-              <a:t>SCSiteVolCalendar</a:t>
-            </a:r>
-            <a:endParaRPr lang="en-US" sz="1200" dirty="0" smtClean="0"/>
-          </a:p>
-        </p:txBody>
-      </p:sp>
       <p:cxnSp>
         <p:nvCxnSpPr>
-          <p:cNvPr id="84" name="Curved Connector 83"/>
+          <p:cNvPr id="139" name="Curved Connector 138"/>
           <p:cNvCxnSpPr>
-            <a:stCxn id="82" idx="3"/>
-            <a:endCxn id="95" idx="1"/>
+            <a:stCxn id="21" idx="3"/>
+            <a:endCxn id="49" idx="1"/>
           </p:cNvCxnSpPr>
           <p:nvPr/>
         </p:nvCxnSpPr>
         <p:spPr>
           <a:xfrm>
-            <a:off x="4882571" y="3851346"/>
-            <a:ext cx="479522" cy="1"/>
+            <a:off x="5592617" y="431308"/>
+            <a:ext cx="1985524" cy="838693"/>
           </a:xfrm>
           <a:prstGeom prst="curvedConnector3">
             <a:avLst>
-              <a:gd name="adj1" fmla="val 50000"/>
+              <a:gd name="adj1" fmla="val 77330"/>
             </a:avLst>
           </a:prstGeom>
           <a:ln w="19050" cmpd="sng">
@@ -5825,6 +6015,36 @@
           </a:fontRef>
         </p:style>
       </p:cxnSp>
+      <p:sp>
+        <p:nvSpPr>
+          <p:cNvPr id="143" name="TextBox 142"/>
+          <p:cNvSpPr txBox="1"/>
+          <p:nvPr/>
+        </p:nvSpPr>
+        <p:spPr>
+          <a:xfrm>
+            <a:off x="6634711" y="490758"/>
+            <a:ext cx="496538" cy="369332"/>
+          </a:xfrm>
+          <a:prstGeom prst="rect">
+            <a:avLst/>
+          </a:prstGeom>
+          <a:noFill/>
+        </p:spPr>
+        <p:txBody>
+          <a:bodyPr wrap="none" rtlCol="0">
+            <a:spAutoFit/>
+          </a:bodyPr>
+          <a:lstStyle/>
+          <a:p>
+            <a:r>
+              <a:rPr lang="en-US" dirty="0" err="1" smtClean="0"/>
+              <a:t>iOS</a:t>
+            </a:r>
+            <a:endParaRPr lang="en-US" dirty="0"/>
+          </a:p>
+        </p:txBody>
+      </p:sp>
     </p:spTree>
     <p:extLst>
       <p:ext uri="{BB962C8B-B14F-4D97-AF65-F5344CB8AC3E}">

--- a/Activity Flow.pptx
+++ b/Activity Flow.pptx
@@ -5,8 +5,10 @@
     <p:sldMasterId id="2147483648" r:id="rId1"/>
   </p:sldMasterIdLst>
   <p:sldIdLst>
-    <p:sldId id="256" r:id="rId2"/>
-    <p:sldId id="257" r:id="rId3"/>
+    <p:sldId id="257" r:id="rId2"/>
+    <p:sldId id="258" r:id="rId3"/>
+    <p:sldId id="260" r:id="rId4"/>
+    <p:sldId id="259" r:id="rId5"/>
   </p:sldIdLst>
   <p:sldSz cx="9144000" cy="6858000" type="screen4x3"/>
   <p:notesSz cx="6858000" cy="9144000"/>
@@ -289,7 +291,7 @@
           <a:p>
             <a:fld id="{C8F63C33-E5D7-9F4F-83CE-651F8C0917C8}" type="datetimeFigureOut">
               <a:rPr lang="en-US" smtClean="0"/>
-              <a:t>11/22/17</a:t>
+              <a:t>8/16/18</a:t>
             </a:fld>
             <a:endParaRPr lang="en-US"/>
           </a:p>
@@ -459,7 +461,7 @@
           <a:p>
             <a:fld id="{C8F63C33-E5D7-9F4F-83CE-651F8C0917C8}" type="datetimeFigureOut">
               <a:rPr lang="en-US" smtClean="0"/>
-              <a:t>11/22/17</a:t>
+              <a:t>8/16/18</a:t>
             </a:fld>
             <a:endParaRPr lang="en-US"/>
           </a:p>
@@ -639,7 +641,7 @@
           <a:p>
             <a:fld id="{C8F63C33-E5D7-9F4F-83CE-651F8C0917C8}" type="datetimeFigureOut">
               <a:rPr lang="en-US" smtClean="0"/>
-              <a:t>11/22/17</a:t>
+              <a:t>8/16/18</a:t>
             </a:fld>
             <a:endParaRPr lang="en-US"/>
           </a:p>
@@ -809,7 +811,7 @@
           <a:p>
             <a:fld id="{C8F63C33-E5D7-9F4F-83CE-651F8C0917C8}" type="datetimeFigureOut">
               <a:rPr lang="en-US" smtClean="0"/>
-              <a:t>11/22/17</a:t>
+              <a:t>8/16/18</a:t>
             </a:fld>
             <a:endParaRPr lang="en-US"/>
           </a:p>
@@ -1055,7 +1057,7 @@
           <a:p>
             <a:fld id="{C8F63C33-E5D7-9F4F-83CE-651F8C0917C8}" type="datetimeFigureOut">
               <a:rPr lang="en-US" smtClean="0"/>
-              <a:t>11/22/17</a:t>
+              <a:t>8/16/18</a:t>
             </a:fld>
             <a:endParaRPr lang="en-US"/>
           </a:p>
@@ -1343,7 +1345,7 @@
           <a:p>
             <a:fld id="{C8F63C33-E5D7-9F4F-83CE-651F8C0917C8}" type="datetimeFigureOut">
               <a:rPr lang="en-US" smtClean="0"/>
-              <a:t>11/22/17</a:t>
+              <a:t>8/16/18</a:t>
             </a:fld>
             <a:endParaRPr lang="en-US"/>
           </a:p>
@@ -1765,7 +1767,7 @@
           <a:p>
             <a:fld id="{C8F63C33-E5D7-9F4F-83CE-651F8C0917C8}" type="datetimeFigureOut">
               <a:rPr lang="en-US" smtClean="0"/>
-              <a:t>11/22/17</a:t>
+              <a:t>8/16/18</a:t>
             </a:fld>
             <a:endParaRPr lang="en-US"/>
           </a:p>
@@ -1883,7 +1885,7 @@
           <a:p>
             <a:fld id="{C8F63C33-E5D7-9F4F-83CE-651F8C0917C8}" type="datetimeFigureOut">
               <a:rPr lang="en-US" smtClean="0"/>
-              <a:t>11/22/17</a:t>
+              <a:t>8/16/18</a:t>
             </a:fld>
             <a:endParaRPr lang="en-US"/>
           </a:p>
@@ -1978,7 +1980,7 @@
           <a:p>
             <a:fld id="{C8F63C33-E5D7-9F4F-83CE-651F8C0917C8}" type="datetimeFigureOut">
               <a:rPr lang="en-US" smtClean="0"/>
-              <a:t>11/22/17</a:t>
+              <a:t>8/16/18</a:t>
             </a:fld>
             <a:endParaRPr lang="en-US"/>
           </a:p>
@@ -2255,7 +2257,7 @@
           <a:p>
             <a:fld id="{C8F63C33-E5D7-9F4F-83CE-651F8C0917C8}" type="datetimeFigureOut">
               <a:rPr lang="en-US" smtClean="0"/>
-              <a:t>11/22/17</a:t>
+              <a:t>8/16/18</a:t>
             </a:fld>
             <a:endParaRPr lang="en-US"/>
           </a:p>
@@ -2508,7 +2510,7 @@
           <a:p>
             <a:fld id="{C8F63C33-E5D7-9F4F-83CE-651F8C0917C8}" type="datetimeFigureOut">
               <a:rPr lang="en-US" smtClean="0"/>
-              <a:t>11/22/17</a:t>
+              <a:t>8/16/18</a:t>
             </a:fld>
             <a:endParaRPr lang="en-US"/>
           </a:p>
@@ -2721,7 +2723,7 @@
           <a:p>
             <a:fld id="{C8F63C33-E5D7-9F4F-83CE-651F8C0917C8}" type="datetimeFigureOut">
               <a:rPr lang="en-US" smtClean="0"/>
-              <a:t>11/22/17</a:t>
+              <a:t>8/16/18</a:t>
             </a:fld>
             <a:endParaRPr lang="en-US"/>
           </a:p>
@@ -3098,46 +3100,2923 @@
       </p:grpSpPr>
       <p:sp>
         <p:nvSpPr>
-          <p:cNvPr id="2" name="Title 1"/>
-          <p:cNvSpPr>
-            <a:spLocks noGrp="1"/>
-          </p:cNvSpPr>
-          <p:nvPr>
-            <p:ph type="ctrTitle"/>
-          </p:nvPr>
-        </p:nvSpPr>
-        <p:spPr/>
-        <p:txBody>
-          <a:bodyPr/>
-          <a:lstStyle/>
-          <a:p>
-            <a:endParaRPr lang="en-US"/>
-          </a:p>
-        </p:txBody>
-      </p:sp>
-      <p:sp>
-        <p:nvSpPr>
-          <p:cNvPr id="3" name="Subtitle 2"/>
-          <p:cNvSpPr>
-            <a:spLocks noGrp="1"/>
-          </p:cNvSpPr>
-          <p:nvPr>
-            <p:ph type="subTitle" idx="1"/>
-          </p:nvPr>
-        </p:nvSpPr>
-        <p:spPr/>
-        <p:txBody>
-          <a:bodyPr/>
-          <a:lstStyle/>
-          <a:p>
-            <a:endParaRPr lang="en-US"/>
+          <p:cNvPr id="5" name="TextBox 4"/>
+          <p:cNvSpPr txBox="1"/>
+          <p:nvPr/>
+        </p:nvSpPr>
+        <p:spPr>
+          <a:xfrm>
+            <a:off x="446861" y="531090"/>
+            <a:ext cx="1125128" cy="276999"/>
+          </a:xfrm>
+          <a:prstGeom prst="rect">
+            <a:avLst/>
+          </a:prstGeom>
+          <a:noFill/>
+        </p:spPr>
+        <p:txBody>
+          <a:bodyPr wrap="none" rtlCol="0">
+            <a:spAutoFit/>
+          </a:bodyPr>
+          <a:lstStyle/>
+          <a:p>
+            <a:pPr algn="ctr"/>
+            <a:r>
+              <a:rPr lang="en-US" sz="1200" dirty="0" err="1" smtClean="0"/>
+              <a:t>ViewController</a:t>
+            </a:r>
+            <a:endParaRPr lang="en-US" sz="1200" dirty="0"/>
+          </a:p>
+        </p:txBody>
+      </p:sp>
+      <p:sp>
+        <p:nvSpPr>
+          <p:cNvPr id="7" name="TextBox 6"/>
+          <p:cNvSpPr txBox="1"/>
+          <p:nvPr/>
+        </p:nvSpPr>
+        <p:spPr>
+          <a:xfrm>
+            <a:off x="787630" y="1975411"/>
+            <a:ext cx="569387" cy="276999"/>
+          </a:xfrm>
+          <a:prstGeom prst="rect">
+            <a:avLst/>
+          </a:prstGeom>
+          <a:noFill/>
+        </p:spPr>
+        <p:txBody>
+          <a:bodyPr wrap="none" rtlCol="0">
+            <a:spAutoFit/>
+          </a:bodyPr>
+          <a:lstStyle/>
+          <a:p>
+            <a:pPr algn="ctr"/>
+            <a:r>
+              <a:rPr lang="en-US" sz="1200" dirty="0" smtClean="0"/>
+              <a:t>About</a:t>
+            </a:r>
+            <a:endParaRPr lang="en-US" sz="1200" dirty="0"/>
+          </a:p>
+        </p:txBody>
+      </p:sp>
+      <p:sp>
+        <p:nvSpPr>
+          <p:cNvPr id="9" name="TextBox 8"/>
+          <p:cNvSpPr txBox="1"/>
+          <p:nvPr/>
+        </p:nvSpPr>
+        <p:spPr>
+          <a:xfrm>
+            <a:off x="1098043" y="2729466"/>
+            <a:ext cx="697627" cy="276999"/>
+          </a:xfrm>
+          <a:prstGeom prst="rect">
+            <a:avLst/>
+          </a:prstGeom>
+          <a:noFill/>
+        </p:spPr>
+        <p:txBody>
+          <a:bodyPr wrap="none" rtlCol="0">
+            <a:spAutoFit/>
+          </a:bodyPr>
+          <a:lstStyle/>
+          <a:p>
+            <a:pPr algn="ctr"/>
+            <a:r>
+              <a:rPr lang="en-US" sz="1200" dirty="0" smtClean="0"/>
+              <a:t>Register</a:t>
+            </a:r>
+            <a:endParaRPr lang="en-US" sz="1200" dirty="0"/>
+          </a:p>
+        </p:txBody>
+      </p:sp>
+      <p:cxnSp>
+        <p:nvCxnSpPr>
+          <p:cNvPr id="12" name="Curved Connector 11"/>
+          <p:cNvCxnSpPr>
+            <a:stCxn id="5" idx="2"/>
+            <a:endCxn id="8" idx="1"/>
+          </p:cNvCxnSpPr>
+          <p:nvPr/>
+        </p:nvCxnSpPr>
+        <p:spPr>
+          <a:xfrm rot="5400000">
+            <a:off x="232840" y="1060158"/>
+            <a:ext cx="1028654" cy="524516"/>
+          </a:xfrm>
+          <a:prstGeom prst="curvedConnector4">
+            <a:avLst>
+              <a:gd name="adj1" fmla="val 43260"/>
+              <a:gd name="adj2" fmla="val 136979"/>
+            </a:avLst>
+          </a:prstGeom>
+          <a:ln w="19050" cmpd="sng">
+            <a:tailEnd type="arrow"/>
+          </a:ln>
+        </p:spPr>
+        <p:style>
+          <a:lnRef idx="1">
+            <a:schemeClr val="dk1"/>
+          </a:lnRef>
+          <a:fillRef idx="0">
+            <a:schemeClr val="dk1"/>
+          </a:fillRef>
+          <a:effectRef idx="0">
+            <a:schemeClr val="dk1"/>
+          </a:effectRef>
+          <a:fontRef idx="minor">
+            <a:schemeClr val="tx1"/>
+          </a:fontRef>
+        </p:style>
+      </p:cxnSp>
+      <p:cxnSp>
+        <p:nvCxnSpPr>
+          <p:cNvPr id="13" name="Curved Connector 12"/>
+          <p:cNvCxnSpPr>
+            <a:stCxn id="5" idx="2"/>
+            <a:endCxn id="10" idx="1"/>
+          </p:cNvCxnSpPr>
+          <p:nvPr/>
+        </p:nvCxnSpPr>
+        <p:spPr>
+          <a:xfrm rot="5400000">
+            <a:off x="-49162" y="1532210"/>
+            <a:ext cx="1782709" cy="334466"/>
+          </a:xfrm>
+          <a:prstGeom prst="curvedConnector4">
+            <a:avLst>
+              <a:gd name="adj1" fmla="val 46111"/>
+              <a:gd name="adj2" fmla="val 168348"/>
+            </a:avLst>
+          </a:prstGeom>
+          <a:ln w="19050" cmpd="sng">
+            <a:tailEnd type="arrow"/>
+          </a:ln>
+        </p:spPr>
+        <p:style>
+          <a:lnRef idx="1">
+            <a:schemeClr val="dk1"/>
+          </a:lnRef>
+          <a:fillRef idx="0">
+            <a:schemeClr val="dk1"/>
+          </a:fillRef>
+          <a:effectRef idx="0">
+            <a:schemeClr val="dk1"/>
+          </a:effectRef>
+          <a:fontRef idx="minor">
+            <a:schemeClr val="tx1"/>
+          </a:fontRef>
+        </p:style>
+      </p:cxnSp>
+      <p:sp>
+        <p:nvSpPr>
+          <p:cNvPr id="18" name="TextBox 17"/>
+          <p:cNvSpPr txBox="1"/>
+          <p:nvPr/>
+        </p:nvSpPr>
+        <p:spPr>
+          <a:xfrm>
+            <a:off x="2358842" y="567696"/>
+            <a:ext cx="1300356" cy="276999"/>
+          </a:xfrm>
+          <a:prstGeom prst="rect">
+            <a:avLst/>
+          </a:prstGeom>
+          <a:noFill/>
+        </p:spPr>
+        <p:txBody>
+          <a:bodyPr wrap="none" rtlCol="0">
+            <a:spAutoFit/>
+          </a:bodyPr>
+          <a:lstStyle/>
+          <a:p>
+            <a:pPr algn="ctr"/>
+            <a:r>
+              <a:rPr lang="en-US" sz="1200" dirty="0" err="1" smtClean="0"/>
+              <a:t>VolunteerOptions</a:t>
+            </a:r>
+            <a:endParaRPr lang="en-US" sz="1200" dirty="0"/>
+          </a:p>
+        </p:txBody>
+      </p:sp>
+      <p:sp>
+        <p:nvSpPr>
+          <p:cNvPr id="20" name="TextBox 19"/>
+          <p:cNvSpPr txBox="1"/>
+          <p:nvPr/>
+        </p:nvSpPr>
+        <p:spPr>
+          <a:xfrm>
+            <a:off x="4448245" y="581428"/>
+            <a:ext cx="889987" cy="276999"/>
+          </a:xfrm>
+          <a:prstGeom prst="rect">
+            <a:avLst/>
+          </a:prstGeom>
+          <a:noFill/>
+        </p:spPr>
+        <p:txBody>
+          <a:bodyPr wrap="none" rtlCol="0">
+            <a:spAutoFit/>
+          </a:bodyPr>
+          <a:lstStyle/>
+          <a:p>
+            <a:pPr algn="ctr"/>
+            <a:r>
+              <a:rPr lang="en-US" sz="1200" dirty="0" err="1" smtClean="0"/>
+              <a:t>MySignUps</a:t>
+            </a:r>
+            <a:endParaRPr lang="en-US" sz="1200" dirty="0"/>
+          </a:p>
+        </p:txBody>
+      </p:sp>
+      <p:sp>
+        <p:nvSpPr>
+          <p:cNvPr id="22" name="TextBox 21"/>
+          <p:cNvSpPr txBox="1"/>
+          <p:nvPr/>
+        </p:nvSpPr>
+        <p:spPr>
+          <a:xfrm>
+            <a:off x="7423462" y="551040"/>
+            <a:ext cx="1574770" cy="276999"/>
+          </a:xfrm>
+          <a:prstGeom prst="rect">
+            <a:avLst/>
+          </a:prstGeom>
+          <a:noFill/>
+        </p:spPr>
+        <p:txBody>
+          <a:bodyPr wrap="none" rtlCol="0">
+            <a:spAutoFit/>
+          </a:bodyPr>
+          <a:lstStyle/>
+          <a:p>
+            <a:pPr algn="ctr"/>
+            <a:r>
+              <a:rPr lang="en-US" sz="1200" dirty="0" err="1" smtClean="0"/>
+              <a:t>A_ViewSignUpExisting</a:t>
+            </a:r>
+            <a:endParaRPr lang="en-US" sz="1200" dirty="0"/>
+          </a:p>
+        </p:txBody>
+      </p:sp>
+      <p:cxnSp>
+        <p:nvCxnSpPr>
+          <p:cNvPr id="25" name="Curved Connector 24"/>
+          <p:cNvCxnSpPr>
+            <a:stCxn id="6" idx="3"/>
+            <a:endCxn id="19" idx="1"/>
+          </p:cNvCxnSpPr>
+          <p:nvPr/>
+        </p:nvCxnSpPr>
+        <p:spPr>
+          <a:xfrm>
+            <a:off x="1720272" y="392422"/>
+            <a:ext cx="568036" cy="25154"/>
+          </a:xfrm>
+          <a:prstGeom prst="curvedConnector3">
+            <a:avLst/>
+          </a:prstGeom>
+          <a:ln w="19050" cmpd="sng">
+            <a:tailEnd type="arrow"/>
+          </a:ln>
+        </p:spPr>
+        <p:style>
+          <a:lnRef idx="1">
+            <a:schemeClr val="dk1"/>
+          </a:lnRef>
+          <a:fillRef idx="0">
+            <a:schemeClr val="dk1"/>
+          </a:fillRef>
+          <a:effectRef idx="0">
+            <a:schemeClr val="dk1"/>
+          </a:effectRef>
+          <a:fontRef idx="minor">
+            <a:schemeClr val="tx1"/>
+          </a:fontRef>
+        </p:style>
+      </p:cxnSp>
+      <p:cxnSp>
+        <p:nvCxnSpPr>
+          <p:cNvPr id="26" name="Curved Connector 25"/>
+          <p:cNvCxnSpPr>
+            <a:stCxn id="19" idx="3"/>
+            <a:endCxn id="21" idx="1"/>
+          </p:cNvCxnSpPr>
+          <p:nvPr/>
+        </p:nvCxnSpPr>
+        <p:spPr>
+          <a:xfrm>
+            <a:off x="3708399" y="417576"/>
+            <a:ext cx="464127" cy="13732"/>
+          </a:xfrm>
+          <a:prstGeom prst="curvedConnector3">
+            <a:avLst/>
+          </a:prstGeom>
+          <a:ln w="19050" cmpd="sng">
+            <a:tailEnd type="arrow"/>
+          </a:ln>
+        </p:spPr>
+        <p:style>
+          <a:lnRef idx="1">
+            <a:schemeClr val="dk1"/>
+          </a:lnRef>
+          <a:fillRef idx="0">
+            <a:schemeClr val="dk1"/>
+          </a:fillRef>
+          <a:effectRef idx="0">
+            <a:schemeClr val="dk1"/>
+          </a:effectRef>
+          <a:fontRef idx="minor">
+            <a:schemeClr val="tx1"/>
+          </a:fontRef>
+        </p:style>
+      </p:cxnSp>
+      <p:cxnSp>
+        <p:nvCxnSpPr>
+          <p:cNvPr id="29" name="Curved Connector 28"/>
+          <p:cNvCxnSpPr>
+            <a:stCxn id="21" idx="3"/>
+            <a:endCxn id="23" idx="1"/>
+          </p:cNvCxnSpPr>
+          <p:nvPr/>
+        </p:nvCxnSpPr>
+        <p:spPr>
+          <a:xfrm flipV="1">
+            <a:off x="5592617" y="392422"/>
+            <a:ext cx="1890320" cy="38886"/>
+          </a:xfrm>
+          <a:prstGeom prst="curvedConnector3">
+            <a:avLst/>
+          </a:prstGeom>
+          <a:ln w="19050" cmpd="sng">
+            <a:tailEnd type="arrow"/>
+          </a:ln>
+        </p:spPr>
+        <p:style>
+          <a:lnRef idx="1">
+            <a:schemeClr val="dk1"/>
+          </a:lnRef>
+          <a:fillRef idx="0">
+            <a:schemeClr val="dk1"/>
+          </a:fillRef>
+          <a:effectRef idx="0">
+            <a:schemeClr val="dk1"/>
+          </a:effectRef>
+          <a:fontRef idx="minor">
+            <a:schemeClr val="tx1"/>
+          </a:fontRef>
+        </p:style>
+      </p:cxnSp>
+      <p:sp>
+        <p:nvSpPr>
+          <p:cNvPr id="32" name="TextBox 31"/>
+          <p:cNvSpPr txBox="1"/>
+          <p:nvPr/>
+        </p:nvSpPr>
+        <p:spPr>
+          <a:xfrm>
+            <a:off x="2578219" y="2213675"/>
+            <a:ext cx="928459" cy="276999"/>
+          </a:xfrm>
+          <a:prstGeom prst="rect">
+            <a:avLst/>
+          </a:prstGeom>
+          <a:noFill/>
+        </p:spPr>
+        <p:txBody>
+          <a:bodyPr wrap="none" rtlCol="0">
+            <a:spAutoFit/>
+          </a:bodyPr>
+          <a:lstStyle/>
+          <a:p>
+            <a:pPr algn="ctr"/>
+            <a:r>
+              <a:rPr lang="en-US" sz="1200" dirty="0" smtClean="0"/>
+              <a:t>Suggestions</a:t>
+            </a:r>
+            <a:endParaRPr lang="en-US" sz="1200" dirty="0"/>
+          </a:p>
+        </p:txBody>
+      </p:sp>
+      <p:sp>
+        <p:nvSpPr>
+          <p:cNvPr id="34" name="TextBox 33"/>
+          <p:cNvSpPr txBox="1"/>
+          <p:nvPr/>
+        </p:nvSpPr>
+        <p:spPr>
+          <a:xfrm>
+            <a:off x="4299480" y="2225127"/>
+            <a:ext cx="865592" cy="276999"/>
+          </a:xfrm>
+          <a:prstGeom prst="rect">
+            <a:avLst/>
+          </a:prstGeom>
+          <a:noFill/>
+        </p:spPr>
+        <p:txBody>
+          <a:bodyPr wrap="none" rtlCol="0">
+            <a:spAutoFit/>
+          </a:bodyPr>
+          <a:lstStyle/>
+          <a:p>
+            <a:pPr algn="ctr"/>
+            <a:r>
+              <a:rPr lang="en-US" sz="1200" dirty="0" smtClean="0"/>
+              <a:t>Suggestion</a:t>
+            </a:r>
+            <a:endParaRPr lang="en-US" sz="1200" dirty="0"/>
+          </a:p>
+        </p:txBody>
+      </p:sp>
+      <p:cxnSp>
+        <p:nvCxnSpPr>
+          <p:cNvPr id="36" name="Curved Connector 35"/>
+          <p:cNvCxnSpPr>
+            <a:stCxn id="33" idx="3"/>
+            <a:endCxn id="35" idx="1"/>
+          </p:cNvCxnSpPr>
+          <p:nvPr/>
+        </p:nvCxnSpPr>
+        <p:spPr>
+          <a:xfrm>
+            <a:off x="3741825" y="2063555"/>
+            <a:ext cx="269738" cy="11452"/>
+          </a:xfrm>
+          <a:prstGeom prst="curvedConnector3">
+            <a:avLst/>
+          </a:prstGeom>
+          <a:ln w="19050" cmpd="sng">
+            <a:tailEnd type="arrow"/>
+          </a:ln>
+        </p:spPr>
+        <p:style>
+          <a:lnRef idx="1">
+            <a:schemeClr val="dk1"/>
+          </a:lnRef>
+          <a:fillRef idx="0">
+            <a:schemeClr val="dk1"/>
+          </a:fillRef>
+          <a:effectRef idx="0">
+            <a:schemeClr val="dk1"/>
+          </a:effectRef>
+          <a:fontRef idx="minor">
+            <a:schemeClr val="tx1"/>
+          </a:fontRef>
+        </p:style>
+      </p:cxnSp>
+      <p:cxnSp>
+        <p:nvCxnSpPr>
+          <p:cNvPr id="37" name="Curved Connector 36"/>
+          <p:cNvCxnSpPr>
+            <a:stCxn id="18" idx="2"/>
+            <a:endCxn id="33" idx="1"/>
+          </p:cNvCxnSpPr>
+          <p:nvPr/>
+        </p:nvCxnSpPr>
+        <p:spPr>
+          <a:xfrm rot="5400000">
+            <a:off x="2055947" y="1110482"/>
+            <a:ext cx="1218860" cy="687286"/>
+          </a:xfrm>
+          <a:prstGeom prst="curvedConnector4">
+            <a:avLst>
+              <a:gd name="adj1" fmla="val 44312"/>
+              <a:gd name="adj2" fmla="val 133261"/>
+            </a:avLst>
+          </a:prstGeom>
+          <a:ln w="19050" cmpd="sng">
+            <a:tailEnd type="arrow"/>
+          </a:ln>
+        </p:spPr>
+        <p:style>
+          <a:lnRef idx="1">
+            <a:schemeClr val="dk1"/>
+          </a:lnRef>
+          <a:fillRef idx="0">
+            <a:schemeClr val="dk1"/>
+          </a:fillRef>
+          <a:effectRef idx="0">
+            <a:schemeClr val="dk1"/>
+          </a:effectRef>
+          <a:fontRef idx="minor">
+            <a:schemeClr val="tx1"/>
+          </a:fontRef>
+        </p:style>
+      </p:cxnSp>
+      <p:sp>
+        <p:nvSpPr>
+          <p:cNvPr id="43" name="TextBox 42"/>
+          <p:cNvSpPr txBox="1"/>
+          <p:nvPr/>
+        </p:nvSpPr>
+        <p:spPr>
+          <a:xfrm>
+            <a:off x="2589540" y="1418677"/>
+            <a:ext cx="741384" cy="276999"/>
+          </a:xfrm>
+          <a:prstGeom prst="rect">
+            <a:avLst/>
+          </a:prstGeom>
+          <a:noFill/>
+        </p:spPr>
+        <p:txBody>
+          <a:bodyPr wrap="none" rtlCol="0">
+            <a:spAutoFit/>
+          </a:bodyPr>
+          <a:lstStyle/>
+          <a:p>
+            <a:pPr algn="ctr"/>
+            <a:r>
+              <a:rPr lang="en-US" sz="1200" dirty="0" smtClean="0"/>
+              <a:t>Calendar</a:t>
+            </a:r>
+            <a:endParaRPr lang="en-US" sz="1200" dirty="0"/>
+          </a:p>
+        </p:txBody>
+      </p:sp>
+      <p:sp>
+        <p:nvSpPr>
+          <p:cNvPr id="45" name="TextBox 44"/>
+          <p:cNvSpPr txBox="1"/>
+          <p:nvPr/>
+        </p:nvSpPr>
+        <p:spPr>
+          <a:xfrm>
+            <a:off x="4076662" y="1418799"/>
+            <a:ext cx="1172116" cy="276999"/>
+          </a:xfrm>
+          <a:prstGeom prst="rect">
+            <a:avLst/>
+          </a:prstGeom>
+          <a:noFill/>
+        </p:spPr>
+        <p:txBody>
+          <a:bodyPr wrap="none" rtlCol="0">
+            <a:spAutoFit/>
+          </a:bodyPr>
+          <a:lstStyle/>
+          <a:p>
+            <a:pPr algn="ctr"/>
+            <a:r>
+              <a:rPr lang="en-US" sz="1200" dirty="0" err="1" smtClean="0"/>
+              <a:t>SitesOnDateList</a:t>
+            </a:r>
+            <a:endParaRPr lang="en-US" sz="1200" dirty="0"/>
+          </a:p>
+        </p:txBody>
+      </p:sp>
+      <p:cxnSp>
+        <p:nvCxnSpPr>
+          <p:cNvPr id="47" name="Curved Connector 46"/>
+          <p:cNvCxnSpPr>
+            <a:stCxn id="44" idx="3"/>
+            <a:endCxn id="46" idx="1"/>
+          </p:cNvCxnSpPr>
+          <p:nvPr/>
+        </p:nvCxnSpPr>
+        <p:spPr>
+          <a:xfrm>
+            <a:off x="3659609" y="1268557"/>
+            <a:ext cx="282393" cy="122"/>
+          </a:xfrm>
+          <a:prstGeom prst="curvedConnector3">
+            <a:avLst/>
+          </a:prstGeom>
+          <a:ln w="19050" cmpd="sng">
+            <a:tailEnd type="arrow"/>
+          </a:ln>
+        </p:spPr>
+        <p:style>
+          <a:lnRef idx="1">
+            <a:schemeClr val="dk1"/>
+          </a:lnRef>
+          <a:fillRef idx="0">
+            <a:schemeClr val="dk1"/>
+          </a:fillRef>
+          <a:effectRef idx="0">
+            <a:schemeClr val="dk1"/>
+          </a:effectRef>
+          <a:fontRef idx="minor">
+            <a:schemeClr val="tx1"/>
+          </a:fontRef>
+        </p:style>
+      </p:cxnSp>
+      <p:sp>
+        <p:nvSpPr>
+          <p:cNvPr id="48" name="TextBox 47"/>
+          <p:cNvSpPr txBox="1"/>
+          <p:nvPr/>
+        </p:nvSpPr>
+        <p:spPr>
+          <a:xfrm>
+            <a:off x="7987079" y="1420121"/>
+            <a:ext cx="623563" cy="276999"/>
+          </a:xfrm>
+          <a:prstGeom prst="rect">
+            <a:avLst/>
+          </a:prstGeom>
+          <a:noFill/>
+        </p:spPr>
+        <p:txBody>
+          <a:bodyPr wrap="none" rtlCol="0">
+            <a:spAutoFit/>
+          </a:bodyPr>
+          <a:lstStyle/>
+          <a:p>
+            <a:pPr algn="ctr"/>
+            <a:r>
+              <a:rPr lang="en-US" sz="1200" dirty="0" err="1" smtClean="0"/>
+              <a:t>SignUp</a:t>
+            </a:r>
+            <a:endParaRPr lang="en-US" sz="1200" dirty="0"/>
+          </a:p>
+        </p:txBody>
+      </p:sp>
+      <p:cxnSp>
+        <p:nvCxnSpPr>
+          <p:cNvPr id="50" name="Curved Connector 49"/>
+          <p:cNvCxnSpPr>
+            <a:stCxn id="46" idx="3"/>
+            <a:endCxn id="85" idx="1"/>
+          </p:cNvCxnSpPr>
+          <p:nvPr/>
+        </p:nvCxnSpPr>
+        <p:spPr>
+          <a:xfrm>
+            <a:off x="5362093" y="1268679"/>
+            <a:ext cx="381672" cy="1200"/>
+          </a:xfrm>
+          <a:prstGeom prst="curvedConnector3">
+            <a:avLst>
+              <a:gd name="adj1" fmla="val 50000"/>
+            </a:avLst>
+          </a:prstGeom>
+          <a:ln w="19050" cmpd="sng">
+            <a:tailEnd type="arrow"/>
+          </a:ln>
+        </p:spPr>
+        <p:style>
+          <a:lnRef idx="1">
+            <a:schemeClr val="dk1"/>
+          </a:lnRef>
+          <a:fillRef idx="0">
+            <a:schemeClr val="dk1"/>
+          </a:fillRef>
+          <a:effectRef idx="0">
+            <a:schemeClr val="dk1"/>
+          </a:effectRef>
+          <a:fontRef idx="minor">
+            <a:schemeClr val="tx1"/>
+          </a:fontRef>
+        </p:style>
+      </p:cxnSp>
+      <p:cxnSp>
+        <p:nvCxnSpPr>
+          <p:cNvPr id="53" name="Curved Connector 52"/>
+          <p:cNvCxnSpPr>
+            <a:stCxn id="18" idx="2"/>
+            <a:endCxn id="44" idx="1"/>
+          </p:cNvCxnSpPr>
+          <p:nvPr/>
+        </p:nvCxnSpPr>
+        <p:spPr>
+          <a:xfrm rot="5400000">
+            <a:off x="2412338" y="671875"/>
+            <a:ext cx="423862" cy="769502"/>
+          </a:xfrm>
+          <a:prstGeom prst="curvedConnector4">
+            <a:avLst>
+              <a:gd name="adj1" fmla="val 33642"/>
+              <a:gd name="adj2" fmla="val 129708"/>
+            </a:avLst>
+          </a:prstGeom>
+          <a:ln w="19050" cmpd="sng">
+            <a:tailEnd type="arrow"/>
+          </a:ln>
+        </p:spPr>
+        <p:style>
+          <a:lnRef idx="1">
+            <a:schemeClr val="dk1"/>
+          </a:lnRef>
+          <a:fillRef idx="0">
+            <a:schemeClr val="dk1"/>
+          </a:fillRef>
+          <a:effectRef idx="0">
+            <a:schemeClr val="dk1"/>
+          </a:effectRef>
+          <a:fontRef idx="minor">
+            <a:schemeClr val="tx1"/>
+          </a:fontRef>
+        </p:style>
+      </p:cxnSp>
+      <p:cxnSp>
+        <p:nvCxnSpPr>
+          <p:cNvPr id="57" name="Curved Connector 56"/>
+          <p:cNvCxnSpPr>
+            <a:stCxn id="18" idx="2"/>
+            <a:endCxn id="35" idx="0"/>
+          </p:cNvCxnSpPr>
+          <p:nvPr/>
+        </p:nvCxnSpPr>
+        <p:spPr>
+          <a:xfrm rot="16200000" flipH="1">
+            <a:off x="3319492" y="534222"/>
+            <a:ext cx="1091644" cy="1712589"/>
+          </a:xfrm>
+          <a:prstGeom prst="curvedConnector3">
+            <a:avLst>
+              <a:gd name="adj1" fmla="val 50000"/>
+            </a:avLst>
+          </a:prstGeom>
+          <a:ln w="19050" cmpd="sng">
+            <a:tailEnd type="arrow"/>
+          </a:ln>
+        </p:spPr>
+        <p:style>
+          <a:lnRef idx="1">
+            <a:schemeClr val="dk1"/>
+          </a:lnRef>
+          <a:fillRef idx="0">
+            <a:schemeClr val="dk1"/>
+          </a:fillRef>
+          <a:effectRef idx="0">
+            <a:schemeClr val="dk1"/>
+          </a:effectRef>
+          <a:fontRef idx="minor">
+            <a:schemeClr val="tx1"/>
+          </a:fontRef>
+        </p:style>
+      </p:cxnSp>
+      <p:sp>
+        <p:nvSpPr>
+          <p:cNvPr id="62" name="TextBox 61"/>
+          <p:cNvSpPr txBox="1"/>
+          <p:nvPr/>
+        </p:nvSpPr>
+        <p:spPr>
+          <a:xfrm>
+            <a:off x="2622683" y="2864936"/>
+            <a:ext cx="1056700" cy="276999"/>
+          </a:xfrm>
+          <a:prstGeom prst="rect">
+            <a:avLst/>
+          </a:prstGeom>
+          <a:noFill/>
+        </p:spPr>
+        <p:txBody>
+          <a:bodyPr wrap="none" rtlCol="0">
+            <a:spAutoFit/>
+          </a:bodyPr>
+          <a:lstStyle/>
+          <a:p>
+            <a:pPr algn="ctr"/>
+            <a:r>
+              <a:rPr lang="en-US" sz="1200" dirty="0" err="1" smtClean="0"/>
+              <a:t>UpdateProfile</a:t>
+            </a:r>
+            <a:endParaRPr lang="en-US" sz="1200" dirty="0"/>
+          </a:p>
+        </p:txBody>
+      </p:sp>
+      <p:sp>
+        <p:nvSpPr>
+          <p:cNvPr id="63" name="Rectangle 62"/>
+          <p:cNvSpPr/>
+          <p:nvPr/>
+        </p:nvSpPr>
+        <p:spPr>
+          <a:xfrm>
+            <a:off x="2430317" y="2576148"/>
+            <a:ext cx="1420091" cy="277336"/>
+          </a:xfrm>
+          <a:prstGeom prst="rect">
+            <a:avLst/>
+          </a:prstGeom>
+          <a:ln/>
+        </p:spPr>
+        <p:style>
+          <a:lnRef idx="2">
+            <a:schemeClr val="dk1"/>
+          </a:lnRef>
+          <a:fillRef idx="1">
+            <a:schemeClr val="lt1"/>
+          </a:fillRef>
+          <a:effectRef idx="0">
+            <a:schemeClr val="dk1"/>
+          </a:effectRef>
+          <a:fontRef idx="minor">
+            <a:schemeClr val="dk1"/>
+          </a:fontRef>
+        </p:style>
+        <p:txBody>
+          <a:bodyPr rtlCol="0" anchor="ctr"/>
+          <a:lstStyle/>
+          <a:p>
+            <a:pPr algn="ctr"/>
+            <a:r>
+              <a:rPr lang="en-US" sz="1200" dirty="0" smtClean="0"/>
+              <a:t>Profile</a:t>
+            </a:r>
+            <a:endParaRPr lang="en-US" sz="1200" dirty="0"/>
+          </a:p>
+        </p:txBody>
+      </p:sp>
+      <p:cxnSp>
+        <p:nvCxnSpPr>
+          <p:cNvPr id="68" name="Curved Connector 67"/>
+          <p:cNvCxnSpPr>
+            <a:stCxn id="18" idx="2"/>
+            <a:endCxn id="63" idx="1"/>
+          </p:cNvCxnSpPr>
+          <p:nvPr/>
+        </p:nvCxnSpPr>
+        <p:spPr>
+          <a:xfrm rot="5400000">
+            <a:off x="1784609" y="1490404"/>
+            <a:ext cx="1870121" cy="578703"/>
+          </a:xfrm>
+          <a:prstGeom prst="curvedConnector4">
+            <a:avLst>
+              <a:gd name="adj1" fmla="val 46293"/>
+              <a:gd name="adj2" fmla="val 139502"/>
+            </a:avLst>
+          </a:prstGeom>
+          <a:ln w="19050" cmpd="sng">
+            <a:tailEnd type="arrow"/>
+          </a:ln>
+        </p:spPr>
+        <p:style>
+          <a:lnRef idx="1">
+            <a:schemeClr val="dk1"/>
+          </a:lnRef>
+          <a:fillRef idx="0">
+            <a:schemeClr val="dk1"/>
+          </a:fillRef>
+          <a:effectRef idx="0">
+            <a:schemeClr val="dk1"/>
+          </a:effectRef>
+          <a:fontRef idx="minor">
+            <a:schemeClr val="tx1"/>
+          </a:fontRef>
+        </p:style>
+      </p:cxnSp>
+      <p:sp>
+        <p:nvSpPr>
+          <p:cNvPr id="71" name="TextBox 70"/>
+          <p:cNvSpPr txBox="1"/>
+          <p:nvPr/>
+        </p:nvSpPr>
+        <p:spPr>
+          <a:xfrm>
+            <a:off x="1127094" y="3574348"/>
+            <a:ext cx="633507" cy="276999"/>
+          </a:xfrm>
+          <a:prstGeom prst="rect">
+            <a:avLst/>
+          </a:prstGeom>
+          <a:noFill/>
+        </p:spPr>
+        <p:txBody>
+          <a:bodyPr wrap="none" rtlCol="0">
+            <a:spAutoFit/>
+          </a:bodyPr>
+          <a:lstStyle/>
+          <a:p>
+            <a:pPr algn="ctr"/>
+            <a:r>
+              <a:rPr lang="en-US" sz="1200" dirty="0" err="1" smtClean="0"/>
+              <a:t>SCSites</a:t>
+            </a:r>
+            <a:endParaRPr lang="en-US" sz="1200" dirty="0" smtClean="0"/>
+          </a:p>
+        </p:txBody>
+      </p:sp>
+      <p:sp>
+        <p:nvSpPr>
+          <p:cNvPr id="73" name="TextBox 72"/>
+          <p:cNvSpPr txBox="1"/>
+          <p:nvPr/>
+        </p:nvSpPr>
+        <p:spPr>
+          <a:xfrm>
+            <a:off x="1320439" y="4700597"/>
+            <a:ext cx="571566" cy="276999"/>
+          </a:xfrm>
+          <a:prstGeom prst="rect">
+            <a:avLst/>
+          </a:prstGeom>
+          <a:noFill/>
+        </p:spPr>
+        <p:txBody>
+          <a:bodyPr wrap="none" rtlCol="0">
+            <a:spAutoFit/>
+          </a:bodyPr>
+          <a:lstStyle/>
+          <a:p>
+            <a:pPr algn="ctr"/>
+            <a:r>
+              <a:rPr lang="en-US" sz="1200" dirty="0" err="1" smtClean="0"/>
+              <a:t>SCSite</a:t>
+            </a:r>
+            <a:endParaRPr lang="en-US" sz="1200" dirty="0"/>
+          </a:p>
+        </p:txBody>
+      </p:sp>
+      <p:cxnSp>
+        <p:nvCxnSpPr>
+          <p:cNvPr id="83" name="Curved Connector 82"/>
+          <p:cNvCxnSpPr>
+            <a:stCxn id="5" idx="2"/>
+            <a:endCxn id="72" idx="1"/>
+          </p:cNvCxnSpPr>
+          <p:nvPr/>
+        </p:nvCxnSpPr>
+        <p:spPr>
+          <a:xfrm rot="5400000">
+            <a:off x="-473109" y="1953145"/>
+            <a:ext cx="2627591" cy="337479"/>
+          </a:xfrm>
+          <a:prstGeom prst="curvedConnector4">
+            <a:avLst>
+              <a:gd name="adj1" fmla="val 47361"/>
+              <a:gd name="adj2" fmla="val 167738"/>
+            </a:avLst>
+          </a:prstGeom>
+          <a:ln w="19050" cmpd="sng">
+            <a:tailEnd type="arrow"/>
+          </a:ln>
+        </p:spPr>
+        <p:style>
+          <a:lnRef idx="1">
+            <a:schemeClr val="dk1"/>
+          </a:lnRef>
+          <a:fillRef idx="0">
+            <a:schemeClr val="dk1"/>
+          </a:fillRef>
+          <a:effectRef idx="0">
+            <a:schemeClr val="dk1"/>
+          </a:effectRef>
+          <a:fontRef idx="minor">
+            <a:schemeClr val="tx1"/>
+          </a:fontRef>
+        </p:style>
+      </p:cxnSp>
+      <p:cxnSp>
+        <p:nvCxnSpPr>
+          <p:cNvPr id="88" name="Curved Connector 87"/>
+          <p:cNvCxnSpPr>
+            <a:endCxn id="74" idx="1"/>
+          </p:cNvCxnSpPr>
+          <p:nvPr/>
+        </p:nvCxnSpPr>
+        <p:spPr>
+          <a:xfrm rot="16200000" flipH="1">
+            <a:off x="-1003652" y="2723952"/>
+            <a:ext cx="3141808" cy="534145"/>
+          </a:xfrm>
+          <a:prstGeom prst="curvedConnector2">
+            <a:avLst/>
+          </a:prstGeom>
+          <a:ln w="19050" cmpd="sng">
+            <a:tailEnd type="arrow"/>
+          </a:ln>
+        </p:spPr>
+        <p:style>
+          <a:lnRef idx="1">
+            <a:schemeClr val="dk1"/>
+          </a:lnRef>
+          <a:fillRef idx="0">
+            <a:schemeClr val="dk1"/>
+          </a:fillRef>
+          <a:effectRef idx="0">
+            <a:schemeClr val="dk1"/>
+          </a:effectRef>
+          <a:fontRef idx="minor">
+            <a:schemeClr val="tx1"/>
+          </a:fontRef>
+        </p:style>
+      </p:cxnSp>
+      <p:cxnSp>
+        <p:nvCxnSpPr>
+          <p:cNvPr id="91" name="Curved Connector 90"/>
+          <p:cNvCxnSpPr>
+            <a:stCxn id="71" idx="2"/>
+            <a:endCxn id="74" idx="1"/>
+          </p:cNvCxnSpPr>
+          <p:nvPr/>
+        </p:nvCxnSpPr>
+        <p:spPr>
+          <a:xfrm rot="5400000">
+            <a:off x="783796" y="3901877"/>
+            <a:ext cx="710582" cy="609523"/>
+          </a:xfrm>
+          <a:prstGeom prst="curvedConnector4">
+            <a:avLst>
+              <a:gd name="adj1" fmla="val 40243"/>
+              <a:gd name="adj2" fmla="val 137505"/>
+            </a:avLst>
+          </a:prstGeom>
+          <a:ln w="19050" cmpd="sng">
+            <a:tailEnd type="arrow"/>
+          </a:ln>
+        </p:spPr>
+        <p:style>
+          <a:lnRef idx="1">
+            <a:schemeClr val="dk1"/>
+          </a:lnRef>
+          <a:fillRef idx="0">
+            <a:schemeClr val="dk1"/>
+          </a:fillRef>
+          <a:effectRef idx="0">
+            <a:schemeClr val="dk1"/>
+          </a:effectRef>
+          <a:fontRef idx="minor">
+            <a:schemeClr val="tx1"/>
+          </a:fontRef>
+        </p:style>
+      </p:cxnSp>
+      <p:sp>
+        <p:nvSpPr>
+          <p:cNvPr id="94" name="TextBox 93"/>
+          <p:cNvSpPr txBox="1"/>
+          <p:nvPr/>
+        </p:nvSpPr>
+        <p:spPr>
+          <a:xfrm>
+            <a:off x="6134164" y="3941894"/>
+            <a:ext cx="1031051" cy="276999"/>
+          </a:xfrm>
+          <a:prstGeom prst="rect">
+            <a:avLst/>
+          </a:prstGeom>
+          <a:noFill/>
+        </p:spPr>
+        <p:txBody>
+          <a:bodyPr wrap="none" rtlCol="0">
+            <a:spAutoFit/>
+          </a:bodyPr>
+          <a:lstStyle/>
+          <a:p>
+            <a:pPr algn="ctr"/>
+            <a:r>
+              <a:rPr lang="en-US" sz="1200" dirty="0" err="1" smtClean="0"/>
+              <a:t>SCVolunteers</a:t>
+            </a:r>
+            <a:endParaRPr lang="en-US" sz="1200" dirty="0"/>
+          </a:p>
+        </p:txBody>
+      </p:sp>
+      <p:sp>
+        <p:nvSpPr>
+          <p:cNvPr id="96" name="TextBox 95"/>
+          <p:cNvSpPr txBox="1"/>
+          <p:nvPr/>
+        </p:nvSpPr>
+        <p:spPr>
+          <a:xfrm>
+            <a:off x="7680628" y="3941894"/>
+            <a:ext cx="1338828" cy="276999"/>
+          </a:xfrm>
+          <a:prstGeom prst="rect">
+            <a:avLst/>
+          </a:prstGeom>
+          <a:noFill/>
+        </p:spPr>
+        <p:txBody>
+          <a:bodyPr wrap="none" rtlCol="0">
+            <a:spAutoFit/>
+          </a:bodyPr>
+          <a:lstStyle/>
+          <a:p>
+            <a:pPr algn="ctr"/>
+            <a:r>
+              <a:rPr lang="en-US" sz="1200" dirty="0" err="1" smtClean="0"/>
+              <a:t>SCVolunteerHours</a:t>
+            </a:r>
+            <a:endParaRPr lang="en-US" sz="1200" dirty="0"/>
+          </a:p>
+        </p:txBody>
+      </p:sp>
+      <p:sp>
+        <p:nvSpPr>
+          <p:cNvPr id="98" name="TextBox 97"/>
+          <p:cNvSpPr txBox="1"/>
+          <p:nvPr/>
+        </p:nvSpPr>
+        <p:spPr>
+          <a:xfrm>
+            <a:off x="3647257" y="4995018"/>
+            <a:ext cx="1128284" cy="276999"/>
+          </a:xfrm>
+          <a:prstGeom prst="rect">
+            <a:avLst/>
+          </a:prstGeom>
+          <a:noFill/>
+        </p:spPr>
+        <p:txBody>
+          <a:bodyPr wrap="none" rtlCol="0">
+            <a:spAutoFit/>
+          </a:bodyPr>
+          <a:lstStyle/>
+          <a:p>
+            <a:pPr algn="ctr"/>
+            <a:r>
+              <a:rPr lang="en-US" sz="1200" dirty="0" err="1" smtClean="0"/>
+              <a:t>SCSiteCalendar</a:t>
+            </a:r>
+            <a:endParaRPr lang="en-US" sz="1200" dirty="0"/>
+          </a:p>
+        </p:txBody>
+      </p:sp>
+      <p:sp>
+        <p:nvSpPr>
+          <p:cNvPr id="100" name="TextBox 99"/>
+          <p:cNvSpPr txBox="1"/>
+          <p:nvPr/>
+        </p:nvSpPr>
+        <p:spPr>
+          <a:xfrm>
+            <a:off x="5469010" y="5001947"/>
+            <a:ext cx="1056700" cy="276999"/>
+          </a:xfrm>
+          <a:prstGeom prst="rect">
+            <a:avLst/>
+          </a:prstGeom>
+          <a:noFill/>
+        </p:spPr>
+        <p:txBody>
+          <a:bodyPr wrap="none" rtlCol="0">
+            <a:spAutoFit/>
+          </a:bodyPr>
+          <a:lstStyle/>
+          <a:p>
+            <a:pPr algn="ctr"/>
+            <a:r>
+              <a:rPr lang="en-US" sz="1200" dirty="0" err="1" smtClean="0"/>
+              <a:t>SCSiteOnDate</a:t>
+            </a:r>
+            <a:endParaRPr lang="en-US" sz="1200" dirty="0"/>
+          </a:p>
+        </p:txBody>
+      </p:sp>
+      <p:sp>
+        <p:nvSpPr>
+          <p:cNvPr id="102" name="TextBox 101"/>
+          <p:cNvSpPr txBox="1"/>
+          <p:nvPr/>
+        </p:nvSpPr>
+        <p:spPr>
+          <a:xfrm>
+            <a:off x="7419317" y="4995018"/>
+            <a:ext cx="902811" cy="276999"/>
+          </a:xfrm>
+          <a:prstGeom prst="rect">
+            <a:avLst/>
+          </a:prstGeom>
+          <a:noFill/>
+        </p:spPr>
+        <p:txBody>
+          <a:bodyPr wrap="none" rtlCol="0">
+            <a:spAutoFit/>
+          </a:bodyPr>
+          <a:lstStyle/>
+          <a:p>
+            <a:pPr algn="ctr"/>
+            <a:r>
+              <a:rPr lang="en-US" sz="1200" dirty="0" err="1" smtClean="0"/>
+              <a:t>ShiftDetails</a:t>
+            </a:r>
+            <a:endParaRPr lang="en-US" sz="1200" dirty="0" smtClean="0"/>
+          </a:p>
+        </p:txBody>
+      </p:sp>
+      <p:cxnSp>
+        <p:nvCxnSpPr>
+          <p:cNvPr id="104" name="Curved Connector 103"/>
+          <p:cNvCxnSpPr>
+            <a:stCxn id="74" idx="3"/>
+            <a:endCxn id="63" idx="1"/>
+          </p:cNvCxnSpPr>
+          <p:nvPr/>
+        </p:nvCxnSpPr>
+        <p:spPr>
+          <a:xfrm flipV="1">
+            <a:off x="2254416" y="2714816"/>
+            <a:ext cx="175901" cy="1847113"/>
+          </a:xfrm>
+          <a:prstGeom prst="curvedConnector3">
+            <a:avLst>
+              <a:gd name="adj1" fmla="val 50000"/>
+            </a:avLst>
+          </a:prstGeom>
+          <a:ln w="19050" cmpd="sng">
+            <a:tailEnd type="arrow"/>
+          </a:ln>
+        </p:spPr>
+        <p:style>
+          <a:lnRef idx="1">
+            <a:schemeClr val="dk1"/>
+          </a:lnRef>
+          <a:fillRef idx="0">
+            <a:schemeClr val="dk1"/>
+          </a:fillRef>
+          <a:effectRef idx="0">
+            <a:schemeClr val="dk1"/>
+          </a:effectRef>
+          <a:fontRef idx="minor">
+            <a:schemeClr val="tx1"/>
+          </a:fontRef>
+        </p:style>
+      </p:cxnSp>
+      <p:cxnSp>
+        <p:nvCxnSpPr>
+          <p:cNvPr id="107" name="Curved Connector 106"/>
+          <p:cNvCxnSpPr>
+            <a:stCxn id="74" idx="3"/>
+            <a:endCxn id="82" idx="1"/>
+          </p:cNvCxnSpPr>
+          <p:nvPr/>
+        </p:nvCxnSpPr>
+        <p:spPr>
+          <a:xfrm flipV="1">
+            <a:off x="2254416" y="3815926"/>
+            <a:ext cx="265812" cy="746003"/>
+          </a:xfrm>
+          <a:prstGeom prst="curvedConnector3">
+            <a:avLst>
+              <a:gd name="adj1" fmla="val 50000"/>
+            </a:avLst>
+          </a:prstGeom>
+          <a:ln w="19050" cmpd="sng">
+            <a:tailEnd type="arrow"/>
+          </a:ln>
+        </p:spPr>
+        <p:style>
+          <a:lnRef idx="1">
+            <a:schemeClr val="dk1"/>
+          </a:lnRef>
+          <a:fillRef idx="0">
+            <a:schemeClr val="dk1"/>
+          </a:fillRef>
+          <a:effectRef idx="0">
+            <a:schemeClr val="dk1"/>
+          </a:effectRef>
+          <a:fontRef idx="minor">
+            <a:schemeClr val="tx1"/>
+          </a:fontRef>
+        </p:style>
+      </p:cxnSp>
+      <p:cxnSp>
+        <p:nvCxnSpPr>
+          <p:cNvPr id="110" name="Curved Connector 109"/>
+          <p:cNvCxnSpPr>
+            <a:stCxn id="74" idx="3"/>
+            <a:endCxn id="99" idx="1"/>
+          </p:cNvCxnSpPr>
+          <p:nvPr/>
+        </p:nvCxnSpPr>
+        <p:spPr>
+          <a:xfrm>
+            <a:off x="2254416" y="4561929"/>
+            <a:ext cx="1185083" cy="294421"/>
+          </a:xfrm>
+          <a:prstGeom prst="curvedConnector3">
+            <a:avLst>
+              <a:gd name="adj1" fmla="val 50000"/>
+            </a:avLst>
+          </a:prstGeom>
+          <a:ln w="19050" cmpd="sng">
+            <a:tailEnd type="arrow"/>
+          </a:ln>
+        </p:spPr>
+        <p:style>
+          <a:lnRef idx="1">
+            <a:schemeClr val="dk1"/>
+          </a:lnRef>
+          <a:fillRef idx="0">
+            <a:schemeClr val="dk1"/>
+          </a:fillRef>
+          <a:effectRef idx="0">
+            <a:schemeClr val="dk1"/>
+          </a:effectRef>
+          <a:fontRef idx="minor">
+            <a:schemeClr val="tx1"/>
+          </a:fontRef>
+        </p:style>
+      </p:cxnSp>
+      <p:cxnSp>
+        <p:nvCxnSpPr>
+          <p:cNvPr id="120" name="Curved Connector 119"/>
+          <p:cNvCxnSpPr>
+            <a:stCxn id="95" idx="3"/>
+            <a:endCxn id="97" idx="1"/>
+          </p:cNvCxnSpPr>
+          <p:nvPr/>
+        </p:nvCxnSpPr>
+        <p:spPr>
+          <a:xfrm>
+            <a:off x="7297880" y="3803226"/>
+            <a:ext cx="280261" cy="12700"/>
+          </a:xfrm>
+          <a:prstGeom prst="curvedConnector3">
+            <a:avLst>
+              <a:gd name="adj1" fmla="val 50000"/>
+            </a:avLst>
+          </a:prstGeom>
+          <a:ln w="19050" cmpd="sng">
+            <a:tailEnd type="arrow"/>
+          </a:ln>
+        </p:spPr>
+        <p:style>
+          <a:lnRef idx="1">
+            <a:schemeClr val="dk1"/>
+          </a:lnRef>
+          <a:fillRef idx="0">
+            <a:schemeClr val="dk1"/>
+          </a:fillRef>
+          <a:effectRef idx="0">
+            <a:schemeClr val="dk1"/>
+          </a:effectRef>
+          <a:fontRef idx="minor">
+            <a:schemeClr val="tx1"/>
+          </a:fontRef>
+        </p:style>
+      </p:cxnSp>
+      <p:cxnSp>
+        <p:nvCxnSpPr>
+          <p:cNvPr id="123" name="Curved Connector 122"/>
+          <p:cNvCxnSpPr>
+            <a:stCxn id="99" idx="3"/>
+            <a:endCxn id="101" idx="1"/>
+          </p:cNvCxnSpPr>
+          <p:nvPr/>
+        </p:nvCxnSpPr>
+        <p:spPr>
+          <a:xfrm>
+            <a:off x="4859590" y="4856350"/>
+            <a:ext cx="365866" cy="6929"/>
+          </a:xfrm>
+          <a:prstGeom prst="curvedConnector3">
+            <a:avLst>
+              <a:gd name="adj1" fmla="val 50000"/>
+            </a:avLst>
+          </a:prstGeom>
+          <a:ln w="19050" cmpd="sng">
+            <a:tailEnd type="arrow"/>
+          </a:ln>
+        </p:spPr>
+        <p:style>
+          <a:lnRef idx="1">
+            <a:schemeClr val="dk1"/>
+          </a:lnRef>
+          <a:fillRef idx="0">
+            <a:schemeClr val="dk1"/>
+          </a:fillRef>
+          <a:effectRef idx="0">
+            <a:schemeClr val="dk1"/>
+          </a:effectRef>
+          <a:fontRef idx="minor">
+            <a:schemeClr val="tx1"/>
+          </a:fontRef>
+        </p:style>
+      </p:cxnSp>
+      <p:cxnSp>
+        <p:nvCxnSpPr>
+          <p:cNvPr id="131" name="Straight Connector 130"/>
+          <p:cNvCxnSpPr/>
+          <p:nvPr/>
+        </p:nvCxnSpPr>
+        <p:spPr>
+          <a:xfrm>
+            <a:off x="519546" y="3191220"/>
+            <a:ext cx="8383482" cy="0"/>
+          </a:xfrm>
+          <a:prstGeom prst="line">
+            <a:avLst/>
+          </a:prstGeom>
+          <a:ln>
+            <a:prstDash val="dash"/>
+          </a:ln>
+        </p:spPr>
+        <p:style>
+          <a:lnRef idx="1">
+            <a:schemeClr val="dk1"/>
+          </a:lnRef>
+          <a:fillRef idx="0">
+            <a:schemeClr val="dk1"/>
+          </a:fillRef>
+          <a:effectRef idx="0">
+            <a:schemeClr val="dk1"/>
+          </a:effectRef>
+          <a:fontRef idx="minor">
+            <a:schemeClr val="tx1"/>
+          </a:fontRef>
+        </p:style>
+      </p:cxnSp>
+      <p:sp>
+        <p:nvSpPr>
+          <p:cNvPr id="132" name="TextBox 131"/>
+          <p:cNvSpPr txBox="1"/>
+          <p:nvPr/>
+        </p:nvSpPr>
+        <p:spPr>
+          <a:xfrm>
+            <a:off x="7374304" y="2782754"/>
+            <a:ext cx="1096674" cy="338554"/>
+          </a:xfrm>
+          <a:prstGeom prst="rect">
+            <a:avLst/>
+          </a:prstGeom>
+          <a:noFill/>
+        </p:spPr>
+        <p:txBody>
+          <a:bodyPr wrap="none" rtlCol="0">
+            <a:spAutoFit/>
+          </a:bodyPr>
+          <a:lstStyle/>
+          <a:p>
+            <a:pPr algn="ctr"/>
+            <a:r>
+              <a:rPr lang="en-US" sz="1600" dirty="0" smtClean="0"/>
+              <a:t>Volunteers</a:t>
+            </a:r>
+            <a:endParaRPr lang="en-US" sz="1600" dirty="0"/>
+          </a:p>
+        </p:txBody>
+      </p:sp>
+      <p:sp>
+        <p:nvSpPr>
+          <p:cNvPr id="133" name="TextBox 132"/>
+          <p:cNvSpPr txBox="1"/>
+          <p:nvPr/>
+        </p:nvSpPr>
+        <p:spPr>
+          <a:xfrm>
+            <a:off x="7163856" y="3266403"/>
+            <a:ext cx="1630274" cy="338554"/>
+          </a:xfrm>
+          <a:prstGeom prst="rect">
+            <a:avLst/>
+          </a:prstGeom>
+          <a:noFill/>
+        </p:spPr>
+        <p:txBody>
+          <a:bodyPr wrap="none" rtlCol="0">
+            <a:spAutoFit/>
+          </a:bodyPr>
+          <a:lstStyle/>
+          <a:p>
+            <a:pPr algn="ctr"/>
+            <a:r>
+              <a:rPr lang="en-US" sz="1600" dirty="0" smtClean="0"/>
+              <a:t>Site Coordinators</a:t>
+            </a:r>
+            <a:endParaRPr lang="en-US" sz="1600" dirty="0"/>
+          </a:p>
+        </p:txBody>
+      </p:sp>
+      <p:sp>
+        <p:nvSpPr>
+          <p:cNvPr id="134" name="TextBox 133"/>
+          <p:cNvSpPr txBox="1"/>
+          <p:nvPr/>
+        </p:nvSpPr>
+        <p:spPr>
+          <a:xfrm>
+            <a:off x="5976319" y="2180086"/>
+            <a:ext cx="1244376" cy="276999"/>
+          </a:xfrm>
+          <a:prstGeom prst="rect">
+            <a:avLst/>
+          </a:prstGeom>
+          <a:noFill/>
+        </p:spPr>
+        <p:txBody>
+          <a:bodyPr wrap="none" rtlCol="0">
+            <a:spAutoFit/>
+          </a:bodyPr>
+          <a:lstStyle/>
+          <a:p>
+            <a:pPr algn="ctr"/>
+            <a:r>
+              <a:rPr lang="en-US" sz="1200" dirty="0" err="1" smtClean="0"/>
+              <a:t>SitesOnDateMap</a:t>
+            </a:r>
+            <a:endParaRPr lang="en-US" sz="1200" dirty="0"/>
+          </a:p>
+        </p:txBody>
+      </p:sp>
+      <p:cxnSp>
+        <p:nvCxnSpPr>
+          <p:cNvPr id="136" name="Curved Connector 135"/>
+          <p:cNvCxnSpPr>
+            <a:stCxn id="46" idx="3"/>
+            <a:endCxn id="135" idx="1"/>
+          </p:cNvCxnSpPr>
+          <p:nvPr/>
+        </p:nvCxnSpPr>
+        <p:spPr>
+          <a:xfrm>
+            <a:off x="5362093" y="1268679"/>
+            <a:ext cx="515696" cy="761287"/>
+          </a:xfrm>
+          <a:prstGeom prst="curvedConnector3">
+            <a:avLst>
+              <a:gd name="adj1" fmla="val 50000"/>
+            </a:avLst>
+          </a:prstGeom>
+          <a:ln w="19050" cmpd="sng">
+            <a:headEnd type="arrow"/>
+            <a:tailEnd type="arrow"/>
+          </a:ln>
+        </p:spPr>
+        <p:style>
+          <a:lnRef idx="1">
+            <a:schemeClr val="dk1"/>
+          </a:lnRef>
+          <a:fillRef idx="0">
+            <a:schemeClr val="dk1"/>
+          </a:fillRef>
+          <a:effectRef idx="0">
+            <a:schemeClr val="dk1"/>
+          </a:effectRef>
+          <a:fontRef idx="minor">
+            <a:schemeClr val="tx1"/>
+          </a:fontRef>
+        </p:style>
+      </p:cxnSp>
+      <p:sp>
+        <p:nvSpPr>
+          <p:cNvPr id="81" name="TextBox 80"/>
+          <p:cNvSpPr txBox="1"/>
+          <p:nvPr/>
+        </p:nvSpPr>
+        <p:spPr>
+          <a:xfrm>
+            <a:off x="2564241" y="3954594"/>
+            <a:ext cx="1332065" cy="276999"/>
+          </a:xfrm>
+          <a:prstGeom prst="rect">
+            <a:avLst/>
+          </a:prstGeom>
+          <a:noFill/>
+        </p:spPr>
+        <p:txBody>
+          <a:bodyPr wrap="none" rtlCol="0">
+            <a:spAutoFit/>
+          </a:bodyPr>
+          <a:lstStyle/>
+          <a:p>
+            <a:pPr algn="ctr"/>
+            <a:r>
+              <a:rPr lang="en-US" sz="1200" dirty="0" err="1" smtClean="0"/>
+              <a:t>SCSiteVolCalendar</a:t>
+            </a:r>
+            <a:endParaRPr lang="en-US" sz="1200" dirty="0"/>
+          </a:p>
+        </p:txBody>
+      </p:sp>
+      <p:cxnSp>
+        <p:nvCxnSpPr>
+          <p:cNvPr id="84" name="Curved Connector 83"/>
+          <p:cNvCxnSpPr>
+            <a:stCxn id="82" idx="3"/>
+            <a:endCxn id="128" idx="1"/>
+          </p:cNvCxnSpPr>
+          <p:nvPr/>
+        </p:nvCxnSpPr>
+        <p:spPr>
+          <a:xfrm flipV="1">
+            <a:off x="3940319" y="3803226"/>
+            <a:ext cx="262940" cy="12700"/>
+          </a:xfrm>
+          <a:prstGeom prst="curvedConnector3">
+            <a:avLst>
+              <a:gd name="adj1" fmla="val 50000"/>
+            </a:avLst>
+          </a:prstGeom>
+          <a:ln w="19050" cmpd="sng">
+            <a:tailEnd type="arrow"/>
+          </a:ln>
+        </p:spPr>
+        <p:style>
+          <a:lnRef idx="1">
+            <a:schemeClr val="dk1"/>
+          </a:lnRef>
+          <a:fillRef idx="0">
+            <a:schemeClr val="dk1"/>
+          </a:fillRef>
+          <a:effectRef idx="0">
+            <a:schemeClr val="dk1"/>
+          </a:effectRef>
+          <a:fontRef idx="minor">
+            <a:schemeClr val="tx1"/>
+          </a:fontRef>
+        </p:style>
+      </p:cxnSp>
+      <p:sp>
+        <p:nvSpPr>
+          <p:cNvPr id="80" name="TextBox 79"/>
+          <p:cNvSpPr txBox="1"/>
+          <p:nvPr/>
+        </p:nvSpPr>
+        <p:spPr>
+          <a:xfrm>
+            <a:off x="5974427" y="1419999"/>
+            <a:ext cx="980106" cy="461665"/>
+          </a:xfrm>
+          <a:prstGeom prst="rect">
+            <a:avLst/>
+          </a:prstGeom>
+          <a:noFill/>
+        </p:spPr>
+        <p:txBody>
+          <a:bodyPr wrap="none" rtlCol="0">
+            <a:spAutoFit/>
+          </a:bodyPr>
+          <a:lstStyle/>
+          <a:p>
+            <a:pPr algn="ctr"/>
+            <a:r>
+              <a:rPr lang="en-US" sz="1200" dirty="0" err="1" smtClean="0"/>
+              <a:t>VolPickShifts</a:t>
+            </a:r>
+            <a:endParaRPr lang="en-US" sz="1200" dirty="0" smtClean="0"/>
+          </a:p>
+          <a:p>
+            <a:pPr algn="ctr"/>
+            <a:endParaRPr lang="en-US" sz="1200" dirty="0"/>
+          </a:p>
+        </p:txBody>
+      </p:sp>
+      <p:cxnSp>
+        <p:nvCxnSpPr>
+          <p:cNvPr id="93" name="Curved Connector 92"/>
+          <p:cNvCxnSpPr>
+            <a:stCxn id="85" idx="3"/>
+            <a:endCxn id="49" idx="1"/>
+          </p:cNvCxnSpPr>
+          <p:nvPr/>
+        </p:nvCxnSpPr>
+        <p:spPr>
+          <a:xfrm>
+            <a:off x="7163856" y="1269879"/>
+            <a:ext cx="414285" cy="122"/>
+          </a:xfrm>
+          <a:prstGeom prst="curvedConnector3">
+            <a:avLst>
+              <a:gd name="adj1" fmla="val 50000"/>
+            </a:avLst>
+          </a:prstGeom>
+          <a:ln w="19050" cmpd="sng">
+            <a:headEnd type="arrow"/>
+            <a:tailEnd type="arrow"/>
+          </a:ln>
+        </p:spPr>
+        <p:style>
+          <a:lnRef idx="1">
+            <a:schemeClr val="dk1"/>
+          </a:lnRef>
+          <a:fillRef idx="0">
+            <a:schemeClr val="dk1"/>
+          </a:fillRef>
+          <a:effectRef idx="0">
+            <a:schemeClr val="dk1"/>
+          </a:effectRef>
+          <a:fontRef idx="minor">
+            <a:schemeClr val="tx1"/>
+          </a:fontRef>
+        </p:style>
+      </p:cxnSp>
+      <p:sp>
+        <p:nvSpPr>
+          <p:cNvPr id="6" name="Rectangle 5"/>
+          <p:cNvSpPr/>
+          <p:nvPr/>
+        </p:nvSpPr>
+        <p:spPr>
+          <a:xfrm>
+            <a:off x="300181" y="253754"/>
+            <a:ext cx="1420091" cy="277336"/>
+          </a:xfrm>
+          <a:prstGeom prst="rect">
+            <a:avLst/>
+          </a:prstGeom>
+          <a:solidFill>
+            <a:srgbClr val="FFFFFF"/>
+          </a:solidFill>
+          <a:ln/>
+        </p:spPr>
+        <p:style>
+          <a:lnRef idx="2">
+            <a:schemeClr val="dk1"/>
+          </a:lnRef>
+          <a:fillRef idx="1">
+            <a:schemeClr val="lt1"/>
+          </a:fillRef>
+          <a:effectRef idx="0">
+            <a:schemeClr val="dk1"/>
+          </a:effectRef>
+          <a:fontRef idx="minor">
+            <a:schemeClr val="dk1"/>
+          </a:fontRef>
+        </p:style>
+        <p:txBody>
+          <a:bodyPr rtlCol="0" anchor="ctr"/>
+          <a:lstStyle/>
+          <a:p>
+            <a:pPr algn="ctr"/>
+            <a:r>
+              <a:rPr lang="en-US" sz="1200" dirty="0" smtClean="0"/>
+              <a:t>Main</a:t>
+            </a:r>
+            <a:endParaRPr lang="en-US" sz="1200" dirty="0"/>
+          </a:p>
+        </p:txBody>
+      </p:sp>
+      <p:sp>
+        <p:nvSpPr>
+          <p:cNvPr id="8" name="Rectangle 7"/>
+          <p:cNvSpPr/>
+          <p:nvPr/>
+        </p:nvSpPr>
+        <p:spPr>
+          <a:xfrm>
+            <a:off x="484909" y="1698075"/>
+            <a:ext cx="1420091" cy="277336"/>
+          </a:xfrm>
+          <a:prstGeom prst="rect">
+            <a:avLst/>
+          </a:prstGeom>
+          <a:solidFill>
+            <a:srgbClr val="FFFFFF"/>
+          </a:solidFill>
+          <a:ln/>
+        </p:spPr>
+        <p:style>
+          <a:lnRef idx="2">
+            <a:schemeClr val="dk1"/>
+          </a:lnRef>
+          <a:fillRef idx="1">
+            <a:schemeClr val="lt1"/>
+          </a:fillRef>
+          <a:effectRef idx="0">
+            <a:schemeClr val="dk1"/>
+          </a:effectRef>
+          <a:fontRef idx="minor">
+            <a:schemeClr val="dk1"/>
+          </a:fontRef>
+        </p:style>
+        <p:txBody>
+          <a:bodyPr rtlCol="0" anchor="ctr"/>
+          <a:lstStyle/>
+          <a:p>
+            <a:pPr algn="ctr"/>
+            <a:r>
+              <a:rPr lang="en-US" sz="1200" dirty="0" smtClean="0"/>
+              <a:t>About</a:t>
+            </a:r>
+            <a:endParaRPr lang="en-US" sz="1200" dirty="0"/>
+          </a:p>
+        </p:txBody>
+      </p:sp>
+      <p:sp>
+        <p:nvSpPr>
+          <p:cNvPr id="10" name="Rectangle 9"/>
+          <p:cNvSpPr/>
+          <p:nvPr/>
+        </p:nvSpPr>
+        <p:spPr>
+          <a:xfrm>
+            <a:off x="674959" y="2452130"/>
+            <a:ext cx="1420091" cy="277336"/>
+          </a:xfrm>
+          <a:prstGeom prst="rect">
+            <a:avLst/>
+          </a:prstGeom>
+          <a:solidFill>
+            <a:srgbClr val="FFFFFF"/>
+          </a:solidFill>
+          <a:ln/>
+        </p:spPr>
+        <p:style>
+          <a:lnRef idx="2">
+            <a:schemeClr val="dk1"/>
+          </a:lnRef>
+          <a:fillRef idx="1">
+            <a:schemeClr val="lt1"/>
+          </a:fillRef>
+          <a:effectRef idx="0">
+            <a:schemeClr val="dk1"/>
+          </a:effectRef>
+          <a:fontRef idx="minor">
+            <a:schemeClr val="dk1"/>
+          </a:fontRef>
+        </p:style>
+        <p:txBody>
+          <a:bodyPr rtlCol="0" anchor="ctr"/>
+          <a:lstStyle/>
+          <a:p>
+            <a:pPr algn="ctr"/>
+            <a:r>
+              <a:rPr lang="en-US" sz="1200" dirty="0" smtClean="0"/>
+              <a:t>Registration</a:t>
+            </a:r>
+            <a:endParaRPr lang="en-US" sz="1200" dirty="0"/>
+          </a:p>
+        </p:txBody>
+      </p:sp>
+      <p:sp>
+        <p:nvSpPr>
+          <p:cNvPr id="19" name="Rectangle 18"/>
+          <p:cNvSpPr/>
+          <p:nvPr/>
+        </p:nvSpPr>
+        <p:spPr>
+          <a:xfrm>
+            <a:off x="2288308" y="278908"/>
+            <a:ext cx="1420091" cy="277336"/>
+          </a:xfrm>
+          <a:prstGeom prst="rect">
+            <a:avLst/>
+          </a:prstGeom>
+          <a:solidFill>
+            <a:srgbClr val="FFFFFF"/>
+          </a:solidFill>
+          <a:ln/>
+        </p:spPr>
+        <p:style>
+          <a:lnRef idx="2">
+            <a:schemeClr val="dk1"/>
+          </a:lnRef>
+          <a:fillRef idx="1">
+            <a:schemeClr val="lt1"/>
+          </a:fillRef>
+          <a:effectRef idx="0">
+            <a:schemeClr val="dk1"/>
+          </a:effectRef>
+          <a:fontRef idx="minor">
+            <a:schemeClr val="dk1"/>
+          </a:fontRef>
+        </p:style>
+        <p:txBody>
+          <a:bodyPr rtlCol="0" anchor="ctr"/>
+          <a:lstStyle/>
+          <a:p>
+            <a:pPr algn="ctr"/>
+            <a:r>
+              <a:rPr lang="en-US" sz="1200" dirty="0" err="1" smtClean="0"/>
+              <a:t>VolunteerOptions</a:t>
+            </a:r>
+            <a:endParaRPr lang="en-US" sz="1200" dirty="0"/>
+          </a:p>
+        </p:txBody>
+      </p:sp>
+      <p:sp>
+        <p:nvSpPr>
+          <p:cNvPr id="21" name="Rectangle 20"/>
+          <p:cNvSpPr/>
+          <p:nvPr/>
+        </p:nvSpPr>
+        <p:spPr>
+          <a:xfrm>
+            <a:off x="4172526" y="292640"/>
+            <a:ext cx="1420091" cy="277336"/>
+          </a:xfrm>
+          <a:prstGeom prst="rect">
+            <a:avLst/>
+          </a:prstGeom>
+          <a:solidFill>
+            <a:srgbClr val="FFFFFF"/>
+          </a:solidFill>
+          <a:ln/>
+        </p:spPr>
+        <p:style>
+          <a:lnRef idx="2">
+            <a:schemeClr val="dk1"/>
+          </a:lnRef>
+          <a:fillRef idx="1">
+            <a:schemeClr val="lt1"/>
+          </a:fillRef>
+          <a:effectRef idx="0">
+            <a:schemeClr val="dk1"/>
+          </a:effectRef>
+          <a:fontRef idx="minor">
+            <a:schemeClr val="dk1"/>
+          </a:fontRef>
+        </p:style>
+        <p:txBody>
+          <a:bodyPr rtlCol="0" anchor="ctr"/>
+          <a:lstStyle/>
+          <a:p>
+            <a:pPr algn="ctr"/>
+            <a:r>
+              <a:rPr lang="en-US" sz="1200" dirty="0" err="1" smtClean="0"/>
+              <a:t>MySignUps</a:t>
+            </a:r>
+            <a:endParaRPr lang="en-US" sz="1200" dirty="0"/>
+          </a:p>
+        </p:txBody>
+      </p:sp>
+      <p:sp>
+        <p:nvSpPr>
+          <p:cNvPr id="23" name="Rectangle 22"/>
+          <p:cNvSpPr/>
+          <p:nvPr/>
+        </p:nvSpPr>
+        <p:spPr>
+          <a:xfrm>
+            <a:off x="7482937" y="253754"/>
+            <a:ext cx="1420091" cy="277336"/>
+          </a:xfrm>
+          <a:prstGeom prst="rect">
+            <a:avLst/>
+          </a:prstGeom>
+          <a:solidFill>
+            <a:srgbClr val="FFFFFF"/>
+          </a:solidFill>
+          <a:ln/>
+        </p:spPr>
+        <p:style>
+          <a:lnRef idx="2">
+            <a:schemeClr val="dk1"/>
+          </a:lnRef>
+          <a:fillRef idx="1">
+            <a:schemeClr val="lt1"/>
+          </a:fillRef>
+          <a:effectRef idx="0">
+            <a:schemeClr val="dk1"/>
+          </a:effectRef>
+          <a:fontRef idx="minor">
+            <a:schemeClr val="dk1"/>
+          </a:fontRef>
+        </p:style>
+        <p:txBody>
+          <a:bodyPr rtlCol="0" anchor="ctr"/>
+          <a:lstStyle/>
+          <a:p>
+            <a:pPr algn="ctr"/>
+            <a:r>
+              <a:rPr lang="en-US" sz="1200" dirty="0" err="1" smtClean="0"/>
+              <a:t>ViewSignUpExisting</a:t>
+            </a:r>
+            <a:endParaRPr lang="en-US" sz="1200" dirty="0"/>
+          </a:p>
+        </p:txBody>
+      </p:sp>
+      <p:sp>
+        <p:nvSpPr>
+          <p:cNvPr id="33" name="Rectangle 32"/>
+          <p:cNvSpPr/>
+          <p:nvPr/>
+        </p:nvSpPr>
+        <p:spPr>
+          <a:xfrm>
+            <a:off x="2321734" y="1924887"/>
+            <a:ext cx="1420091" cy="277336"/>
+          </a:xfrm>
+          <a:prstGeom prst="rect">
+            <a:avLst/>
+          </a:prstGeom>
+          <a:solidFill>
+            <a:srgbClr val="FFFFFF"/>
+          </a:solidFill>
+          <a:ln/>
+        </p:spPr>
+        <p:style>
+          <a:lnRef idx="2">
+            <a:schemeClr val="dk1"/>
+          </a:lnRef>
+          <a:fillRef idx="1">
+            <a:schemeClr val="lt1"/>
+          </a:fillRef>
+          <a:effectRef idx="0">
+            <a:schemeClr val="dk1"/>
+          </a:effectRef>
+          <a:fontRef idx="minor">
+            <a:schemeClr val="dk1"/>
+          </a:fontRef>
+        </p:style>
+        <p:txBody>
+          <a:bodyPr rtlCol="0" anchor="ctr"/>
+          <a:lstStyle/>
+          <a:p>
+            <a:pPr algn="ctr"/>
+            <a:r>
+              <a:rPr lang="en-US" sz="1200" dirty="0" smtClean="0"/>
+              <a:t>Suggestions</a:t>
+            </a:r>
+            <a:endParaRPr lang="en-US" sz="1200" dirty="0"/>
+          </a:p>
+        </p:txBody>
+      </p:sp>
+      <p:sp>
+        <p:nvSpPr>
+          <p:cNvPr id="35" name="Rectangle 34"/>
+          <p:cNvSpPr/>
+          <p:nvPr/>
+        </p:nvSpPr>
+        <p:spPr>
+          <a:xfrm>
+            <a:off x="4011563" y="1936339"/>
+            <a:ext cx="1420091" cy="277336"/>
+          </a:xfrm>
+          <a:prstGeom prst="rect">
+            <a:avLst/>
+          </a:prstGeom>
+          <a:solidFill>
+            <a:srgbClr val="FFFFFF"/>
+          </a:solidFill>
+          <a:ln/>
+        </p:spPr>
+        <p:style>
+          <a:lnRef idx="2">
+            <a:schemeClr val="dk1"/>
+          </a:lnRef>
+          <a:fillRef idx="1">
+            <a:schemeClr val="lt1"/>
+          </a:fillRef>
+          <a:effectRef idx="0">
+            <a:schemeClr val="dk1"/>
+          </a:effectRef>
+          <a:fontRef idx="minor">
+            <a:schemeClr val="dk1"/>
+          </a:fontRef>
+        </p:style>
+        <p:txBody>
+          <a:bodyPr rtlCol="0" anchor="ctr"/>
+          <a:lstStyle/>
+          <a:p>
+            <a:pPr algn="ctr"/>
+            <a:r>
+              <a:rPr lang="en-US" sz="1200" dirty="0" smtClean="0"/>
+              <a:t>Suggestion</a:t>
+            </a:r>
+            <a:endParaRPr lang="en-US" sz="1200" dirty="0"/>
+          </a:p>
+        </p:txBody>
+      </p:sp>
+      <p:sp>
+        <p:nvSpPr>
+          <p:cNvPr id="44" name="Rectangle 43"/>
+          <p:cNvSpPr/>
+          <p:nvPr/>
+        </p:nvSpPr>
+        <p:spPr>
+          <a:xfrm>
+            <a:off x="2239518" y="1129889"/>
+            <a:ext cx="1420091" cy="277336"/>
+          </a:xfrm>
+          <a:prstGeom prst="rect">
+            <a:avLst/>
+          </a:prstGeom>
+          <a:solidFill>
+            <a:srgbClr val="FFFFFF"/>
+          </a:solidFill>
+          <a:ln/>
+        </p:spPr>
+        <p:style>
+          <a:lnRef idx="2">
+            <a:schemeClr val="dk1"/>
+          </a:lnRef>
+          <a:fillRef idx="1">
+            <a:schemeClr val="lt1"/>
+          </a:fillRef>
+          <a:effectRef idx="0">
+            <a:schemeClr val="dk1"/>
+          </a:effectRef>
+          <a:fontRef idx="minor">
+            <a:schemeClr val="dk1"/>
+          </a:fontRef>
+        </p:style>
+        <p:txBody>
+          <a:bodyPr rtlCol="0" anchor="ctr"/>
+          <a:lstStyle/>
+          <a:p>
+            <a:pPr algn="ctr"/>
+            <a:r>
+              <a:rPr lang="en-US" sz="1200" dirty="0" err="1" smtClean="0"/>
+              <a:t>VolCalendar</a:t>
+            </a:r>
+            <a:endParaRPr lang="en-US" sz="1200" dirty="0"/>
+          </a:p>
+        </p:txBody>
+      </p:sp>
+      <p:sp>
+        <p:nvSpPr>
+          <p:cNvPr id="46" name="Rectangle 45"/>
+          <p:cNvSpPr/>
+          <p:nvPr/>
+        </p:nvSpPr>
+        <p:spPr>
+          <a:xfrm>
+            <a:off x="3942002" y="1130011"/>
+            <a:ext cx="1420091" cy="277336"/>
+          </a:xfrm>
+          <a:prstGeom prst="rect">
+            <a:avLst/>
+          </a:prstGeom>
+          <a:solidFill>
+            <a:srgbClr val="FFFFFF"/>
+          </a:solidFill>
+          <a:ln/>
+        </p:spPr>
+        <p:style>
+          <a:lnRef idx="2">
+            <a:schemeClr val="dk1"/>
+          </a:lnRef>
+          <a:fillRef idx="1">
+            <a:schemeClr val="lt1"/>
+          </a:fillRef>
+          <a:effectRef idx="0">
+            <a:schemeClr val="dk1"/>
+          </a:effectRef>
+          <a:fontRef idx="minor">
+            <a:schemeClr val="dk1"/>
+          </a:fontRef>
+        </p:style>
+        <p:txBody>
+          <a:bodyPr rtlCol="0" anchor="ctr"/>
+          <a:lstStyle/>
+          <a:p>
+            <a:pPr algn="ctr"/>
+            <a:r>
+              <a:rPr lang="en-US" sz="1200" dirty="0" err="1" smtClean="0"/>
+              <a:t>VolPickSite</a:t>
+            </a:r>
+            <a:endParaRPr lang="en-US" sz="1200" dirty="0"/>
+          </a:p>
+        </p:txBody>
+      </p:sp>
+      <p:sp>
+        <p:nvSpPr>
+          <p:cNvPr id="49" name="Rectangle 48"/>
+          <p:cNvSpPr/>
+          <p:nvPr/>
+        </p:nvSpPr>
+        <p:spPr>
+          <a:xfrm>
+            <a:off x="7578141" y="1131333"/>
+            <a:ext cx="1420091" cy="277336"/>
+          </a:xfrm>
+          <a:prstGeom prst="rect">
+            <a:avLst/>
+          </a:prstGeom>
+          <a:solidFill>
+            <a:srgbClr val="FFFFFF"/>
+          </a:solidFill>
+          <a:ln/>
+        </p:spPr>
+        <p:style>
+          <a:lnRef idx="2">
+            <a:schemeClr val="dk1"/>
+          </a:lnRef>
+          <a:fillRef idx="1">
+            <a:schemeClr val="lt1"/>
+          </a:fillRef>
+          <a:effectRef idx="0">
+            <a:schemeClr val="dk1"/>
+          </a:effectRef>
+          <a:fontRef idx="minor">
+            <a:schemeClr val="dk1"/>
+          </a:fontRef>
+        </p:style>
+        <p:txBody>
+          <a:bodyPr rtlCol="0" anchor="ctr"/>
+          <a:lstStyle/>
+          <a:p>
+            <a:pPr algn="ctr"/>
+            <a:r>
+              <a:rPr lang="en-US" sz="1200" dirty="0" err="1" smtClean="0"/>
+              <a:t>ViewSignUpNew</a:t>
+            </a:r>
+            <a:endParaRPr lang="en-US" sz="1200" dirty="0"/>
+          </a:p>
+        </p:txBody>
+      </p:sp>
+      <p:sp>
+        <p:nvSpPr>
+          <p:cNvPr id="72" name="Rectangle 71"/>
+          <p:cNvSpPr/>
+          <p:nvPr/>
+        </p:nvSpPr>
+        <p:spPr>
+          <a:xfrm>
+            <a:off x="671946" y="3297012"/>
+            <a:ext cx="1420091" cy="277336"/>
+          </a:xfrm>
+          <a:prstGeom prst="rect">
+            <a:avLst/>
+          </a:prstGeom>
+          <a:solidFill>
+            <a:srgbClr val="FFFFFF"/>
+          </a:solidFill>
+          <a:ln/>
+        </p:spPr>
+        <p:style>
+          <a:lnRef idx="2">
+            <a:schemeClr val="dk1"/>
+          </a:lnRef>
+          <a:fillRef idx="1">
+            <a:schemeClr val="lt1"/>
+          </a:fillRef>
+          <a:effectRef idx="0">
+            <a:schemeClr val="dk1"/>
+          </a:effectRef>
+          <a:fontRef idx="minor">
+            <a:schemeClr val="dk1"/>
+          </a:fontRef>
+        </p:style>
+        <p:txBody>
+          <a:bodyPr rtlCol="0" anchor="ctr"/>
+          <a:lstStyle/>
+          <a:p>
+            <a:pPr algn="ctr"/>
+            <a:r>
+              <a:rPr lang="en-US" sz="1200" dirty="0" err="1" smtClean="0"/>
+              <a:t>SCMySites</a:t>
+            </a:r>
+            <a:endParaRPr lang="en-US" sz="1200" dirty="0"/>
+          </a:p>
+        </p:txBody>
+      </p:sp>
+      <p:sp>
+        <p:nvSpPr>
+          <p:cNvPr id="74" name="Rectangle 73"/>
+          <p:cNvSpPr/>
+          <p:nvPr/>
+        </p:nvSpPr>
+        <p:spPr>
+          <a:xfrm>
+            <a:off x="834325" y="4423261"/>
+            <a:ext cx="1420091" cy="277336"/>
+          </a:xfrm>
+          <a:prstGeom prst="rect">
+            <a:avLst/>
+          </a:prstGeom>
+          <a:solidFill>
+            <a:srgbClr val="FFFFFF"/>
+          </a:solidFill>
+          <a:ln/>
+        </p:spPr>
+        <p:style>
+          <a:lnRef idx="2">
+            <a:schemeClr val="dk1"/>
+          </a:lnRef>
+          <a:fillRef idx="1">
+            <a:schemeClr val="lt1"/>
+          </a:fillRef>
+          <a:effectRef idx="0">
+            <a:schemeClr val="dk1"/>
+          </a:effectRef>
+          <a:fontRef idx="minor">
+            <a:schemeClr val="dk1"/>
+          </a:fontRef>
+        </p:style>
+        <p:txBody>
+          <a:bodyPr rtlCol="0" anchor="ctr"/>
+          <a:lstStyle/>
+          <a:p>
+            <a:pPr algn="ctr"/>
+            <a:r>
+              <a:rPr lang="en-US" sz="1200" dirty="0" err="1" smtClean="0"/>
+              <a:t>SCSite</a:t>
+            </a:r>
+            <a:endParaRPr lang="en-US" sz="1200" dirty="0"/>
+          </a:p>
+        </p:txBody>
+      </p:sp>
+      <p:sp>
+        <p:nvSpPr>
+          <p:cNvPr id="95" name="Rectangle 94"/>
+          <p:cNvSpPr/>
+          <p:nvPr/>
+        </p:nvSpPr>
+        <p:spPr>
+          <a:xfrm>
+            <a:off x="5877789" y="3664558"/>
+            <a:ext cx="1420091" cy="277336"/>
+          </a:xfrm>
+          <a:prstGeom prst="rect">
+            <a:avLst/>
+          </a:prstGeom>
+          <a:solidFill>
+            <a:srgbClr val="FFFFFF"/>
+          </a:solidFill>
+          <a:ln/>
+        </p:spPr>
+        <p:style>
+          <a:lnRef idx="2">
+            <a:schemeClr val="dk1"/>
+          </a:lnRef>
+          <a:fillRef idx="1">
+            <a:schemeClr val="lt1"/>
+          </a:fillRef>
+          <a:effectRef idx="0">
+            <a:schemeClr val="dk1"/>
+          </a:effectRef>
+          <a:fontRef idx="minor">
+            <a:schemeClr val="dk1"/>
+          </a:fontRef>
+        </p:style>
+        <p:txBody>
+          <a:bodyPr rtlCol="0" anchor="ctr"/>
+          <a:lstStyle/>
+          <a:p>
+            <a:pPr algn="ctr"/>
+            <a:r>
+              <a:rPr lang="en-US" sz="1200" dirty="0" err="1" smtClean="0"/>
+              <a:t>SCSiteVol</a:t>
+            </a:r>
+            <a:endParaRPr lang="en-US" sz="1200" dirty="0"/>
+          </a:p>
+        </p:txBody>
+      </p:sp>
+      <p:sp>
+        <p:nvSpPr>
+          <p:cNvPr id="97" name="Rectangle 96"/>
+          <p:cNvSpPr/>
+          <p:nvPr/>
+        </p:nvSpPr>
+        <p:spPr>
+          <a:xfrm>
+            <a:off x="7578141" y="3664558"/>
+            <a:ext cx="1420091" cy="277336"/>
+          </a:xfrm>
+          <a:prstGeom prst="rect">
+            <a:avLst/>
+          </a:prstGeom>
+          <a:solidFill>
+            <a:srgbClr val="FFFFFF"/>
+          </a:solidFill>
+          <a:ln/>
+        </p:spPr>
+        <p:style>
+          <a:lnRef idx="2">
+            <a:schemeClr val="dk1"/>
+          </a:lnRef>
+          <a:fillRef idx="1">
+            <a:schemeClr val="lt1"/>
+          </a:fillRef>
+          <a:effectRef idx="0">
+            <a:schemeClr val="dk1"/>
+          </a:effectRef>
+          <a:fontRef idx="minor">
+            <a:schemeClr val="dk1"/>
+          </a:fontRef>
+        </p:style>
+        <p:txBody>
+          <a:bodyPr rtlCol="0" anchor="ctr"/>
+          <a:lstStyle/>
+          <a:p>
+            <a:pPr algn="ctr"/>
+            <a:r>
+              <a:rPr lang="en-US" sz="1200" dirty="0" err="1" smtClean="0"/>
+              <a:t>SCVolHours</a:t>
+            </a:r>
+            <a:endParaRPr lang="en-US" sz="1200" dirty="0"/>
+          </a:p>
+        </p:txBody>
+      </p:sp>
+      <p:sp>
+        <p:nvSpPr>
+          <p:cNvPr id="99" name="Rectangle 98"/>
+          <p:cNvSpPr/>
+          <p:nvPr/>
+        </p:nvSpPr>
+        <p:spPr>
+          <a:xfrm>
+            <a:off x="3439499" y="4717682"/>
+            <a:ext cx="1420091" cy="277336"/>
+          </a:xfrm>
+          <a:prstGeom prst="rect">
+            <a:avLst/>
+          </a:prstGeom>
+          <a:solidFill>
+            <a:srgbClr val="FFFFFF"/>
+          </a:solidFill>
+          <a:ln/>
+        </p:spPr>
+        <p:style>
+          <a:lnRef idx="2">
+            <a:schemeClr val="dk1"/>
+          </a:lnRef>
+          <a:fillRef idx="1">
+            <a:schemeClr val="lt1"/>
+          </a:fillRef>
+          <a:effectRef idx="0">
+            <a:schemeClr val="dk1"/>
+          </a:effectRef>
+          <a:fontRef idx="minor">
+            <a:schemeClr val="dk1"/>
+          </a:fontRef>
+        </p:style>
+        <p:txBody>
+          <a:bodyPr rtlCol="0" anchor="ctr"/>
+          <a:lstStyle/>
+          <a:p>
+            <a:pPr algn="ctr"/>
+            <a:r>
+              <a:rPr lang="en-US" sz="1200" dirty="0" err="1" smtClean="0"/>
+              <a:t>SCCalendar</a:t>
+            </a:r>
+            <a:endParaRPr lang="en-US" sz="1200" dirty="0"/>
+          </a:p>
+        </p:txBody>
+      </p:sp>
+      <p:sp>
+        <p:nvSpPr>
+          <p:cNvPr id="101" name="Rectangle 100"/>
+          <p:cNvSpPr/>
+          <p:nvPr/>
+        </p:nvSpPr>
+        <p:spPr>
+          <a:xfrm>
+            <a:off x="5225456" y="4724611"/>
+            <a:ext cx="1420091" cy="277336"/>
+          </a:xfrm>
+          <a:prstGeom prst="rect">
+            <a:avLst/>
+          </a:prstGeom>
+          <a:solidFill>
+            <a:srgbClr val="FFFFFF"/>
+          </a:solidFill>
+          <a:ln/>
+        </p:spPr>
+        <p:style>
+          <a:lnRef idx="2">
+            <a:schemeClr val="dk1"/>
+          </a:lnRef>
+          <a:fillRef idx="1">
+            <a:schemeClr val="lt1"/>
+          </a:fillRef>
+          <a:effectRef idx="0">
+            <a:schemeClr val="dk1"/>
+          </a:effectRef>
+          <a:fontRef idx="minor">
+            <a:schemeClr val="dk1"/>
+          </a:fontRef>
+        </p:style>
+        <p:txBody>
+          <a:bodyPr rtlCol="0" anchor="ctr"/>
+          <a:lstStyle/>
+          <a:p>
+            <a:pPr algn="ctr"/>
+            <a:r>
+              <a:rPr lang="en-US" sz="1200" dirty="0" err="1" smtClean="0"/>
+              <a:t>SCSiteCalShifts</a:t>
+            </a:r>
+            <a:endParaRPr lang="en-US" sz="1200" dirty="0"/>
+          </a:p>
+        </p:txBody>
+      </p:sp>
+      <p:sp>
+        <p:nvSpPr>
+          <p:cNvPr id="103" name="Rectangle 102"/>
+          <p:cNvSpPr/>
+          <p:nvPr/>
+        </p:nvSpPr>
+        <p:spPr>
+          <a:xfrm>
+            <a:off x="7098819" y="4717682"/>
+            <a:ext cx="1420091" cy="277336"/>
+          </a:xfrm>
+          <a:prstGeom prst="rect">
+            <a:avLst/>
+          </a:prstGeom>
+          <a:solidFill>
+            <a:srgbClr val="FFFFFF"/>
+          </a:solidFill>
+          <a:ln/>
+        </p:spPr>
+        <p:style>
+          <a:lnRef idx="2">
+            <a:schemeClr val="dk1"/>
+          </a:lnRef>
+          <a:fillRef idx="1">
+            <a:schemeClr val="lt1"/>
+          </a:fillRef>
+          <a:effectRef idx="0">
+            <a:schemeClr val="dk1"/>
+          </a:effectRef>
+          <a:fontRef idx="minor">
+            <a:schemeClr val="dk1"/>
+          </a:fontRef>
+        </p:style>
+        <p:txBody>
+          <a:bodyPr rtlCol="0" anchor="ctr"/>
+          <a:lstStyle/>
+          <a:p>
+            <a:pPr algn="ctr"/>
+            <a:r>
+              <a:rPr lang="en-US" sz="1200" dirty="0" err="1" smtClean="0"/>
+              <a:t>SCShiftDetails</a:t>
+            </a:r>
+            <a:endParaRPr lang="en-US" sz="1200" dirty="0"/>
+          </a:p>
+        </p:txBody>
+      </p:sp>
+      <p:sp>
+        <p:nvSpPr>
+          <p:cNvPr id="135" name="Rectangle 134"/>
+          <p:cNvSpPr/>
+          <p:nvPr/>
+        </p:nvSpPr>
+        <p:spPr>
+          <a:xfrm>
+            <a:off x="5877789" y="1891298"/>
+            <a:ext cx="1420091" cy="277336"/>
+          </a:xfrm>
+          <a:prstGeom prst="rect">
+            <a:avLst/>
+          </a:prstGeom>
+          <a:solidFill>
+            <a:srgbClr val="FFFFFF"/>
+          </a:solidFill>
+          <a:ln/>
+        </p:spPr>
+        <p:style>
+          <a:lnRef idx="2">
+            <a:schemeClr val="dk1"/>
+          </a:lnRef>
+          <a:fillRef idx="1">
+            <a:schemeClr val="lt1"/>
+          </a:fillRef>
+          <a:effectRef idx="0">
+            <a:schemeClr val="dk1"/>
+          </a:effectRef>
+          <a:fontRef idx="minor">
+            <a:schemeClr val="dk1"/>
+          </a:fontRef>
+        </p:style>
+        <p:txBody>
+          <a:bodyPr rtlCol="0" anchor="ctr"/>
+          <a:lstStyle/>
+          <a:p>
+            <a:pPr algn="ctr"/>
+            <a:r>
+              <a:rPr lang="en-US" sz="1200" dirty="0" err="1" smtClean="0"/>
+              <a:t>VolPickSiteMap</a:t>
+            </a:r>
+            <a:endParaRPr lang="en-US" sz="1200" dirty="0"/>
+          </a:p>
+        </p:txBody>
+      </p:sp>
+      <p:sp>
+        <p:nvSpPr>
+          <p:cNvPr id="82" name="Rectangle 81"/>
+          <p:cNvSpPr/>
+          <p:nvPr/>
+        </p:nvSpPr>
+        <p:spPr>
+          <a:xfrm>
+            <a:off x="2520228" y="3677258"/>
+            <a:ext cx="1420091" cy="277336"/>
+          </a:xfrm>
+          <a:prstGeom prst="rect">
+            <a:avLst/>
+          </a:prstGeom>
+          <a:solidFill>
+            <a:srgbClr val="FFFFFF"/>
+          </a:solidFill>
+          <a:ln/>
+        </p:spPr>
+        <p:style>
+          <a:lnRef idx="2">
+            <a:schemeClr val="dk1"/>
+          </a:lnRef>
+          <a:fillRef idx="1">
+            <a:schemeClr val="lt1"/>
+          </a:fillRef>
+          <a:effectRef idx="0">
+            <a:schemeClr val="dk1"/>
+          </a:effectRef>
+          <a:fontRef idx="minor">
+            <a:schemeClr val="dk1"/>
+          </a:fontRef>
+        </p:style>
+        <p:txBody>
+          <a:bodyPr rtlCol="0" anchor="ctr"/>
+          <a:lstStyle/>
+          <a:p>
+            <a:pPr algn="ctr"/>
+            <a:r>
+              <a:rPr lang="en-US" sz="1200" dirty="0" err="1" smtClean="0"/>
+              <a:t>SCSiteVolCalendar</a:t>
+            </a:r>
+            <a:endParaRPr lang="en-US" sz="1200" dirty="0" smtClean="0"/>
+          </a:p>
+        </p:txBody>
+      </p:sp>
+      <p:sp>
+        <p:nvSpPr>
+          <p:cNvPr id="85" name="Rectangle 84"/>
+          <p:cNvSpPr/>
+          <p:nvPr/>
+        </p:nvSpPr>
+        <p:spPr>
+          <a:xfrm>
+            <a:off x="5743765" y="1131211"/>
+            <a:ext cx="1420091" cy="277336"/>
+          </a:xfrm>
+          <a:prstGeom prst="rect">
+            <a:avLst/>
+          </a:prstGeom>
+          <a:solidFill>
+            <a:srgbClr val="FFFFFF"/>
+          </a:solidFill>
+          <a:ln/>
+        </p:spPr>
+        <p:style>
+          <a:lnRef idx="2">
+            <a:schemeClr val="dk1"/>
+          </a:lnRef>
+          <a:fillRef idx="1">
+            <a:schemeClr val="lt1"/>
+          </a:fillRef>
+          <a:effectRef idx="0">
+            <a:schemeClr val="dk1"/>
+          </a:effectRef>
+          <a:fontRef idx="minor">
+            <a:schemeClr val="dk1"/>
+          </a:fontRef>
+        </p:style>
+        <p:txBody>
+          <a:bodyPr rtlCol="0" anchor="ctr"/>
+          <a:lstStyle/>
+          <a:p>
+            <a:pPr algn="ctr"/>
+            <a:r>
+              <a:rPr lang="en-US" sz="1200" dirty="0" err="1" smtClean="0"/>
+              <a:t>VolPickShift</a:t>
+            </a:r>
+            <a:endParaRPr lang="en-US" sz="1200" dirty="0"/>
+          </a:p>
+        </p:txBody>
+      </p:sp>
+      <p:sp>
+        <p:nvSpPr>
+          <p:cNvPr id="127" name="TextBox 126"/>
+          <p:cNvSpPr txBox="1"/>
+          <p:nvPr/>
+        </p:nvSpPr>
+        <p:spPr>
+          <a:xfrm>
+            <a:off x="4594284" y="3941894"/>
+            <a:ext cx="761747" cy="276999"/>
+          </a:xfrm>
+          <a:prstGeom prst="rect">
+            <a:avLst/>
+          </a:prstGeom>
+          <a:noFill/>
+        </p:spPr>
+        <p:txBody>
+          <a:bodyPr wrap="none" rtlCol="0">
+            <a:spAutoFit/>
+          </a:bodyPr>
+          <a:lstStyle/>
+          <a:p>
+            <a:pPr algn="ctr"/>
+            <a:r>
+              <a:rPr lang="en-US" sz="1200" dirty="0" err="1" smtClean="0"/>
+              <a:t>SiteShifts</a:t>
+            </a:r>
+            <a:endParaRPr lang="en-US" sz="1200" dirty="0"/>
+          </a:p>
+        </p:txBody>
+      </p:sp>
+      <p:sp>
+        <p:nvSpPr>
+          <p:cNvPr id="128" name="Rectangle 127"/>
+          <p:cNvSpPr/>
+          <p:nvPr/>
+        </p:nvSpPr>
+        <p:spPr>
+          <a:xfrm>
+            <a:off x="4203259" y="3664558"/>
+            <a:ext cx="1420091" cy="277336"/>
+          </a:xfrm>
+          <a:prstGeom prst="rect">
+            <a:avLst/>
+          </a:prstGeom>
+          <a:solidFill>
+            <a:srgbClr val="FFFFFF"/>
+          </a:solidFill>
+          <a:ln/>
+        </p:spPr>
+        <p:style>
+          <a:lnRef idx="2">
+            <a:schemeClr val="dk1"/>
+          </a:lnRef>
+          <a:fillRef idx="1">
+            <a:schemeClr val="lt1"/>
+          </a:fillRef>
+          <a:effectRef idx="0">
+            <a:schemeClr val="dk1"/>
+          </a:effectRef>
+          <a:fontRef idx="minor">
+            <a:schemeClr val="dk1"/>
+          </a:fontRef>
+        </p:style>
+        <p:txBody>
+          <a:bodyPr rtlCol="0" anchor="ctr"/>
+          <a:lstStyle/>
+          <a:p>
+            <a:pPr algn="ctr"/>
+            <a:r>
+              <a:rPr lang="en-US" sz="1200" dirty="0" err="1" smtClean="0"/>
+              <a:t>SCSiteShifts</a:t>
+            </a:r>
+            <a:endParaRPr lang="en-US" sz="1200" dirty="0"/>
+          </a:p>
+        </p:txBody>
+      </p:sp>
+      <p:cxnSp>
+        <p:nvCxnSpPr>
+          <p:cNvPr id="137" name="Curved Connector 136"/>
+          <p:cNvCxnSpPr>
+            <a:stCxn id="128" idx="3"/>
+            <a:endCxn id="95" idx="1"/>
+          </p:cNvCxnSpPr>
+          <p:nvPr/>
+        </p:nvCxnSpPr>
+        <p:spPr>
+          <a:xfrm>
+            <a:off x="5623350" y="3803226"/>
+            <a:ext cx="254439" cy="12700"/>
+          </a:xfrm>
+          <a:prstGeom prst="curvedConnector3">
+            <a:avLst>
+              <a:gd name="adj1" fmla="val 50000"/>
+            </a:avLst>
+          </a:prstGeom>
+          <a:ln w="19050" cmpd="sng">
+            <a:tailEnd type="arrow"/>
+          </a:ln>
+        </p:spPr>
+        <p:style>
+          <a:lnRef idx="1">
+            <a:schemeClr val="dk1"/>
+          </a:lnRef>
+          <a:fillRef idx="0">
+            <a:schemeClr val="dk1"/>
+          </a:fillRef>
+          <a:effectRef idx="0">
+            <a:schemeClr val="dk1"/>
+          </a:effectRef>
+          <a:fontRef idx="minor">
+            <a:schemeClr val="tx1"/>
+          </a:fontRef>
+        </p:style>
+      </p:cxnSp>
+      <p:cxnSp>
+        <p:nvCxnSpPr>
+          <p:cNvPr id="138" name="Curved Connector 137"/>
+          <p:cNvCxnSpPr>
+            <a:stCxn id="101" idx="3"/>
+            <a:endCxn id="103" idx="1"/>
+          </p:cNvCxnSpPr>
+          <p:nvPr/>
+        </p:nvCxnSpPr>
+        <p:spPr>
+          <a:xfrm flipV="1">
+            <a:off x="6645547" y="4856350"/>
+            <a:ext cx="453272" cy="6929"/>
+          </a:xfrm>
+          <a:prstGeom prst="curvedConnector3">
+            <a:avLst>
+              <a:gd name="adj1" fmla="val 50000"/>
+            </a:avLst>
+          </a:prstGeom>
+          <a:ln w="19050" cmpd="sng">
+            <a:tailEnd type="arrow"/>
+          </a:ln>
+        </p:spPr>
+        <p:style>
+          <a:lnRef idx="1">
+            <a:schemeClr val="dk1"/>
+          </a:lnRef>
+          <a:fillRef idx="0">
+            <a:schemeClr val="dk1"/>
+          </a:fillRef>
+          <a:effectRef idx="0">
+            <a:schemeClr val="dk1"/>
+          </a:effectRef>
+          <a:fontRef idx="minor">
+            <a:schemeClr val="tx1"/>
+          </a:fontRef>
+        </p:style>
+      </p:cxnSp>
+      <p:cxnSp>
+        <p:nvCxnSpPr>
+          <p:cNvPr id="139" name="Curved Connector 138"/>
+          <p:cNvCxnSpPr>
+            <a:stCxn id="21" idx="3"/>
+            <a:endCxn id="49" idx="1"/>
+          </p:cNvCxnSpPr>
+          <p:nvPr/>
+        </p:nvCxnSpPr>
+        <p:spPr>
+          <a:xfrm>
+            <a:off x="5592617" y="431308"/>
+            <a:ext cx="1985524" cy="838693"/>
+          </a:xfrm>
+          <a:prstGeom prst="curvedConnector3">
+            <a:avLst>
+              <a:gd name="adj1" fmla="val 77330"/>
+            </a:avLst>
+          </a:prstGeom>
+          <a:ln w="19050" cmpd="sng">
+            <a:tailEnd type="arrow"/>
+          </a:ln>
+        </p:spPr>
+        <p:style>
+          <a:lnRef idx="1">
+            <a:schemeClr val="dk1"/>
+          </a:lnRef>
+          <a:fillRef idx="0">
+            <a:schemeClr val="dk1"/>
+          </a:fillRef>
+          <a:effectRef idx="0">
+            <a:schemeClr val="dk1"/>
+          </a:effectRef>
+          <a:fontRef idx="minor">
+            <a:schemeClr val="tx1"/>
+          </a:fontRef>
+        </p:style>
+      </p:cxnSp>
+      <p:sp>
+        <p:nvSpPr>
+          <p:cNvPr id="143" name="TextBox 142"/>
+          <p:cNvSpPr txBox="1"/>
+          <p:nvPr/>
+        </p:nvSpPr>
+        <p:spPr>
+          <a:xfrm>
+            <a:off x="6634711" y="490758"/>
+            <a:ext cx="496538" cy="369332"/>
+          </a:xfrm>
+          <a:prstGeom prst="rect">
+            <a:avLst/>
+          </a:prstGeom>
+          <a:noFill/>
+        </p:spPr>
+        <p:txBody>
+          <a:bodyPr wrap="none" rtlCol="0">
+            <a:spAutoFit/>
+          </a:bodyPr>
+          <a:lstStyle/>
+          <a:p>
+            <a:r>
+              <a:rPr lang="en-US" dirty="0" err="1" smtClean="0"/>
+              <a:t>iOS</a:t>
+            </a:r>
+            <a:endParaRPr lang="en-US" dirty="0"/>
+          </a:p>
+        </p:txBody>
+      </p:sp>
+      <p:sp>
+        <p:nvSpPr>
+          <p:cNvPr id="78" name="TextBox 77"/>
+          <p:cNvSpPr txBox="1"/>
+          <p:nvPr/>
+        </p:nvSpPr>
+        <p:spPr>
+          <a:xfrm>
+            <a:off x="8537552" y="6280902"/>
+            <a:ext cx="513156" cy="400110"/>
+          </a:xfrm>
+          <a:prstGeom prst="rect">
+            <a:avLst/>
+          </a:prstGeom>
+          <a:noFill/>
+        </p:spPr>
+        <p:txBody>
+          <a:bodyPr wrap="none" rtlCol="0">
+            <a:spAutoFit/>
+          </a:bodyPr>
+          <a:lstStyle/>
+          <a:p>
+            <a:r>
+              <a:rPr lang="en-US" sz="2000" b="1" dirty="0"/>
+              <a:t>1</a:t>
+            </a:r>
+            <a:r>
+              <a:rPr lang="en-US" sz="2000" b="1" dirty="0" smtClean="0"/>
+              <a:t>.0</a:t>
+            </a:r>
+            <a:endParaRPr lang="en-US" sz="2000" b="1" dirty="0"/>
           </a:p>
         </p:txBody>
       </p:sp>
     </p:spTree>
     <p:extLst>
       <p:ext uri="{BB962C8B-B14F-4D97-AF65-F5344CB8AC3E}">
-        <p14:creationId xmlns:p14="http://schemas.microsoft.com/office/powerpoint/2010/main" val="1039482319"/>
+        <p14:creationId xmlns:p14="http://schemas.microsoft.com/office/powerpoint/2010/main" val="897914101"/>
       </p:ext>
     </p:extLst>
   </p:cSld>
@@ -3166,1707 +6045,13 @@
       </p:grpSpPr>
       <p:sp>
         <p:nvSpPr>
-          <p:cNvPr id="5" name="TextBox 4"/>
-          <p:cNvSpPr txBox="1"/>
-          <p:nvPr/>
-        </p:nvSpPr>
-        <p:spPr>
-          <a:xfrm>
-            <a:off x="446861" y="531090"/>
-            <a:ext cx="1125128" cy="276999"/>
-          </a:xfrm>
-          <a:prstGeom prst="rect">
-            <a:avLst/>
-          </a:prstGeom>
-          <a:noFill/>
-        </p:spPr>
-        <p:txBody>
-          <a:bodyPr wrap="none" rtlCol="0">
-            <a:spAutoFit/>
-          </a:bodyPr>
-          <a:lstStyle/>
-          <a:p>
-            <a:pPr algn="ctr"/>
-            <a:r>
-              <a:rPr lang="en-US" sz="1200" dirty="0" err="1" smtClean="0"/>
-              <a:t>ViewController</a:t>
-            </a:r>
-            <a:endParaRPr lang="en-US" sz="1200" dirty="0"/>
-          </a:p>
-        </p:txBody>
-      </p:sp>
-      <p:sp>
-        <p:nvSpPr>
-          <p:cNvPr id="7" name="TextBox 6"/>
-          <p:cNvSpPr txBox="1"/>
-          <p:nvPr/>
-        </p:nvSpPr>
-        <p:spPr>
-          <a:xfrm>
-            <a:off x="787630" y="1975411"/>
-            <a:ext cx="569387" cy="276999"/>
-          </a:xfrm>
-          <a:prstGeom prst="rect">
-            <a:avLst/>
-          </a:prstGeom>
-          <a:noFill/>
-        </p:spPr>
-        <p:txBody>
-          <a:bodyPr wrap="none" rtlCol="0">
-            <a:spAutoFit/>
-          </a:bodyPr>
-          <a:lstStyle/>
-          <a:p>
-            <a:pPr algn="ctr"/>
-            <a:r>
-              <a:rPr lang="en-US" sz="1200" dirty="0" smtClean="0"/>
-              <a:t>About</a:t>
-            </a:r>
-            <a:endParaRPr lang="en-US" sz="1200" dirty="0"/>
-          </a:p>
-        </p:txBody>
-      </p:sp>
-      <p:sp>
-        <p:nvSpPr>
-          <p:cNvPr id="9" name="TextBox 8"/>
-          <p:cNvSpPr txBox="1"/>
-          <p:nvPr/>
-        </p:nvSpPr>
-        <p:spPr>
-          <a:xfrm>
-            <a:off x="1098043" y="2729466"/>
-            <a:ext cx="697627" cy="276999"/>
-          </a:xfrm>
-          <a:prstGeom prst="rect">
-            <a:avLst/>
-          </a:prstGeom>
-          <a:noFill/>
-        </p:spPr>
-        <p:txBody>
-          <a:bodyPr wrap="none" rtlCol="0">
-            <a:spAutoFit/>
-          </a:bodyPr>
-          <a:lstStyle/>
-          <a:p>
-            <a:pPr algn="ctr"/>
-            <a:r>
-              <a:rPr lang="en-US" sz="1200" dirty="0" smtClean="0"/>
-              <a:t>Register</a:t>
-            </a:r>
-            <a:endParaRPr lang="en-US" sz="1200" dirty="0"/>
-          </a:p>
-        </p:txBody>
-      </p:sp>
-      <p:cxnSp>
-        <p:nvCxnSpPr>
-          <p:cNvPr id="12" name="Curved Connector 11"/>
-          <p:cNvCxnSpPr>
-            <a:stCxn id="5" idx="2"/>
-            <a:endCxn id="8" idx="1"/>
-          </p:cNvCxnSpPr>
-          <p:nvPr/>
-        </p:nvCxnSpPr>
-        <p:spPr>
-          <a:xfrm rot="5400000">
-            <a:off x="232840" y="1060158"/>
-            <a:ext cx="1028654" cy="524516"/>
-          </a:xfrm>
-          <a:prstGeom prst="curvedConnector4">
-            <a:avLst>
-              <a:gd name="adj1" fmla="val 43260"/>
-              <a:gd name="adj2" fmla="val 136979"/>
-            </a:avLst>
-          </a:prstGeom>
-          <a:ln w="19050" cmpd="sng">
-            <a:tailEnd type="arrow"/>
-          </a:ln>
-        </p:spPr>
-        <p:style>
-          <a:lnRef idx="1">
-            <a:schemeClr val="dk1"/>
-          </a:lnRef>
-          <a:fillRef idx="0">
-            <a:schemeClr val="dk1"/>
-          </a:fillRef>
-          <a:effectRef idx="0">
-            <a:schemeClr val="dk1"/>
-          </a:effectRef>
-          <a:fontRef idx="minor">
-            <a:schemeClr val="tx1"/>
-          </a:fontRef>
-        </p:style>
-      </p:cxnSp>
-      <p:cxnSp>
-        <p:nvCxnSpPr>
-          <p:cNvPr id="13" name="Curved Connector 12"/>
-          <p:cNvCxnSpPr>
-            <a:stCxn id="5" idx="2"/>
-            <a:endCxn id="10" idx="1"/>
-          </p:cNvCxnSpPr>
-          <p:nvPr/>
-        </p:nvCxnSpPr>
-        <p:spPr>
-          <a:xfrm rot="5400000">
-            <a:off x="-49162" y="1532210"/>
-            <a:ext cx="1782709" cy="334466"/>
-          </a:xfrm>
-          <a:prstGeom prst="curvedConnector4">
-            <a:avLst>
-              <a:gd name="adj1" fmla="val 46111"/>
-              <a:gd name="adj2" fmla="val 168348"/>
-            </a:avLst>
-          </a:prstGeom>
-          <a:ln w="19050" cmpd="sng">
-            <a:tailEnd type="arrow"/>
-          </a:ln>
-        </p:spPr>
-        <p:style>
-          <a:lnRef idx="1">
-            <a:schemeClr val="dk1"/>
-          </a:lnRef>
-          <a:fillRef idx="0">
-            <a:schemeClr val="dk1"/>
-          </a:fillRef>
-          <a:effectRef idx="0">
-            <a:schemeClr val="dk1"/>
-          </a:effectRef>
-          <a:fontRef idx="minor">
-            <a:schemeClr val="tx1"/>
-          </a:fontRef>
-        </p:style>
-      </p:cxnSp>
-      <p:sp>
-        <p:nvSpPr>
-          <p:cNvPr id="18" name="TextBox 17"/>
-          <p:cNvSpPr txBox="1"/>
-          <p:nvPr/>
-        </p:nvSpPr>
-        <p:spPr>
-          <a:xfrm>
-            <a:off x="2358842" y="567696"/>
-            <a:ext cx="1300356" cy="276999"/>
-          </a:xfrm>
-          <a:prstGeom prst="rect">
-            <a:avLst/>
-          </a:prstGeom>
-          <a:noFill/>
-        </p:spPr>
-        <p:txBody>
-          <a:bodyPr wrap="none" rtlCol="0">
-            <a:spAutoFit/>
-          </a:bodyPr>
-          <a:lstStyle/>
-          <a:p>
-            <a:pPr algn="ctr"/>
-            <a:r>
-              <a:rPr lang="en-US" sz="1200" dirty="0" err="1" smtClean="0"/>
-              <a:t>VolunteerOptions</a:t>
-            </a:r>
-            <a:endParaRPr lang="en-US" sz="1200" dirty="0"/>
-          </a:p>
-        </p:txBody>
-      </p:sp>
-      <p:sp>
-        <p:nvSpPr>
-          <p:cNvPr id="20" name="TextBox 19"/>
-          <p:cNvSpPr txBox="1"/>
-          <p:nvPr/>
-        </p:nvSpPr>
-        <p:spPr>
-          <a:xfrm>
-            <a:off x="4448245" y="581428"/>
-            <a:ext cx="889987" cy="276999"/>
-          </a:xfrm>
-          <a:prstGeom prst="rect">
-            <a:avLst/>
-          </a:prstGeom>
-          <a:noFill/>
-        </p:spPr>
-        <p:txBody>
-          <a:bodyPr wrap="none" rtlCol="0">
-            <a:spAutoFit/>
-          </a:bodyPr>
-          <a:lstStyle/>
-          <a:p>
-            <a:pPr algn="ctr"/>
-            <a:r>
-              <a:rPr lang="en-US" sz="1200" dirty="0" err="1" smtClean="0"/>
-              <a:t>MySignUps</a:t>
-            </a:r>
-            <a:endParaRPr lang="en-US" sz="1200" dirty="0"/>
-          </a:p>
-        </p:txBody>
-      </p:sp>
-      <p:sp>
-        <p:nvSpPr>
-          <p:cNvPr id="22" name="TextBox 21"/>
-          <p:cNvSpPr txBox="1"/>
-          <p:nvPr/>
-        </p:nvSpPr>
-        <p:spPr>
-          <a:xfrm>
-            <a:off x="7423462" y="551040"/>
-            <a:ext cx="1574770" cy="276999"/>
-          </a:xfrm>
-          <a:prstGeom prst="rect">
-            <a:avLst/>
-          </a:prstGeom>
-          <a:noFill/>
-        </p:spPr>
-        <p:txBody>
-          <a:bodyPr wrap="none" rtlCol="0">
-            <a:spAutoFit/>
-          </a:bodyPr>
-          <a:lstStyle/>
-          <a:p>
-            <a:pPr algn="ctr"/>
-            <a:r>
-              <a:rPr lang="en-US" sz="1200" dirty="0" err="1" smtClean="0"/>
-              <a:t>A_ViewSignUpExisting</a:t>
-            </a:r>
-            <a:endParaRPr lang="en-US" sz="1200" dirty="0"/>
-          </a:p>
-        </p:txBody>
-      </p:sp>
-      <p:cxnSp>
-        <p:nvCxnSpPr>
-          <p:cNvPr id="25" name="Curved Connector 24"/>
-          <p:cNvCxnSpPr>
-            <a:stCxn id="6" idx="3"/>
-            <a:endCxn id="19" idx="1"/>
-          </p:cNvCxnSpPr>
-          <p:nvPr/>
-        </p:nvCxnSpPr>
-        <p:spPr>
-          <a:xfrm>
-            <a:off x="1720272" y="392422"/>
-            <a:ext cx="568036" cy="25154"/>
-          </a:xfrm>
-          <a:prstGeom prst="curvedConnector3">
-            <a:avLst/>
-          </a:prstGeom>
-          <a:ln w="19050" cmpd="sng">
-            <a:tailEnd type="arrow"/>
-          </a:ln>
-        </p:spPr>
-        <p:style>
-          <a:lnRef idx="1">
-            <a:schemeClr val="dk1"/>
-          </a:lnRef>
-          <a:fillRef idx="0">
-            <a:schemeClr val="dk1"/>
-          </a:fillRef>
-          <a:effectRef idx="0">
-            <a:schemeClr val="dk1"/>
-          </a:effectRef>
-          <a:fontRef idx="minor">
-            <a:schemeClr val="tx1"/>
-          </a:fontRef>
-        </p:style>
-      </p:cxnSp>
-      <p:cxnSp>
-        <p:nvCxnSpPr>
-          <p:cNvPr id="26" name="Curved Connector 25"/>
-          <p:cNvCxnSpPr>
-            <a:stCxn id="19" idx="3"/>
-            <a:endCxn id="21" idx="1"/>
-          </p:cNvCxnSpPr>
-          <p:nvPr/>
-        </p:nvCxnSpPr>
-        <p:spPr>
-          <a:xfrm>
-            <a:off x="3708399" y="417576"/>
-            <a:ext cx="464127" cy="13732"/>
-          </a:xfrm>
-          <a:prstGeom prst="curvedConnector3">
-            <a:avLst/>
-          </a:prstGeom>
-          <a:ln w="19050" cmpd="sng">
-            <a:tailEnd type="arrow"/>
-          </a:ln>
-        </p:spPr>
-        <p:style>
-          <a:lnRef idx="1">
-            <a:schemeClr val="dk1"/>
-          </a:lnRef>
-          <a:fillRef idx="0">
-            <a:schemeClr val="dk1"/>
-          </a:fillRef>
-          <a:effectRef idx="0">
-            <a:schemeClr val="dk1"/>
-          </a:effectRef>
-          <a:fontRef idx="minor">
-            <a:schemeClr val="tx1"/>
-          </a:fontRef>
-        </p:style>
-      </p:cxnSp>
-      <p:cxnSp>
-        <p:nvCxnSpPr>
-          <p:cNvPr id="29" name="Curved Connector 28"/>
-          <p:cNvCxnSpPr>
-            <a:stCxn id="21" idx="3"/>
-            <a:endCxn id="23" idx="1"/>
-          </p:cNvCxnSpPr>
-          <p:nvPr/>
-        </p:nvCxnSpPr>
-        <p:spPr>
-          <a:xfrm flipV="1">
-            <a:off x="5592617" y="392422"/>
-            <a:ext cx="1890320" cy="38886"/>
-          </a:xfrm>
-          <a:prstGeom prst="curvedConnector3">
-            <a:avLst/>
-          </a:prstGeom>
-          <a:ln w="19050" cmpd="sng">
-            <a:tailEnd type="arrow"/>
-          </a:ln>
-        </p:spPr>
-        <p:style>
-          <a:lnRef idx="1">
-            <a:schemeClr val="dk1"/>
-          </a:lnRef>
-          <a:fillRef idx="0">
-            <a:schemeClr val="dk1"/>
-          </a:fillRef>
-          <a:effectRef idx="0">
-            <a:schemeClr val="dk1"/>
-          </a:effectRef>
-          <a:fontRef idx="minor">
-            <a:schemeClr val="tx1"/>
-          </a:fontRef>
-        </p:style>
-      </p:cxnSp>
-      <p:sp>
-        <p:nvSpPr>
-          <p:cNvPr id="32" name="TextBox 31"/>
-          <p:cNvSpPr txBox="1"/>
-          <p:nvPr/>
-        </p:nvSpPr>
-        <p:spPr>
-          <a:xfrm>
-            <a:off x="2578219" y="2213675"/>
-            <a:ext cx="928459" cy="276999"/>
-          </a:xfrm>
-          <a:prstGeom prst="rect">
-            <a:avLst/>
-          </a:prstGeom>
-          <a:noFill/>
-        </p:spPr>
-        <p:txBody>
-          <a:bodyPr wrap="none" rtlCol="0">
-            <a:spAutoFit/>
-          </a:bodyPr>
-          <a:lstStyle/>
-          <a:p>
-            <a:pPr algn="ctr"/>
-            <a:r>
-              <a:rPr lang="en-US" sz="1200" dirty="0" smtClean="0"/>
-              <a:t>Suggestions</a:t>
-            </a:r>
-            <a:endParaRPr lang="en-US" sz="1200" dirty="0"/>
-          </a:p>
-        </p:txBody>
-      </p:sp>
-      <p:sp>
-        <p:nvSpPr>
-          <p:cNvPr id="34" name="TextBox 33"/>
-          <p:cNvSpPr txBox="1"/>
-          <p:nvPr/>
-        </p:nvSpPr>
-        <p:spPr>
-          <a:xfrm>
-            <a:off x="4299480" y="2225127"/>
-            <a:ext cx="865592" cy="276999"/>
-          </a:xfrm>
-          <a:prstGeom prst="rect">
-            <a:avLst/>
-          </a:prstGeom>
-          <a:noFill/>
-        </p:spPr>
-        <p:txBody>
-          <a:bodyPr wrap="none" rtlCol="0">
-            <a:spAutoFit/>
-          </a:bodyPr>
-          <a:lstStyle/>
-          <a:p>
-            <a:pPr algn="ctr"/>
-            <a:r>
-              <a:rPr lang="en-US" sz="1200" dirty="0" smtClean="0"/>
-              <a:t>Suggestion</a:t>
-            </a:r>
-            <a:endParaRPr lang="en-US" sz="1200" dirty="0"/>
-          </a:p>
-        </p:txBody>
-      </p:sp>
-      <p:cxnSp>
-        <p:nvCxnSpPr>
-          <p:cNvPr id="36" name="Curved Connector 35"/>
-          <p:cNvCxnSpPr>
-            <a:stCxn id="33" idx="3"/>
-            <a:endCxn id="35" idx="1"/>
-          </p:cNvCxnSpPr>
-          <p:nvPr/>
-        </p:nvCxnSpPr>
-        <p:spPr>
-          <a:xfrm>
-            <a:off x="3741825" y="2063555"/>
-            <a:ext cx="269738" cy="11452"/>
-          </a:xfrm>
-          <a:prstGeom prst="curvedConnector3">
-            <a:avLst/>
-          </a:prstGeom>
-          <a:ln w="19050" cmpd="sng">
-            <a:tailEnd type="arrow"/>
-          </a:ln>
-        </p:spPr>
-        <p:style>
-          <a:lnRef idx="1">
-            <a:schemeClr val="dk1"/>
-          </a:lnRef>
-          <a:fillRef idx="0">
-            <a:schemeClr val="dk1"/>
-          </a:fillRef>
-          <a:effectRef idx="0">
-            <a:schemeClr val="dk1"/>
-          </a:effectRef>
-          <a:fontRef idx="minor">
-            <a:schemeClr val="tx1"/>
-          </a:fontRef>
-        </p:style>
-      </p:cxnSp>
-      <p:cxnSp>
-        <p:nvCxnSpPr>
-          <p:cNvPr id="37" name="Curved Connector 36"/>
-          <p:cNvCxnSpPr>
-            <a:stCxn id="18" idx="2"/>
-            <a:endCxn id="33" idx="1"/>
-          </p:cNvCxnSpPr>
-          <p:nvPr/>
-        </p:nvCxnSpPr>
-        <p:spPr>
-          <a:xfrm rot="5400000">
-            <a:off x="2055947" y="1110482"/>
-            <a:ext cx="1218860" cy="687286"/>
-          </a:xfrm>
-          <a:prstGeom prst="curvedConnector4">
-            <a:avLst>
-              <a:gd name="adj1" fmla="val 44312"/>
-              <a:gd name="adj2" fmla="val 133261"/>
-            </a:avLst>
-          </a:prstGeom>
-          <a:ln w="19050" cmpd="sng">
-            <a:tailEnd type="arrow"/>
-          </a:ln>
-        </p:spPr>
-        <p:style>
-          <a:lnRef idx="1">
-            <a:schemeClr val="dk1"/>
-          </a:lnRef>
-          <a:fillRef idx="0">
-            <a:schemeClr val="dk1"/>
-          </a:fillRef>
-          <a:effectRef idx="0">
-            <a:schemeClr val="dk1"/>
-          </a:effectRef>
-          <a:fontRef idx="minor">
-            <a:schemeClr val="tx1"/>
-          </a:fontRef>
-        </p:style>
-      </p:cxnSp>
-      <p:sp>
-        <p:nvSpPr>
-          <p:cNvPr id="43" name="TextBox 42"/>
-          <p:cNvSpPr txBox="1"/>
-          <p:nvPr/>
-        </p:nvSpPr>
-        <p:spPr>
-          <a:xfrm>
-            <a:off x="2589540" y="1418677"/>
-            <a:ext cx="741384" cy="276999"/>
-          </a:xfrm>
-          <a:prstGeom prst="rect">
-            <a:avLst/>
-          </a:prstGeom>
-          <a:noFill/>
-        </p:spPr>
-        <p:txBody>
-          <a:bodyPr wrap="none" rtlCol="0">
-            <a:spAutoFit/>
-          </a:bodyPr>
-          <a:lstStyle/>
-          <a:p>
-            <a:pPr algn="ctr"/>
-            <a:r>
-              <a:rPr lang="en-US" sz="1200" dirty="0" smtClean="0"/>
-              <a:t>Calendar</a:t>
-            </a:r>
-            <a:endParaRPr lang="en-US" sz="1200" dirty="0"/>
-          </a:p>
-        </p:txBody>
-      </p:sp>
-      <p:sp>
-        <p:nvSpPr>
-          <p:cNvPr id="45" name="TextBox 44"/>
-          <p:cNvSpPr txBox="1"/>
-          <p:nvPr/>
-        </p:nvSpPr>
-        <p:spPr>
-          <a:xfrm>
-            <a:off x="4076662" y="1418799"/>
-            <a:ext cx="1172116" cy="276999"/>
-          </a:xfrm>
-          <a:prstGeom prst="rect">
-            <a:avLst/>
-          </a:prstGeom>
-          <a:noFill/>
-        </p:spPr>
-        <p:txBody>
-          <a:bodyPr wrap="none" rtlCol="0">
-            <a:spAutoFit/>
-          </a:bodyPr>
-          <a:lstStyle/>
-          <a:p>
-            <a:pPr algn="ctr"/>
-            <a:r>
-              <a:rPr lang="en-US" sz="1200" dirty="0" err="1" smtClean="0"/>
-              <a:t>SitesOnDateList</a:t>
-            </a:r>
-            <a:endParaRPr lang="en-US" sz="1200" dirty="0"/>
-          </a:p>
-        </p:txBody>
-      </p:sp>
-      <p:cxnSp>
-        <p:nvCxnSpPr>
-          <p:cNvPr id="47" name="Curved Connector 46"/>
-          <p:cNvCxnSpPr>
-            <a:stCxn id="44" idx="3"/>
-            <a:endCxn id="46" idx="1"/>
-          </p:cNvCxnSpPr>
-          <p:nvPr/>
-        </p:nvCxnSpPr>
-        <p:spPr>
-          <a:xfrm>
-            <a:off x="3659609" y="1268557"/>
-            <a:ext cx="282393" cy="122"/>
-          </a:xfrm>
-          <a:prstGeom prst="curvedConnector3">
-            <a:avLst/>
-          </a:prstGeom>
-          <a:ln w="19050" cmpd="sng">
-            <a:tailEnd type="arrow"/>
-          </a:ln>
-        </p:spPr>
-        <p:style>
-          <a:lnRef idx="1">
-            <a:schemeClr val="dk1"/>
-          </a:lnRef>
-          <a:fillRef idx="0">
-            <a:schemeClr val="dk1"/>
-          </a:fillRef>
-          <a:effectRef idx="0">
-            <a:schemeClr val="dk1"/>
-          </a:effectRef>
-          <a:fontRef idx="minor">
-            <a:schemeClr val="tx1"/>
-          </a:fontRef>
-        </p:style>
-      </p:cxnSp>
-      <p:sp>
-        <p:nvSpPr>
-          <p:cNvPr id="48" name="TextBox 47"/>
-          <p:cNvSpPr txBox="1"/>
-          <p:nvPr/>
-        </p:nvSpPr>
-        <p:spPr>
-          <a:xfrm>
-            <a:off x="7987079" y="1420121"/>
-            <a:ext cx="623563" cy="276999"/>
-          </a:xfrm>
-          <a:prstGeom prst="rect">
-            <a:avLst/>
-          </a:prstGeom>
-          <a:noFill/>
-        </p:spPr>
-        <p:txBody>
-          <a:bodyPr wrap="none" rtlCol="0">
-            <a:spAutoFit/>
-          </a:bodyPr>
-          <a:lstStyle/>
-          <a:p>
-            <a:pPr algn="ctr"/>
-            <a:r>
-              <a:rPr lang="en-US" sz="1200" dirty="0" err="1" smtClean="0"/>
-              <a:t>SignUp</a:t>
-            </a:r>
-            <a:endParaRPr lang="en-US" sz="1200" dirty="0"/>
-          </a:p>
-        </p:txBody>
-      </p:sp>
-      <p:cxnSp>
-        <p:nvCxnSpPr>
-          <p:cNvPr id="50" name="Curved Connector 49"/>
-          <p:cNvCxnSpPr>
-            <a:stCxn id="46" idx="3"/>
-            <a:endCxn id="85" idx="1"/>
-          </p:cNvCxnSpPr>
-          <p:nvPr/>
-        </p:nvCxnSpPr>
-        <p:spPr>
-          <a:xfrm>
-            <a:off x="5362093" y="1268679"/>
-            <a:ext cx="381672" cy="1200"/>
-          </a:xfrm>
-          <a:prstGeom prst="curvedConnector3">
-            <a:avLst>
-              <a:gd name="adj1" fmla="val 50000"/>
-            </a:avLst>
-          </a:prstGeom>
-          <a:ln w="19050" cmpd="sng">
-            <a:tailEnd type="arrow"/>
-          </a:ln>
-        </p:spPr>
-        <p:style>
-          <a:lnRef idx="1">
-            <a:schemeClr val="dk1"/>
-          </a:lnRef>
-          <a:fillRef idx="0">
-            <a:schemeClr val="dk1"/>
-          </a:fillRef>
-          <a:effectRef idx="0">
-            <a:schemeClr val="dk1"/>
-          </a:effectRef>
-          <a:fontRef idx="minor">
-            <a:schemeClr val="tx1"/>
-          </a:fontRef>
-        </p:style>
-      </p:cxnSp>
-      <p:cxnSp>
-        <p:nvCxnSpPr>
-          <p:cNvPr id="53" name="Curved Connector 52"/>
-          <p:cNvCxnSpPr>
-            <a:stCxn id="18" idx="2"/>
-            <a:endCxn id="44" idx="1"/>
-          </p:cNvCxnSpPr>
-          <p:nvPr/>
-        </p:nvCxnSpPr>
-        <p:spPr>
-          <a:xfrm rot="5400000">
-            <a:off x="2412338" y="671875"/>
-            <a:ext cx="423862" cy="769502"/>
-          </a:xfrm>
-          <a:prstGeom prst="curvedConnector4">
-            <a:avLst>
-              <a:gd name="adj1" fmla="val 33642"/>
-              <a:gd name="adj2" fmla="val 129708"/>
-            </a:avLst>
-          </a:prstGeom>
-          <a:ln w="19050" cmpd="sng">
-            <a:tailEnd type="arrow"/>
-          </a:ln>
-        </p:spPr>
-        <p:style>
-          <a:lnRef idx="1">
-            <a:schemeClr val="dk1"/>
-          </a:lnRef>
-          <a:fillRef idx="0">
-            <a:schemeClr val="dk1"/>
-          </a:fillRef>
-          <a:effectRef idx="0">
-            <a:schemeClr val="dk1"/>
-          </a:effectRef>
-          <a:fontRef idx="minor">
-            <a:schemeClr val="tx1"/>
-          </a:fontRef>
-        </p:style>
-      </p:cxnSp>
-      <p:cxnSp>
-        <p:nvCxnSpPr>
-          <p:cNvPr id="57" name="Curved Connector 56"/>
-          <p:cNvCxnSpPr>
-            <a:stCxn id="18" idx="2"/>
-            <a:endCxn id="35" idx="0"/>
-          </p:cNvCxnSpPr>
-          <p:nvPr/>
-        </p:nvCxnSpPr>
-        <p:spPr>
-          <a:xfrm rot="16200000" flipH="1">
-            <a:off x="3319492" y="534222"/>
-            <a:ext cx="1091644" cy="1712589"/>
-          </a:xfrm>
-          <a:prstGeom prst="curvedConnector3">
-            <a:avLst>
-              <a:gd name="adj1" fmla="val 50000"/>
-            </a:avLst>
-          </a:prstGeom>
-          <a:ln w="19050" cmpd="sng">
-            <a:tailEnd type="arrow"/>
-          </a:ln>
-        </p:spPr>
-        <p:style>
-          <a:lnRef idx="1">
-            <a:schemeClr val="dk1"/>
-          </a:lnRef>
-          <a:fillRef idx="0">
-            <a:schemeClr val="dk1"/>
-          </a:fillRef>
-          <a:effectRef idx="0">
-            <a:schemeClr val="dk1"/>
-          </a:effectRef>
-          <a:fontRef idx="minor">
-            <a:schemeClr val="tx1"/>
-          </a:fontRef>
-        </p:style>
-      </p:cxnSp>
-      <p:sp>
-        <p:nvSpPr>
-          <p:cNvPr id="62" name="TextBox 61"/>
-          <p:cNvSpPr txBox="1"/>
-          <p:nvPr/>
-        </p:nvSpPr>
-        <p:spPr>
-          <a:xfrm>
-            <a:off x="2622683" y="2864936"/>
-            <a:ext cx="1056700" cy="276999"/>
-          </a:xfrm>
-          <a:prstGeom prst="rect">
-            <a:avLst/>
-          </a:prstGeom>
-          <a:noFill/>
-        </p:spPr>
-        <p:txBody>
-          <a:bodyPr wrap="none" rtlCol="0">
-            <a:spAutoFit/>
-          </a:bodyPr>
-          <a:lstStyle/>
-          <a:p>
-            <a:pPr algn="ctr"/>
-            <a:r>
-              <a:rPr lang="en-US" sz="1200" dirty="0" err="1" smtClean="0"/>
-              <a:t>UpdateProfile</a:t>
-            </a:r>
-            <a:endParaRPr lang="en-US" sz="1200" dirty="0"/>
-          </a:p>
-        </p:txBody>
-      </p:sp>
-      <p:sp>
-        <p:nvSpPr>
-          <p:cNvPr id="63" name="Rectangle 62"/>
+          <p:cNvPr id="2" name="Rectangle 1"/>
           <p:cNvSpPr/>
           <p:nvPr/>
         </p:nvSpPr>
         <p:spPr>
           <a:xfrm>
-            <a:off x="2430317" y="2576148"/>
-            <a:ext cx="1420091" cy="277336"/>
-          </a:xfrm>
-          <a:prstGeom prst="rect">
-            <a:avLst/>
-          </a:prstGeom>
-          <a:ln/>
-        </p:spPr>
-        <p:style>
-          <a:lnRef idx="2">
-            <a:schemeClr val="dk1"/>
-          </a:lnRef>
-          <a:fillRef idx="1">
-            <a:schemeClr val="lt1"/>
-          </a:fillRef>
-          <a:effectRef idx="0">
-            <a:schemeClr val="dk1"/>
-          </a:effectRef>
-          <a:fontRef idx="minor">
-            <a:schemeClr val="dk1"/>
-          </a:fontRef>
-        </p:style>
-        <p:txBody>
-          <a:bodyPr rtlCol="0" anchor="ctr"/>
-          <a:lstStyle/>
-          <a:p>
-            <a:pPr algn="ctr"/>
-            <a:r>
-              <a:rPr lang="en-US" sz="1200" dirty="0" smtClean="0"/>
-              <a:t>Profile</a:t>
-            </a:r>
-            <a:endParaRPr lang="en-US" sz="1200" dirty="0"/>
-          </a:p>
-        </p:txBody>
-      </p:sp>
-      <p:cxnSp>
-        <p:nvCxnSpPr>
-          <p:cNvPr id="68" name="Curved Connector 67"/>
-          <p:cNvCxnSpPr>
-            <a:stCxn id="18" idx="2"/>
-            <a:endCxn id="63" idx="1"/>
-          </p:cNvCxnSpPr>
-          <p:nvPr/>
-        </p:nvCxnSpPr>
-        <p:spPr>
-          <a:xfrm rot="5400000">
-            <a:off x="1784609" y="1490404"/>
-            <a:ext cx="1870121" cy="578703"/>
-          </a:xfrm>
-          <a:prstGeom prst="curvedConnector4">
-            <a:avLst>
-              <a:gd name="adj1" fmla="val 46293"/>
-              <a:gd name="adj2" fmla="val 139502"/>
-            </a:avLst>
-          </a:prstGeom>
-          <a:ln w="19050" cmpd="sng">
-            <a:tailEnd type="arrow"/>
-          </a:ln>
-        </p:spPr>
-        <p:style>
-          <a:lnRef idx="1">
-            <a:schemeClr val="dk1"/>
-          </a:lnRef>
-          <a:fillRef idx="0">
-            <a:schemeClr val="dk1"/>
-          </a:fillRef>
-          <a:effectRef idx="0">
-            <a:schemeClr val="dk1"/>
-          </a:effectRef>
-          <a:fontRef idx="minor">
-            <a:schemeClr val="tx1"/>
-          </a:fontRef>
-        </p:style>
-      </p:cxnSp>
-      <p:sp>
-        <p:nvSpPr>
-          <p:cNvPr id="71" name="TextBox 70"/>
-          <p:cNvSpPr txBox="1"/>
-          <p:nvPr/>
-        </p:nvSpPr>
-        <p:spPr>
-          <a:xfrm>
-            <a:off x="1127094" y="3574348"/>
-            <a:ext cx="633507" cy="276999"/>
-          </a:xfrm>
-          <a:prstGeom prst="rect">
-            <a:avLst/>
-          </a:prstGeom>
-          <a:noFill/>
-        </p:spPr>
-        <p:txBody>
-          <a:bodyPr wrap="none" rtlCol="0">
-            <a:spAutoFit/>
-          </a:bodyPr>
-          <a:lstStyle/>
-          <a:p>
-            <a:pPr algn="ctr"/>
-            <a:r>
-              <a:rPr lang="en-US" sz="1200" dirty="0" err="1" smtClean="0"/>
-              <a:t>SCSites</a:t>
-            </a:r>
-            <a:endParaRPr lang="en-US" sz="1200" dirty="0" smtClean="0"/>
-          </a:p>
-        </p:txBody>
-      </p:sp>
-      <p:sp>
-        <p:nvSpPr>
-          <p:cNvPr id="73" name="TextBox 72"/>
-          <p:cNvSpPr txBox="1"/>
-          <p:nvPr/>
-        </p:nvSpPr>
-        <p:spPr>
-          <a:xfrm>
-            <a:off x="1320439" y="4700597"/>
-            <a:ext cx="571566" cy="276999"/>
-          </a:xfrm>
-          <a:prstGeom prst="rect">
-            <a:avLst/>
-          </a:prstGeom>
-          <a:noFill/>
-        </p:spPr>
-        <p:txBody>
-          <a:bodyPr wrap="none" rtlCol="0">
-            <a:spAutoFit/>
-          </a:bodyPr>
-          <a:lstStyle/>
-          <a:p>
-            <a:pPr algn="ctr"/>
-            <a:r>
-              <a:rPr lang="en-US" sz="1200" dirty="0" err="1" smtClean="0"/>
-              <a:t>SCSite</a:t>
-            </a:r>
-            <a:endParaRPr lang="en-US" sz="1200" dirty="0"/>
-          </a:p>
-        </p:txBody>
-      </p:sp>
-      <p:cxnSp>
-        <p:nvCxnSpPr>
-          <p:cNvPr id="83" name="Curved Connector 82"/>
-          <p:cNvCxnSpPr>
-            <a:stCxn id="5" idx="2"/>
-            <a:endCxn id="72" idx="1"/>
-          </p:cNvCxnSpPr>
-          <p:nvPr/>
-        </p:nvCxnSpPr>
-        <p:spPr>
-          <a:xfrm rot="5400000">
-            <a:off x="-473109" y="1953145"/>
-            <a:ext cx="2627591" cy="337479"/>
-          </a:xfrm>
-          <a:prstGeom prst="curvedConnector4">
-            <a:avLst>
-              <a:gd name="adj1" fmla="val 47361"/>
-              <a:gd name="adj2" fmla="val 167738"/>
-            </a:avLst>
-          </a:prstGeom>
-          <a:ln w="19050" cmpd="sng">
-            <a:tailEnd type="arrow"/>
-          </a:ln>
-        </p:spPr>
-        <p:style>
-          <a:lnRef idx="1">
-            <a:schemeClr val="dk1"/>
-          </a:lnRef>
-          <a:fillRef idx="0">
-            <a:schemeClr val="dk1"/>
-          </a:fillRef>
-          <a:effectRef idx="0">
-            <a:schemeClr val="dk1"/>
-          </a:effectRef>
-          <a:fontRef idx="minor">
-            <a:schemeClr val="tx1"/>
-          </a:fontRef>
-        </p:style>
-      </p:cxnSp>
-      <p:cxnSp>
-        <p:nvCxnSpPr>
-          <p:cNvPr id="88" name="Curved Connector 87"/>
-          <p:cNvCxnSpPr>
-            <a:endCxn id="74" idx="1"/>
-          </p:cNvCxnSpPr>
-          <p:nvPr/>
-        </p:nvCxnSpPr>
-        <p:spPr>
-          <a:xfrm rot="16200000" flipH="1">
-            <a:off x="-1003652" y="2723952"/>
-            <a:ext cx="3141808" cy="534145"/>
-          </a:xfrm>
-          <a:prstGeom prst="curvedConnector2">
-            <a:avLst/>
-          </a:prstGeom>
-          <a:ln w="19050" cmpd="sng">
-            <a:tailEnd type="arrow"/>
-          </a:ln>
-        </p:spPr>
-        <p:style>
-          <a:lnRef idx="1">
-            <a:schemeClr val="dk1"/>
-          </a:lnRef>
-          <a:fillRef idx="0">
-            <a:schemeClr val="dk1"/>
-          </a:fillRef>
-          <a:effectRef idx="0">
-            <a:schemeClr val="dk1"/>
-          </a:effectRef>
-          <a:fontRef idx="minor">
-            <a:schemeClr val="tx1"/>
-          </a:fontRef>
-        </p:style>
-      </p:cxnSp>
-      <p:cxnSp>
-        <p:nvCxnSpPr>
-          <p:cNvPr id="91" name="Curved Connector 90"/>
-          <p:cNvCxnSpPr>
-            <a:stCxn id="71" idx="2"/>
-            <a:endCxn id="74" idx="1"/>
-          </p:cNvCxnSpPr>
-          <p:nvPr/>
-        </p:nvCxnSpPr>
-        <p:spPr>
-          <a:xfrm rot="5400000">
-            <a:off x="783796" y="3901877"/>
-            <a:ext cx="710582" cy="609523"/>
-          </a:xfrm>
-          <a:prstGeom prst="curvedConnector4">
-            <a:avLst>
-              <a:gd name="adj1" fmla="val 40243"/>
-              <a:gd name="adj2" fmla="val 137505"/>
-            </a:avLst>
-          </a:prstGeom>
-          <a:ln w="19050" cmpd="sng">
-            <a:tailEnd type="arrow"/>
-          </a:ln>
-        </p:spPr>
-        <p:style>
-          <a:lnRef idx="1">
-            <a:schemeClr val="dk1"/>
-          </a:lnRef>
-          <a:fillRef idx="0">
-            <a:schemeClr val="dk1"/>
-          </a:fillRef>
-          <a:effectRef idx="0">
-            <a:schemeClr val="dk1"/>
-          </a:effectRef>
-          <a:fontRef idx="minor">
-            <a:schemeClr val="tx1"/>
-          </a:fontRef>
-        </p:style>
-      </p:cxnSp>
-      <p:sp>
-        <p:nvSpPr>
-          <p:cNvPr id="94" name="TextBox 93"/>
-          <p:cNvSpPr txBox="1"/>
-          <p:nvPr/>
-        </p:nvSpPr>
-        <p:spPr>
-          <a:xfrm>
-            <a:off x="6134164" y="3941894"/>
-            <a:ext cx="1031051" cy="276999"/>
-          </a:xfrm>
-          <a:prstGeom prst="rect">
-            <a:avLst/>
-          </a:prstGeom>
-          <a:noFill/>
-        </p:spPr>
-        <p:txBody>
-          <a:bodyPr wrap="none" rtlCol="0">
-            <a:spAutoFit/>
-          </a:bodyPr>
-          <a:lstStyle/>
-          <a:p>
-            <a:pPr algn="ctr"/>
-            <a:r>
-              <a:rPr lang="en-US" sz="1200" dirty="0" err="1" smtClean="0"/>
-              <a:t>SCVolunteers</a:t>
-            </a:r>
-            <a:endParaRPr lang="en-US" sz="1200" dirty="0"/>
-          </a:p>
-        </p:txBody>
-      </p:sp>
-      <p:sp>
-        <p:nvSpPr>
-          <p:cNvPr id="96" name="TextBox 95"/>
-          <p:cNvSpPr txBox="1"/>
-          <p:nvPr/>
-        </p:nvSpPr>
-        <p:spPr>
-          <a:xfrm>
-            <a:off x="7680628" y="3941894"/>
-            <a:ext cx="1338828" cy="276999"/>
-          </a:xfrm>
-          <a:prstGeom prst="rect">
-            <a:avLst/>
-          </a:prstGeom>
-          <a:noFill/>
-        </p:spPr>
-        <p:txBody>
-          <a:bodyPr wrap="none" rtlCol="0">
-            <a:spAutoFit/>
-          </a:bodyPr>
-          <a:lstStyle/>
-          <a:p>
-            <a:pPr algn="ctr"/>
-            <a:r>
-              <a:rPr lang="en-US" sz="1200" dirty="0" err="1" smtClean="0"/>
-              <a:t>SCVolunteerHours</a:t>
-            </a:r>
-            <a:endParaRPr lang="en-US" sz="1200" dirty="0"/>
-          </a:p>
-        </p:txBody>
-      </p:sp>
-      <p:sp>
-        <p:nvSpPr>
-          <p:cNvPr id="98" name="TextBox 97"/>
-          <p:cNvSpPr txBox="1"/>
-          <p:nvPr/>
-        </p:nvSpPr>
-        <p:spPr>
-          <a:xfrm>
-            <a:off x="3647257" y="4995018"/>
-            <a:ext cx="1128284" cy="276999"/>
-          </a:xfrm>
-          <a:prstGeom prst="rect">
-            <a:avLst/>
-          </a:prstGeom>
-          <a:noFill/>
-        </p:spPr>
-        <p:txBody>
-          <a:bodyPr wrap="none" rtlCol="0">
-            <a:spAutoFit/>
-          </a:bodyPr>
-          <a:lstStyle/>
-          <a:p>
-            <a:pPr algn="ctr"/>
-            <a:r>
-              <a:rPr lang="en-US" sz="1200" dirty="0" err="1" smtClean="0"/>
-              <a:t>SCSiteCalendar</a:t>
-            </a:r>
-            <a:endParaRPr lang="en-US" sz="1200" dirty="0"/>
-          </a:p>
-        </p:txBody>
-      </p:sp>
-      <p:sp>
-        <p:nvSpPr>
-          <p:cNvPr id="100" name="TextBox 99"/>
-          <p:cNvSpPr txBox="1"/>
-          <p:nvPr/>
-        </p:nvSpPr>
-        <p:spPr>
-          <a:xfrm>
-            <a:off x="5469010" y="5001947"/>
-            <a:ext cx="1056700" cy="276999"/>
-          </a:xfrm>
-          <a:prstGeom prst="rect">
-            <a:avLst/>
-          </a:prstGeom>
-          <a:noFill/>
-        </p:spPr>
-        <p:txBody>
-          <a:bodyPr wrap="none" rtlCol="0">
-            <a:spAutoFit/>
-          </a:bodyPr>
-          <a:lstStyle/>
-          <a:p>
-            <a:pPr algn="ctr"/>
-            <a:r>
-              <a:rPr lang="en-US" sz="1200" dirty="0" err="1" smtClean="0"/>
-              <a:t>SCSiteOnDate</a:t>
-            </a:r>
-            <a:endParaRPr lang="en-US" sz="1200" dirty="0"/>
-          </a:p>
-        </p:txBody>
-      </p:sp>
-      <p:sp>
-        <p:nvSpPr>
-          <p:cNvPr id="102" name="TextBox 101"/>
-          <p:cNvSpPr txBox="1"/>
-          <p:nvPr/>
-        </p:nvSpPr>
-        <p:spPr>
-          <a:xfrm>
-            <a:off x="7419317" y="4995018"/>
-            <a:ext cx="902811" cy="276999"/>
-          </a:xfrm>
-          <a:prstGeom prst="rect">
-            <a:avLst/>
-          </a:prstGeom>
-          <a:noFill/>
-        </p:spPr>
-        <p:txBody>
-          <a:bodyPr wrap="none" rtlCol="0">
-            <a:spAutoFit/>
-          </a:bodyPr>
-          <a:lstStyle/>
-          <a:p>
-            <a:pPr algn="ctr"/>
-            <a:r>
-              <a:rPr lang="en-US" sz="1200" dirty="0" err="1" smtClean="0"/>
-              <a:t>ShiftDetails</a:t>
-            </a:r>
-            <a:endParaRPr lang="en-US" sz="1200" dirty="0" smtClean="0"/>
-          </a:p>
-        </p:txBody>
-      </p:sp>
-      <p:cxnSp>
-        <p:nvCxnSpPr>
-          <p:cNvPr id="104" name="Curved Connector 103"/>
-          <p:cNvCxnSpPr>
-            <a:stCxn id="74" idx="3"/>
-            <a:endCxn id="63" idx="1"/>
-          </p:cNvCxnSpPr>
-          <p:nvPr/>
-        </p:nvCxnSpPr>
-        <p:spPr>
-          <a:xfrm flipV="1">
-            <a:off x="2254416" y="2714816"/>
-            <a:ext cx="175901" cy="1847113"/>
-          </a:xfrm>
-          <a:prstGeom prst="curvedConnector3">
-            <a:avLst>
-              <a:gd name="adj1" fmla="val 50000"/>
-            </a:avLst>
-          </a:prstGeom>
-          <a:ln w="19050" cmpd="sng">
-            <a:tailEnd type="arrow"/>
-          </a:ln>
-        </p:spPr>
-        <p:style>
-          <a:lnRef idx="1">
-            <a:schemeClr val="dk1"/>
-          </a:lnRef>
-          <a:fillRef idx="0">
-            <a:schemeClr val="dk1"/>
-          </a:fillRef>
-          <a:effectRef idx="0">
-            <a:schemeClr val="dk1"/>
-          </a:effectRef>
-          <a:fontRef idx="minor">
-            <a:schemeClr val="tx1"/>
-          </a:fontRef>
-        </p:style>
-      </p:cxnSp>
-      <p:cxnSp>
-        <p:nvCxnSpPr>
-          <p:cNvPr id="107" name="Curved Connector 106"/>
-          <p:cNvCxnSpPr>
-            <a:stCxn id="74" idx="3"/>
-            <a:endCxn id="82" idx="1"/>
-          </p:cNvCxnSpPr>
-          <p:nvPr/>
-        </p:nvCxnSpPr>
-        <p:spPr>
-          <a:xfrm flipV="1">
-            <a:off x="2254416" y="3815926"/>
-            <a:ext cx="265812" cy="746003"/>
-          </a:xfrm>
-          <a:prstGeom prst="curvedConnector3">
-            <a:avLst>
-              <a:gd name="adj1" fmla="val 50000"/>
-            </a:avLst>
-          </a:prstGeom>
-          <a:ln w="19050" cmpd="sng">
-            <a:tailEnd type="arrow"/>
-          </a:ln>
-        </p:spPr>
-        <p:style>
-          <a:lnRef idx="1">
-            <a:schemeClr val="dk1"/>
-          </a:lnRef>
-          <a:fillRef idx="0">
-            <a:schemeClr val="dk1"/>
-          </a:fillRef>
-          <a:effectRef idx="0">
-            <a:schemeClr val="dk1"/>
-          </a:effectRef>
-          <a:fontRef idx="minor">
-            <a:schemeClr val="tx1"/>
-          </a:fontRef>
-        </p:style>
-      </p:cxnSp>
-      <p:cxnSp>
-        <p:nvCxnSpPr>
-          <p:cNvPr id="110" name="Curved Connector 109"/>
-          <p:cNvCxnSpPr>
-            <a:stCxn id="74" idx="3"/>
-            <a:endCxn id="99" idx="1"/>
-          </p:cNvCxnSpPr>
-          <p:nvPr/>
-        </p:nvCxnSpPr>
-        <p:spPr>
-          <a:xfrm>
-            <a:off x="2254416" y="4561929"/>
-            <a:ext cx="1185083" cy="294421"/>
-          </a:xfrm>
-          <a:prstGeom prst="curvedConnector3">
-            <a:avLst>
-              <a:gd name="adj1" fmla="val 50000"/>
-            </a:avLst>
-          </a:prstGeom>
-          <a:ln w="19050" cmpd="sng">
-            <a:tailEnd type="arrow"/>
-          </a:ln>
-        </p:spPr>
-        <p:style>
-          <a:lnRef idx="1">
-            <a:schemeClr val="dk1"/>
-          </a:lnRef>
-          <a:fillRef idx="0">
-            <a:schemeClr val="dk1"/>
-          </a:fillRef>
-          <a:effectRef idx="0">
-            <a:schemeClr val="dk1"/>
-          </a:effectRef>
-          <a:fontRef idx="minor">
-            <a:schemeClr val="tx1"/>
-          </a:fontRef>
-        </p:style>
-      </p:cxnSp>
-      <p:cxnSp>
-        <p:nvCxnSpPr>
-          <p:cNvPr id="120" name="Curved Connector 119"/>
-          <p:cNvCxnSpPr>
-            <a:stCxn id="95" idx="3"/>
-            <a:endCxn id="97" idx="1"/>
-          </p:cNvCxnSpPr>
-          <p:nvPr/>
-        </p:nvCxnSpPr>
-        <p:spPr>
-          <a:xfrm>
-            <a:off x="7297880" y="3803226"/>
-            <a:ext cx="280261" cy="12700"/>
-          </a:xfrm>
-          <a:prstGeom prst="curvedConnector3">
-            <a:avLst>
-              <a:gd name="adj1" fmla="val 50000"/>
-            </a:avLst>
-          </a:prstGeom>
-          <a:ln w="19050" cmpd="sng">
-            <a:tailEnd type="arrow"/>
-          </a:ln>
-        </p:spPr>
-        <p:style>
-          <a:lnRef idx="1">
-            <a:schemeClr val="dk1"/>
-          </a:lnRef>
-          <a:fillRef idx="0">
-            <a:schemeClr val="dk1"/>
-          </a:fillRef>
-          <a:effectRef idx="0">
-            <a:schemeClr val="dk1"/>
-          </a:effectRef>
-          <a:fontRef idx="minor">
-            <a:schemeClr val="tx1"/>
-          </a:fontRef>
-        </p:style>
-      </p:cxnSp>
-      <p:cxnSp>
-        <p:nvCxnSpPr>
-          <p:cNvPr id="123" name="Curved Connector 122"/>
-          <p:cNvCxnSpPr>
-            <a:stCxn id="99" idx="3"/>
-            <a:endCxn id="101" idx="1"/>
-          </p:cNvCxnSpPr>
-          <p:nvPr/>
-        </p:nvCxnSpPr>
-        <p:spPr>
-          <a:xfrm>
-            <a:off x="4859590" y="4856350"/>
-            <a:ext cx="365866" cy="6929"/>
-          </a:xfrm>
-          <a:prstGeom prst="curvedConnector3">
-            <a:avLst>
-              <a:gd name="adj1" fmla="val 50000"/>
-            </a:avLst>
-          </a:prstGeom>
-          <a:ln w="19050" cmpd="sng">
-            <a:tailEnd type="arrow"/>
-          </a:ln>
-        </p:spPr>
-        <p:style>
-          <a:lnRef idx="1">
-            <a:schemeClr val="dk1"/>
-          </a:lnRef>
-          <a:fillRef idx="0">
-            <a:schemeClr val="dk1"/>
-          </a:fillRef>
-          <a:effectRef idx="0">
-            <a:schemeClr val="dk1"/>
-          </a:effectRef>
-          <a:fontRef idx="minor">
-            <a:schemeClr val="tx1"/>
-          </a:fontRef>
-        </p:style>
-      </p:cxnSp>
-      <p:cxnSp>
-        <p:nvCxnSpPr>
-          <p:cNvPr id="131" name="Straight Connector 130"/>
-          <p:cNvCxnSpPr/>
-          <p:nvPr/>
-        </p:nvCxnSpPr>
-        <p:spPr>
-          <a:xfrm>
-            <a:off x="519546" y="3191220"/>
-            <a:ext cx="8383482" cy="0"/>
-          </a:xfrm>
-          <a:prstGeom prst="line">
-            <a:avLst/>
-          </a:prstGeom>
-          <a:ln>
-            <a:prstDash val="dash"/>
-          </a:ln>
-        </p:spPr>
-        <p:style>
-          <a:lnRef idx="1">
-            <a:schemeClr val="dk1"/>
-          </a:lnRef>
-          <a:fillRef idx="0">
-            <a:schemeClr val="dk1"/>
-          </a:fillRef>
-          <a:effectRef idx="0">
-            <a:schemeClr val="dk1"/>
-          </a:effectRef>
-          <a:fontRef idx="minor">
-            <a:schemeClr val="tx1"/>
-          </a:fontRef>
-        </p:style>
-      </p:cxnSp>
-      <p:sp>
-        <p:nvSpPr>
-          <p:cNvPr id="132" name="TextBox 131"/>
-          <p:cNvSpPr txBox="1"/>
-          <p:nvPr/>
-        </p:nvSpPr>
-        <p:spPr>
-          <a:xfrm>
-            <a:off x="7374304" y="2782754"/>
-            <a:ext cx="1096674" cy="338554"/>
-          </a:xfrm>
-          <a:prstGeom prst="rect">
-            <a:avLst/>
-          </a:prstGeom>
-          <a:noFill/>
-        </p:spPr>
-        <p:txBody>
-          <a:bodyPr wrap="none" rtlCol="0">
-            <a:spAutoFit/>
-          </a:bodyPr>
-          <a:lstStyle/>
-          <a:p>
-            <a:pPr algn="ctr"/>
-            <a:r>
-              <a:rPr lang="en-US" sz="1600" dirty="0" smtClean="0"/>
-              <a:t>Volunteers</a:t>
-            </a:r>
-            <a:endParaRPr lang="en-US" sz="1600" dirty="0"/>
-          </a:p>
-        </p:txBody>
-      </p:sp>
-      <p:sp>
-        <p:nvSpPr>
-          <p:cNvPr id="133" name="TextBox 132"/>
-          <p:cNvSpPr txBox="1"/>
-          <p:nvPr/>
-        </p:nvSpPr>
-        <p:spPr>
-          <a:xfrm>
-            <a:off x="7163856" y="3266403"/>
-            <a:ext cx="1630274" cy="338554"/>
-          </a:xfrm>
-          <a:prstGeom prst="rect">
-            <a:avLst/>
-          </a:prstGeom>
-          <a:noFill/>
-        </p:spPr>
-        <p:txBody>
-          <a:bodyPr wrap="none" rtlCol="0">
-            <a:spAutoFit/>
-          </a:bodyPr>
-          <a:lstStyle/>
-          <a:p>
-            <a:pPr algn="ctr"/>
-            <a:r>
-              <a:rPr lang="en-US" sz="1600" dirty="0" smtClean="0"/>
-              <a:t>Site Coordinators</a:t>
-            </a:r>
-            <a:endParaRPr lang="en-US" sz="1600" dirty="0"/>
-          </a:p>
-        </p:txBody>
-      </p:sp>
-      <p:sp>
-        <p:nvSpPr>
-          <p:cNvPr id="134" name="TextBox 133"/>
-          <p:cNvSpPr txBox="1"/>
-          <p:nvPr/>
-        </p:nvSpPr>
-        <p:spPr>
-          <a:xfrm>
-            <a:off x="5976319" y="2180086"/>
-            <a:ext cx="1244376" cy="276999"/>
-          </a:xfrm>
-          <a:prstGeom prst="rect">
-            <a:avLst/>
-          </a:prstGeom>
-          <a:noFill/>
-        </p:spPr>
-        <p:txBody>
-          <a:bodyPr wrap="none" rtlCol="0">
-            <a:spAutoFit/>
-          </a:bodyPr>
-          <a:lstStyle/>
-          <a:p>
-            <a:pPr algn="ctr"/>
-            <a:r>
-              <a:rPr lang="en-US" sz="1200" dirty="0" err="1" smtClean="0"/>
-              <a:t>SitesOnDateMap</a:t>
-            </a:r>
-            <a:endParaRPr lang="en-US" sz="1200" dirty="0"/>
-          </a:p>
-        </p:txBody>
-      </p:sp>
-      <p:cxnSp>
-        <p:nvCxnSpPr>
-          <p:cNvPr id="136" name="Curved Connector 135"/>
-          <p:cNvCxnSpPr>
-            <a:stCxn id="46" idx="3"/>
-            <a:endCxn id="135" idx="1"/>
-          </p:cNvCxnSpPr>
-          <p:nvPr/>
-        </p:nvCxnSpPr>
-        <p:spPr>
-          <a:xfrm>
-            <a:off x="5362093" y="1268679"/>
-            <a:ext cx="515696" cy="761287"/>
-          </a:xfrm>
-          <a:prstGeom prst="curvedConnector3">
-            <a:avLst>
-              <a:gd name="adj1" fmla="val 50000"/>
-            </a:avLst>
-          </a:prstGeom>
-          <a:ln w="19050" cmpd="sng">
-            <a:headEnd type="arrow"/>
-            <a:tailEnd type="arrow"/>
-          </a:ln>
-        </p:spPr>
-        <p:style>
-          <a:lnRef idx="1">
-            <a:schemeClr val="dk1"/>
-          </a:lnRef>
-          <a:fillRef idx="0">
-            <a:schemeClr val="dk1"/>
-          </a:fillRef>
-          <a:effectRef idx="0">
-            <a:schemeClr val="dk1"/>
-          </a:effectRef>
-          <a:fontRef idx="minor">
-            <a:schemeClr val="tx1"/>
-          </a:fontRef>
-        </p:style>
-      </p:cxnSp>
-      <p:sp>
-        <p:nvSpPr>
-          <p:cNvPr id="81" name="TextBox 80"/>
-          <p:cNvSpPr txBox="1"/>
-          <p:nvPr/>
-        </p:nvSpPr>
-        <p:spPr>
-          <a:xfrm>
-            <a:off x="2564241" y="3954594"/>
-            <a:ext cx="1332065" cy="276999"/>
-          </a:xfrm>
-          <a:prstGeom prst="rect">
-            <a:avLst/>
-          </a:prstGeom>
-          <a:noFill/>
-        </p:spPr>
-        <p:txBody>
-          <a:bodyPr wrap="none" rtlCol="0">
-            <a:spAutoFit/>
-          </a:bodyPr>
-          <a:lstStyle/>
-          <a:p>
-            <a:pPr algn="ctr"/>
-            <a:r>
-              <a:rPr lang="en-US" sz="1200" dirty="0" err="1" smtClean="0"/>
-              <a:t>SCSiteVolCalendar</a:t>
-            </a:r>
-            <a:endParaRPr lang="en-US" sz="1200" dirty="0"/>
-          </a:p>
-        </p:txBody>
-      </p:sp>
-      <p:cxnSp>
-        <p:nvCxnSpPr>
-          <p:cNvPr id="84" name="Curved Connector 83"/>
-          <p:cNvCxnSpPr>
-            <a:stCxn id="82" idx="3"/>
-            <a:endCxn id="128" idx="1"/>
-          </p:cNvCxnSpPr>
-          <p:nvPr/>
-        </p:nvCxnSpPr>
-        <p:spPr>
-          <a:xfrm flipV="1">
-            <a:off x="3940319" y="3803226"/>
-            <a:ext cx="262940" cy="12700"/>
-          </a:xfrm>
-          <a:prstGeom prst="curvedConnector3">
-            <a:avLst>
-              <a:gd name="adj1" fmla="val 50000"/>
-            </a:avLst>
-          </a:prstGeom>
-          <a:ln w="19050" cmpd="sng">
-            <a:tailEnd type="arrow"/>
-          </a:ln>
-        </p:spPr>
-        <p:style>
-          <a:lnRef idx="1">
-            <a:schemeClr val="dk1"/>
-          </a:lnRef>
-          <a:fillRef idx="0">
-            <a:schemeClr val="dk1"/>
-          </a:fillRef>
-          <a:effectRef idx="0">
-            <a:schemeClr val="dk1"/>
-          </a:effectRef>
-          <a:fontRef idx="minor">
-            <a:schemeClr val="tx1"/>
-          </a:fontRef>
-        </p:style>
-      </p:cxnSp>
-      <p:sp>
-        <p:nvSpPr>
-          <p:cNvPr id="80" name="TextBox 79"/>
-          <p:cNvSpPr txBox="1"/>
-          <p:nvPr/>
-        </p:nvSpPr>
-        <p:spPr>
-          <a:xfrm>
-            <a:off x="5974427" y="1419999"/>
-            <a:ext cx="980106" cy="461665"/>
-          </a:xfrm>
-          <a:prstGeom prst="rect">
-            <a:avLst/>
-          </a:prstGeom>
-          <a:noFill/>
-        </p:spPr>
-        <p:txBody>
-          <a:bodyPr wrap="none" rtlCol="0">
-            <a:spAutoFit/>
-          </a:bodyPr>
-          <a:lstStyle/>
-          <a:p>
-            <a:pPr algn="ctr"/>
-            <a:r>
-              <a:rPr lang="en-US" sz="1200" dirty="0" err="1" smtClean="0"/>
-              <a:t>VolPickShifts</a:t>
-            </a:r>
-            <a:endParaRPr lang="en-US" sz="1200" dirty="0" smtClean="0"/>
-          </a:p>
-          <a:p>
-            <a:pPr algn="ctr"/>
-            <a:endParaRPr lang="en-US" sz="1200" dirty="0"/>
-          </a:p>
-        </p:txBody>
-      </p:sp>
-      <p:cxnSp>
-        <p:nvCxnSpPr>
-          <p:cNvPr id="93" name="Curved Connector 92"/>
-          <p:cNvCxnSpPr>
-            <a:stCxn id="85" idx="3"/>
-            <a:endCxn id="49" idx="1"/>
-          </p:cNvCxnSpPr>
-          <p:nvPr/>
-        </p:nvCxnSpPr>
-        <p:spPr>
-          <a:xfrm>
-            <a:off x="7163856" y="1269879"/>
-            <a:ext cx="414285" cy="122"/>
-          </a:xfrm>
-          <a:prstGeom prst="curvedConnector3">
-            <a:avLst>
-              <a:gd name="adj1" fmla="val 50000"/>
-            </a:avLst>
-          </a:prstGeom>
-          <a:ln w="19050" cmpd="sng">
-            <a:headEnd type="arrow"/>
-            <a:tailEnd type="arrow"/>
-          </a:ln>
-        </p:spPr>
-        <p:style>
-          <a:lnRef idx="1">
-            <a:schemeClr val="dk1"/>
-          </a:lnRef>
-          <a:fillRef idx="0">
-            <a:schemeClr val="dk1"/>
-          </a:fillRef>
-          <a:effectRef idx="0">
-            <a:schemeClr val="dk1"/>
-          </a:effectRef>
-          <a:fontRef idx="minor">
-            <a:schemeClr val="tx1"/>
-          </a:fontRef>
-        </p:style>
-      </p:cxnSp>
-      <p:sp>
-        <p:nvSpPr>
-          <p:cNvPr id="6" name="Rectangle 5"/>
-          <p:cNvSpPr/>
-          <p:nvPr/>
-        </p:nvSpPr>
-        <p:spPr>
-          <a:xfrm>
-            <a:off x="300181" y="253754"/>
+            <a:off x="187020" y="253754"/>
             <a:ext cx="1420091" cy="277336"/>
           </a:xfrm>
           <a:prstGeom prst="rect">
@@ -4906,13 +6091,13 @@
       </p:sp>
       <p:sp>
         <p:nvSpPr>
-          <p:cNvPr id="8" name="Rectangle 7"/>
+          <p:cNvPr id="3" name="Rectangle 2"/>
           <p:cNvSpPr/>
           <p:nvPr/>
         </p:nvSpPr>
         <p:spPr>
           <a:xfrm>
-            <a:off x="484909" y="1698075"/>
+            <a:off x="1059219" y="844426"/>
             <a:ext cx="1420091" cy="277336"/>
           </a:xfrm>
           <a:prstGeom prst="rect">
@@ -4943,22 +6128,59 @@
           <a:p>
             <a:pPr algn="ctr"/>
             <a:r>
-              <a:rPr lang="en-US" sz="1200" dirty="0" smtClean="0"/>
-              <a:t>About</a:t>
+              <a:rPr lang="en-US" sz="1200" dirty="0" err="1" smtClean="0"/>
+              <a:t>CLSitesNearYou</a:t>
             </a:r>
             <a:endParaRPr lang="en-US" sz="1200" dirty="0"/>
           </a:p>
         </p:txBody>
       </p:sp>
-      <p:sp>
-        <p:nvSpPr>
-          <p:cNvPr id="10" name="Rectangle 9"/>
+      <p:cxnSp>
+        <p:nvCxnSpPr>
+          <p:cNvPr id="5" name="Straight Connector 4"/>
+          <p:cNvCxnSpPr/>
+          <p:nvPr/>
+        </p:nvCxnSpPr>
+        <p:spPr>
+          <a:xfrm flipV="1">
+            <a:off x="414922" y="653891"/>
+            <a:ext cx="8461893" cy="50300"/>
+          </a:xfrm>
+          <a:prstGeom prst="line">
+            <a:avLst/>
+          </a:prstGeom>
+          <a:ln>
+            <a:solidFill>
+              <a:schemeClr val="tx1"/>
+            </a:solidFill>
+            <a:prstDash val="sysDash"/>
+          </a:ln>
+          <a:effectLst/>
+        </p:spPr>
+        <p:style>
+          <a:lnRef idx="2">
+            <a:schemeClr val="accent1"/>
+          </a:lnRef>
+          <a:fillRef idx="0">
+            <a:schemeClr val="accent1"/>
+          </a:fillRef>
+          <a:effectRef idx="1">
+            <a:schemeClr val="accent1"/>
+          </a:effectRef>
+          <a:fontRef idx="minor">
+            <a:schemeClr val="tx1"/>
+          </a:fontRef>
+        </p:style>
+      </p:cxnSp>
+      <p:sp>
+        <p:nvSpPr>
+          <p:cNvPr id="6" name="Rectangle 5"/>
           <p:cNvSpPr/>
           <p:nvPr/>
         </p:nvSpPr>
         <p:spPr>
           <a:xfrm>
-            <a:off x="674959" y="2452130"/>
+            <a:off x="1059219" y="1218462"/>
             <a:ext cx="1420091" cy="277336"/>
           </a:xfrm>
           <a:prstGeom prst="rect">
@@ -4989,8 +6211,8 @@
           <a:p>
             <a:pPr algn="ctr"/>
             <a:r>
-              <a:rPr lang="en-US" sz="1200" dirty="0" smtClean="0"/>
-              <a:t>Registration</a:t>
+              <a:rPr lang="en-US" sz="1200" dirty="0" err="1" smtClean="0"/>
+              <a:t>CLBeforeYouGo</a:t>
             </a:r>
             <a:endParaRPr lang="en-US" sz="1200" dirty="0"/>
           </a:p>
@@ -4998,13 +6220,13 @@
       </p:sp>
       <p:sp>
         <p:nvSpPr>
-          <p:cNvPr id="19" name="Rectangle 18"/>
+          <p:cNvPr id="7" name="Rectangle 6"/>
           <p:cNvSpPr/>
           <p:nvPr/>
         </p:nvSpPr>
         <p:spPr>
           <a:xfrm>
-            <a:off x="2288308" y="278908"/>
+            <a:off x="2726799" y="844426"/>
             <a:ext cx="1420091" cy="277336"/>
           </a:xfrm>
           <a:prstGeom prst="rect">
@@ -5036,7 +6258,7 @@
             <a:pPr algn="ctr"/>
             <a:r>
               <a:rPr lang="en-US" sz="1200" dirty="0" err="1" smtClean="0"/>
-              <a:t>VolunteerOptions</a:t>
+              <a:t>CLSitesMap</a:t>
             </a:r>
             <a:endParaRPr lang="en-US" sz="1200" dirty="0"/>
           </a:p>
@@ -5044,13 +6266,114 @@
       </p:sp>
       <p:sp>
         <p:nvSpPr>
-          <p:cNvPr id="21" name="Rectangle 20"/>
+          <p:cNvPr id="8" name="TextBox 7"/>
+          <p:cNvSpPr txBox="1"/>
+          <p:nvPr/>
+        </p:nvSpPr>
+        <p:spPr>
+          <a:xfrm>
+            <a:off x="187020" y="1082713"/>
+            <a:ext cx="676813" cy="307777"/>
+          </a:xfrm>
+          <a:prstGeom prst="rect">
+            <a:avLst/>
+          </a:prstGeom>
+          <a:noFill/>
+        </p:spPr>
+        <p:txBody>
+          <a:bodyPr wrap="none" rtlCol="0">
+            <a:spAutoFit/>
+          </a:bodyPr>
+          <a:lstStyle/>
+          <a:p>
+            <a:r>
+              <a:rPr lang="en-US" sz="1400" dirty="0" smtClean="0"/>
+              <a:t>Clients</a:t>
+            </a:r>
+            <a:endParaRPr lang="en-US" sz="1400" dirty="0"/>
+          </a:p>
+        </p:txBody>
+      </p:sp>
+      <p:cxnSp>
+        <p:nvCxnSpPr>
+          <p:cNvPr id="9" name="Straight Connector 8"/>
+          <p:cNvCxnSpPr/>
+          <p:nvPr/>
+        </p:nvCxnSpPr>
+        <p:spPr>
+          <a:xfrm flipV="1">
+            <a:off x="414922" y="1924840"/>
+            <a:ext cx="8461893" cy="50300"/>
+          </a:xfrm>
+          <a:prstGeom prst="line">
+            <a:avLst/>
+          </a:prstGeom>
+          <a:ln>
+            <a:solidFill>
+              <a:schemeClr val="tx1"/>
+            </a:solidFill>
+            <a:prstDash val="sysDash"/>
+          </a:ln>
+          <a:effectLst/>
+        </p:spPr>
+        <p:style>
+          <a:lnRef idx="2">
+            <a:schemeClr val="accent1"/>
+          </a:lnRef>
+          <a:fillRef idx="0">
+            <a:schemeClr val="accent1"/>
+          </a:fillRef>
+          <a:effectRef idx="1">
+            <a:schemeClr val="accent1"/>
+          </a:effectRef>
+          <a:fontRef idx="minor">
+            <a:schemeClr val="tx1"/>
+          </a:fontRef>
+        </p:style>
+      </p:cxnSp>
+      <p:sp>
+        <p:nvSpPr>
+          <p:cNvPr id="10" name="TextBox 9"/>
+          <p:cNvSpPr txBox="1"/>
+          <p:nvPr/>
+        </p:nvSpPr>
+        <p:spPr>
+          <a:xfrm>
+            <a:off x="187020" y="2373115"/>
+            <a:ext cx="1198590" cy="307777"/>
+          </a:xfrm>
+          <a:prstGeom prst="rect">
+            <a:avLst/>
+          </a:prstGeom>
+          <a:noFill/>
+        </p:spPr>
+        <p:txBody>
+          <a:bodyPr wrap="none" rtlCol="0">
+            <a:spAutoFit/>
+          </a:bodyPr>
+          <a:lstStyle/>
+          <a:p>
+            <a:r>
+              <a:rPr lang="en-US" sz="1400" dirty="0" err="1" smtClean="0"/>
+              <a:t>Vol</a:t>
+            </a:r>
+            <a:r>
+              <a:rPr lang="en-US" sz="1400" dirty="0" smtClean="0"/>
+              <a:t>/SC/admin</a:t>
+            </a:r>
+            <a:endParaRPr lang="en-US" sz="1400" dirty="0"/>
+          </a:p>
+        </p:txBody>
+      </p:sp>
+      <p:sp>
+        <p:nvSpPr>
+          <p:cNvPr id="11" name="Rectangle 10"/>
           <p:cNvSpPr/>
           <p:nvPr/>
         </p:nvSpPr>
         <p:spPr>
           <a:xfrm>
-            <a:off x="4172526" y="292640"/>
+            <a:off x="1059219" y="2052995"/>
             <a:ext cx="1420091" cy="277336"/>
           </a:xfrm>
           <a:prstGeom prst="rect">
@@ -5082,7 +6405,7 @@
             <a:pPr algn="ctr"/>
             <a:r>
               <a:rPr lang="en-US" sz="1200" dirty="0" err="1" smtClean="0"/>
-              <a:t>MySignUps</a:t>
+              <a:t>StaffLogin</a:t>
             </a:r>
             <a:endParaRPr lang="en-US" sz="1200" dirty="0"/>
           </a:p>
@@ -5090,13 +6413,13 @@
       </p:sp>
       <p:sp>
         <p:nvSpPr>
-          <p:cNvPr id="23" name="Rectangle 22"/>
+          <p:cNvPr id="12" name="Rectangle 11"/>
           <p:cNvSpPr/>
           <p:nvPr/>
         </p:nvSpPr>
         <p:spPr>
           <a:xfrm>
-            <a:off x="7482937" y="253754"/>
+            <a:off x="1059219" y="1592498"/>
             <a:ext cx="1420091" cy="277336"/>
           </a:xfrm>
           <a:prstGeom prst="rect">
@@ -5128,7 +6451,7 @@
             <a:pPr algn="ctr"/>
             <a:r>
               <a:rPr lang="en-US" sz="1200" dirty="0" err="1" smtClean="0"/>
-              <a:t>ViewSignUpExisting</a:t>
+              <a:t>CLAbout</a:t>
             </a:r>
             <a:endParaRPr lang="en-US" sz="1200" dirty="0"/>
           </a:p>
@@ -5136,13 +6459,13 @@
       </p:sp>
       <p:sp>
         <p:nvSpPr>
-          <p:cNvPr id="33" name="Rectangle 32"/>
+          <p:cNvPr id="13" name="Rectangle 12"/>
           <p:cNvSpPr/>
           <p:nvPr/>
         </p:nvSpPr>
         <p:spPr>
           <a:xfrm>
-            <a:off x="2321734" y="1924887"/>
+            <a:off x="2916789" y="3925155"/>
             <a:ext cx="1420091" cy="277336"/>
           </a:xfrm>
           <a:prstGeom prst="rect">
@@ -5173,8 +6496,8 @@
           <a:p>
             <a:pPr algn="ctr"/>
             <a:r>
-              <a:rPr lang="en-US" sz="1200" dirty="0" smtClean="0"/>
-              <a:t>Suggestions</a:t>
+              <a:rPr lang="en-US" sz="1200" dirty="0" err="1" smtClean="0"/>
+              <a:t>VolOptions</a:t>
             </a:r>
             <a:endParaRPr lang="en-US" sz="1200" dirty="0"/>
           </a:p>
@@ -5182,13 +6505,56 @@
       </p:sp>
       <p:sp>
         <p:nvSpPr>
-          <p:cNvPr id="35" name="Rectangle 34"/>
+          <p:cNvPr id="14" name="Rectangle 13"/>
           <p:cNvSpPr/>
           <p:nvPr/>
         </p:nvSpPr>
         <p:spPr>
           <a:xfrm>
-            <a:off x="4011563" y="1936339"/>
+            <a:off x="4774360" y="3573516"/>
+            <a:ext cx="1420091" cy="277336"/>
+          </a:xfrm>
+          <a:prstGeom prst="rect">
+            <a:avLst/>
+          </a:prstGeom>
+          <a:ln/>
+        </p:spPr>
+        <p:style>
+          <a:lnRef idx="2">
+            <a:schemeClr val="dk1"/>
+          </a:lnRef>
+          <a:fillRef idx="1">
+            <a:schemeClr val="lt1"/>
+          </a:fillRef>
+          <a:effectRef idx="0">
+            <a:schemeClr val="dk1"/>
+          </a:effectRef>
+          <a:fontRef idx="minor">
+            <a:schemeClr val="dk1"/>
+          </a:fontRef>
+        </p:style>
+        <p:txBody>
+          <a:bodyPr rtlCol="0" anchor="ctr"/>
+          <a:lstStyle/>
+          <a:p>
+            <a:pPr algn="ctr"/>
+            <a:r>
+              <a:rPr lang="en-US" sz="1200" dirty="0" err="1" smtClean="0"/>
+              <a:t>VolProfile</a:t>
+            </a:r>
+            <a:endParaRPr lang="en-US" sz="1200" dirty="0"/>
+          </a:p>
+        </p:txBody>
+      </p:sp>
+      <p:sp>
+        <p:nvSpPr>
+          <p:cNvPr id="15" name="Rectangle 14"/>
+          <p:cNvSpPr/>
+          <p:nvPr/>
+        </p:nvSpPr>
+        <p:spPr>
+          <a:xfrm>
+            <a:off x="4774360" y="3935912"/>
             <a:ext cx="1420091" cy="277336"/>
           </a:xfrm>
           <a:prstGeom prst="rect">
@@ -5219,8 +6585,8 @@
           <a:p>
             <a:pPr algn="ctr"/>
             <a:r>
-              <a:rPr lang="en-US" sz="1200" dirty="0" smtClean="0"/>
-              <a:t>Suggestion</a:t>
+              <a:rPr lang="en-US" sz="1200" dirty="0" err="1" smtClean="0"/>
+              <a:t>VolSuggestions</a:t>
             </a:r>
             <a:endParaRPr lang="en-US" sz="1200" dirty="0"/>
           </a:p>
@@ -5228,13 +6594,13 @@
       </p:sp>
       <p:sp>
         <p:nvSpPr>
-          <p:cNvPr id="44" name="Rectangle 43"/>
+          <p:cNvPr id="16" name="Rectangle 15"/>
           <p:cNvSpPr/>
           <p:nvPr/>
         </p:nvSpPr>
         <p:spPr>
           <a:xfrm>
-            <a:off x="2239518" y="1129889"/>
+            <a:off x="4774360" y="4286268"/>
             <a:ext cx="1420091" cy="277336"/>
           </a:xfrm>
           <a:prstGeom prst="rect">
@@ -5266,7 +6632,7 @@
             <a:pPr algn="ctr"/>
             <a:r>
               <a:rPr lang="en-US" sz="1200" dirty="0" err="1" smtClean="0"/>
-              <a:t>VolCalendar</a:t>
+              <a:t>VolWorkLog</a:t>
             </a:r>
             <a:endParaRPr lang="en-US" sz="1200" dirty="0"/>
           </a:p>
@@ -5274,13 +6640,13 @@
       </p:sp>
       <p:sp>
         <p:nvSpPr>
-          <p:cNvPr id="46" name="Rectangle 45"/>
+          <p:cNvPr id="18" name="Rectangle 17"/>
           <p:cNvSpPr/>
           <p:nvPr/>
         </p:nvSpPr>
         <p:spPr>
           <a:xfrm>
-            <a:off x="3942002" y="1130011"/>
+            <a:off x="6709324" y="4286268"/>
             <a:ext cx="1420091" cy="277336"/>
           </a:xfrm>
           <a:prstGeom prst="rect">
@@ -5312,7 +6678,7 @@
             <a:pPr algn="ctr"/>
             <a:r>
               <a:rPr lang="en-US" sz="1200" dirty="0" err="1" smtClean="0"/>
-              <a:t>VolPickSite</a:t>
+              <a:t>VolWorkLogEdit</a:t>
             </a:r>
             <a:endParaRPr lang="en-US" sz="1200" dirty="0"/>
           </a:p>
@@ -5320,14 +6686,14 @@
       </p:sp>
       <p:sp>
         <p:nvSpPr>
-          <p:cNvPr id="49" name="Rectangle 48"/>
+          <p:cNvPr id="20" name="Rectangle 19"/>
           <p:cNvSpPr/>
           <p:nvPr/>
         </p:nvSpPr>
         <p:spPr>
           <a:xfrm>
-            <a:off x="7578141" y="1131333"/>
-            <a:ext cx="1420091" cy="277336"/>
+            <a:off x="4774360" y="4638768"/>
+            <a:ext cx="1587167" cy="277336"/>
           </a:xfrm>
           <a:prstGeom prst="rect">
             <a:avLst/>
@@ -5358,7 +6724,7 @@
             <a:pPr algn="ctr"/>
             <a:r>
               <a:rPr lang="en-US" sz="1200" dirty="0" err="1" smtClean="0"/>
-              <a:t>ViewSignUpNew</a:t>
+              <a:t>VolSitesOnDateMap</a:t>
             </a:r>
             <a:endParaRPr lang="en-US" sz="1200" dirty="0"/>
           </a:p>
@@ -5366,13 +6732,13 @@
       </p:sp>
       <p:sp>
         <p:nvSpPr>
-          <p:cNvPr id="72" name="Rectangle 71"/>
+          <p:cNvPr id="21" name="Rectangle 20"/>
           <p:cNvSpPr/>
           <p:nvPr/>
         </p:nvSpPr>
         <p:spPr>
           <a:xfrm>
-            <a:off x="671946" y="3297012"/>
+            <a:off x="6709324" y="4638768"/>
             <a:ext cx="1420091" cy="277336"/>
           </a:xfrm>
           <a:prstGeom prst="rect">
@@ -5404,7 +6770,7 @@
             <a:pPr algn="ctr"/>
             <a:r>
               <a:rPr lang="en-US" sz="1200" dirty="0" err="1" smtClean="0"/>
-              <a:t>SCMySites</a:t>
+              <a:t>VolSitesOnDateList</a:t>
             </a:r>
             <a:endParaRPr lang="en-US" sz="1200" dirty="0"/>
           </a:p>
@@ -5412,13 +6778,13 @@
       </p:sp>
       <p:sp>
         <p:nvSpPr>
-          <p:cNvPr id="74" name="Rectangle 73"/>
+          <p:cNvPr id="23" name="Rectangle 22"/>
           <p:cNvSpPr/>
           <p:nvPr/>
         </p:nvSpPr>
         <p:spPr>
           <a:xfrm>
-            <a:off x="834325" y="4423261"/>
+            <a:off x="2916789" y="5101759"/>
             <a:ext cx="1420091" cy="277336"/>
           </a:xfrm>
           <a:prstGeom prst="rect">
@@ -5450,7 +6816,7 @@
             <a:pPr algn="ctr"/>
             <a:r>
               <a:rPr lang="en-US" sz="1200" dirty="0" err="1" smtClean="0"/>
-              <a:t>SCSite</a:t>
+              <a:t>SCSites</a:t>
             </a:r>
             <a:endParaRPr lang="en-US" sz="1200" dirty="0"/>
           </a:p>
@@ -5458,13 +6824,13 @@
       </p:sp>
       <p:sp>
         <p:nvSpPr>
-          <p:cNvPr id="95" name="Rectangle 94"/>
+          <p:cNvPr id="24" name="Rectangle 23"/>
           <p:cNvSpPr/>
           <p:nvPr/>
         </p:nvSpPr>
         <p:spPr>
           <a:xfrm>
-            <a:off x="5877789" y="3664558"/>
+            <a:off x="4774360" y="5101759"/>
             <a:ext cx="1420091" cy="277336"/>
           </a:xfrm>
           <a:prstGeom prst="rect">
@@ -5496,7 +6862,7 @@
             <a:pPr algn="ctr"/>
             <a:r>
               <a:rPr lang="en-US" sz="1200" dirty="0" err="1" smtClean="0"/>
-              <a:t>SCSiteVol</a:t>
+              <a:t>SCSiteCal</a:t>
             </a:r>
             <a:endParaRPr lang="en-US" sz="1200" dirty="0"/>
           </a:p>
@@ -5504,13 +6870,13 @@
       </p:sp>
       <p:sp>
         <p:nvSpPr>
-          <p:cNvPr id="97" name="Rectangle 96"/>
+          <p:cNvPr id="25" name="Rectangle 24"/>
           <p:cNvSpPr/>
           <p:nvPr/>
         </p:nvSpPr>
         <p:spPr>
           <a:xfrm>
-            <a:off x="7578141" y="3664558"/>
+            <a:off x="4774360" y="5551344"/>
             <a:ext cx="1420091" cy="277336"/>
           </a:xfrm>
           <a:prstGeom prst="rect">
@@ -5542,7 +6908,7 @@
             <a:pPr algn="ctr"/>
             <a:r>
               <a:rPr lang="en-US" sz="1200" dirty="0" err="1" smtClean="0"/>
-              <a:t>SCVolHours</a:t>
+              <a:t>SCSiteWorkLog</a:t>
             </a:r>
             <a:endParaRPr lang="en-US" sz="1200" dirty="0"/>
           </a:p>
@@ -5550,13 +6916,13 @@
       </p:sp>
       <p:sp>
         <p:nvSpPr>
-          <p:cNvPr id="99" name="Rectangle 98"/>
+          <p:cNvPr id="26" name="Rectangle 25"/>
           <p:cNvSpPr/>
           <p:nvPr/>
         </p:nvSpPr>
         <p:spPr>
           <a:xfrm>
-            <a:off x="3439499" y="4717682"/>
+            <a:off x="6709324" y="5551344"/>
             <a:ext cx="1420091" cy="277336"/>
           </a:xfrm>
           <a:prstGeom prst="rect">
@@ -5588,7 +6954,7 @@
             <a:pPr algn="ctr"/>
             <a:r>
               <a:rPr lang="en-US" sz="1200" dirty="0" err="1" smtClean="0"/>
-              <a:t>SCCalendar</a:t>
+              <a:t>SCSiteWorkLogEdit</a:t>
             </a:r>
             <a:endParaRPr lang="en-US" sz="1200" dirty="0"/>
           </a:p>
@@ -5596,13 +6962,133 @@
       </p:sp>
       <p:sp>
         <p:nvSpPr>
-          <p:cNvPr id="101" name="Rectangle 100"/>
+          <p:cNvPr id="27" name="Rectangle 26"/>
           <p:cNvSpPr/>
           <p:nvPr/>
         </p:nvSpPr>
         <p:spPr>
           <a:xfrm>
-            <a:off x="5225456" y="4724611"/>
+            <a:off x="4774360" y="5991238"/>
+            <a:ext cx="1420091" cy="277336"/>
+          </a:xfrm>
+          <a:prstGeom prst="rect">
+            <a:avLst/>
+          </a:prstGeom>
+          <a:ln/>
+        </p:spPr>
+        <p:style>
+          <a:lnRef idx="2">
+            <a:schemeClr val="dk1"/>
+          </a:lnRef>
+          <a:fillRef idx="1">
+            <a:schemeClr val="lt1"/>
+          </a:fillRef>
+          <a:effectRef idx="0">
+            <a:schemeClr val="dk1"/>
+          </a:effectRef>
+          <a:fontRef idx="minor">
+            <a:schemeClr val="dk1"/>
+          </a:fontRef>
+        </p:style>
+        <p:txBody>
+          <a:bodyPr rtlCol="0" anchor="ctr"/>
+          <a:lstStyle/>
+          <a:p>
+            <a:pPr algn="ctr"/>
+            <a:r>
+              <a:rPr lang="en-US" sz="1200" dirty="0" err="1" smtClean="0"/>
+              <a:t>SC</a:t>
+            </a:r>
+            <a:r>
+              <a:rPr lang="en-US" sz="1200" dirty="0" err="1" smtClean="0"/>
+              <a:t>Profile</a:t>
+            </a:r>
+            <a:endParaRPr lang="en-US" sz="1200" dirty="0"/>
+          </a:p>
+        </p:txBody>
+      </p:sp>
+      <p:sp>
+        <p:nvSpPr>
+          <p:cNvPr id="28" name="Rectangle 27"/>
+          <p:cNvSpPr/>
+          <p:nvPr/>
+        </p:nvSpPr>
+        <p:spPr>
+          <a:xfrm>
+            <a:off x="4774360" y="6439437"/>
+            <a:ext cx="1420091" cy="277336"/>
+          </a:xfrm>
+          <a:prstGeom prst="rect">
+            <a:avLst/>
+          </a:prstGeom>
+          <a:ln/>
+        </p:spPr>
+        <p:style>
+          <a:lnRef idx="2">
+            <a:schemeClr val="dk1"/>
+          </a:lnRef>
+          <a:fillRef idx="1">
+            <a:schemeClr val="lt1"/>
+          </a:fillRef>
+          <a:effectRef idx="0">
+            <a:schemeClr val="dk1"/>
+          </a:effectRef>
+          <a:fontRef idx="minor">
+            <a:schemeClr val="dk1"/>
+          </a:fontRef>
+        </p:style>
+        <p:txBody>
+          <a:bodyPr rtlCol="0" anchor="ctr"/>
+          <a:lstStyle/>
+          <a:p>
+            <a:pPr algn="ctr"/>
+            <a:r>
+              <a:rPr lang="en-US" sz="1200" dirty="0" err="1" smtClean="0"/>
+              <a:t>SCSuggestions</a:t>
+            </a:r>
+            <a:endParaRPr lang="en-US" sz="1200" dirty="0"/>
+          </a:p>
+        </p:txBody>
+      </p:sp>
+      <p:sp>
+        <p:nvSpPr>
+          <p:cNvPr id="30" name="TextBox 29"/>
+          <p:cNvSpPr txBox="1"/>
+          <p:nvPr/>
+        </p:nvSpPr>
+        <p:spPr>
+          <a:xfrm>
+            <a:off x="8537552" y="6280902"/>
+            <a:ext cx="513156" cy="400110"/>
+          </a:xfrm>
+          <a:prstGeom prst="rect">
+            <a:avLst/>
+          </a:prstGeom>
+          <a:noFill/>
+        </p:spPr>
+        <p:txBody>
+          <a:bodyPr wrap="none" rtlCol="0">
+            <a:spAutoFit/>
+          </a:bodyPr>
+          <a:lstStyle/>
+          <a:p>
+            <a:r>
+              <a:rPr lang="en-US" sz="2000" b="1" dirty="0" smtClean="0"/>
+              <a:t>2.0</a:t>
+            </a:r>
+            <a:endParaRPr lang="en-US" sz="2000" b="1" dirty="0"/>
+          </a:p>
+        </p:txBody>
+      </p:sp>
+      <p:sp>
+        <p:nvSpPr>
+          <p:cNvPr id="31" name="Rectangle 30"/>
+          <p:cNvSpPr/>
+          <p:nvPr/>
+        </p:nvSpPr>
+        <p:spPr>
+          <a:xfrm>
+            <a:off x="6709324" y="5089350"/>
             <a:ext cx="1420091" cy="277336"/>
           </a:xfrm>
           <a:prstGeom prst="rect">
@@ -5634,21 +7120,155 @@
             <a:pPr algn="ctr"/>
             <a:r>
               <a:rPr lang="en-US" sz="1200" dirty="0" err="1" smtClean="0"/>
-              <a:t>SCSiteCalShifts</a:t>
+              <a:t>SCSiteCalDateEdit</a:t>
             </a:r>
             <a:endParaRPr lang="en-US" sz="1200" dirty="0"/>
           </a:p>
         </p:txBody>
       </p:sp>
-      <p:sp>
-        <p:nvSpPr>
-          <p:cNvPr id="103" name="Rectangle 102"/>
+      <p:cxnSp>
+        <p:nvCxnSpPr>
+          <p:cNvPr id="32" name="Straight Connector 31"/>
+          <p:cNvCxnSpPr/>
+          <p:nvPr/>
+        </p:nvCxnSpPr>
+        <p:spPr>
+          <a:xfrm flipV="1">
+            <a:off x="1909356" y="3440848"/>
+            <a:ext cx="6967459" cy="50300"/>
+          </a:xfrm>
+          <a:prstGeom prst="line">
+            <a:avLst/>
+          </a:prstGeom>
+          <a:ln>
+            <a:solidFill>
+              <a:schemeClr val="tx1"/>
+            </a:solidFill>
+            <a:prstDash val="sysDash"/>
+          </a:ln>
+          <a:effectLst/>
+        </p:spPr>
+        <p:style>
+          <a:lnRef idx="2">
+            <a:schemeClr val="accent1"/>
+          </a:lnRef>
+          <a:fillRef idx="0">
+            <a:schemeClr val="accent1"/>
+          </a:fillRef>
+          <a:effectRef idx="1">
+            <a:schemeClr val="accent1"/>
+          </a:effectRef>
+          <a:fontRef idx="minor">
+            <a:schemeClr val="tx1"/>
+          </a:fontRef>
+        </p:style>
+      </p:cxnSp>
+      <p:cxnSp>
+        <p:nvCxnSpPr>
+          <p:cNvPr id="33" name="Straight Connector 32"/>
+          <p:cNvCxnSpPr/>
+          <p:nvPr/>
+        </p:nvCxnSpPr>
+        <p:spPr>
+          <a:xfrm>
+            <a:off x="1909356" y="4998700"/>
+            <a:ext cx="6967459" cy="0"/>
+          </a:xfrm>
+          <a:prstGeom prst="line">
+            <a:avLst/>
+          </a:prstGeom>
+          <a:ln>
+            <a:solidFill>
+              <a:schemeClr val="tx1"/>
+            </a:solidFill>
+            <a:prstDash val="sysDash"/>
+          </a:ln>
+          <a:effectLst/>
+        </p:spPr>
+        <p:style>
+          <a:lnRef idx="2">
+            <a:schemeClr val="accent1"/>
+          </a:lnRef>
+          <a:fillRef idx="0">
+            <a:schemeClr val="accent1"/>
+          </a:fillRef>
+          <a:effectRef idx="1">
+            <a:schemeClr val="accent1"/>
+          </a:effectRef>
+          <a:fontRef idx="minor">
+            <a:schemeClr val="tx1"/>
+          </a:fontRef>
+        </p:style>
+      </p:cxnSp>
+      <p:sp>
+        <p:nvSpPr>
+          <p:cNvPr id="34" name="TextBox 33"/>
+          <p:cNvSpPr txBox="1"/>
+          <p:nvPr/>
+        </p:nvSpPr>
+        <p:spPr>
+          <a:xfrm>
+            <a:off x="339420" y="3894675"/>
+            <a:ext cx="422411" cy="307777"/>
+          </a:xfrm>
+          <a:prstGeom prst="rect">
+            <a:avLst/>
+          </a:prstGeom>
+          <a:noFill/>
+        </p:spPr>
+        <p:txBody>
+          <a:bodyPr wrap="none" rtlCol="0">
+            <a:spAutoFit/>
+          </a:bodyPr>
+          <a:lstStyle/>
+          <a:p>
+            <a:r>
+              <a:rPr lang="en-US" sz="1400" dirty="0" err="1" smtClean="0"/>
+              <a:t>Vol</a:t>
+            </a:r>
+            <a:endParaRPr lang="en-US" sz="1400" dirty="0"/>
+          </a:p>
+        </p:txBody>
+      </p:sp>
+      <p:sp>
+        <p:nvSpPr>
+          <p:cNvPr id="35" name="TextBox 34"/>
+          <p:cNvSpPr txBox="1"/>
+          <p:nvPr/>
+        </p:nvSpPr>
+        <p:spPr>
+          <a:xfrm>
+            <a:off x="339420" y="5286055"/>
+            <a:ext cx="362887" cy="307777"/>
+          </a:xfrm>
+          <a:prstGeom prst="rect">
+            <a:avLst/>
+          </a:prstGeom>
+          <a:noFill/>
+        </p:spPr>
+        <p:txBody>
+          <a:bodyPr wrap="none" rtlCol="0">
+            <a:spAutoFit/>
+          </a:bodyPr>
+          <a:lstStyle/>
+          <a:p>
+            <a:r>
+              <a:rPr lang="en-US" sz="1400" dirty="0" smtClean="0"/>
+              <a:t>SC</a:t>
+            </a:r>
+            <a:endParaRPr lang="en-US" sz="1400" dirty="0"/>
+          </a:p>
+        </p:txBody>
+      </p:sp>
+      <p:sp>
+        <p:nvSpPr>
+          <p:cNvPr id="41" name="Rectangle 40"/>
           <p:cNvSpPr/>
           <p:nvPr/>
         </p:nvSpPr>
         <p:spPr>
           <a:xfrm>
-            <a:off x="7098819" y="4717682"/>
+            <a:off x="1769264" y="2403556"/>
             <a:ext cx="1420091" cy="277336"/>
           </a:xfrm>
           <a:prstGeom prst="rect">
@@ -5680,7 +7300,7 @@
             <a:pPr algn="ctr"/>
             <a:r>
               <a:rPr lang="en-US" sz="1200" dirty="0" err="1" smtClean="0"/>
-              <a:t>SCShiftDetails</a:t>
+              <a:t>StaffRegistration</a:t>
             </a:r>
             <a:endParaRPr lang="en-US" sz="1200" dirty="0"/>
           </a:p>
@@ -5688,13 +7308,13 @@
       </p:sp>
       <p:sp>
         <p:nvSpPr>
-          <p:cNvPr id="135" name="Rectangle 134"/>
+          <p:cNvPr id="42" name="Rectangle 41"/>
           <p:cNvSpPr/>
           <p:nvPr/>
         </p:nvSpPr>
         <p:spPr>
           <a:xfrm>
-            <a:off x="5877789" y="1891298"/>
+            <a:off x="1769264" y="2761872"/>
             <a:ext cx="1420091" cy="277336"/>
           </a:xfrm>
           <a:prstGeom prst="rect">
@@ -5726,7 +7346,7 @@
             <a:pPr algn="ctr"/>
             <a:r>
               <a:rPr lang="en-US" sz="1200" dirty="0" err="1" smtClean="0"/>
-              <a:t>VolPickSiteMap</a:t>
+              <a:t>StaffLogin</a:t>
             </a:r>
             <a:endParaRPr lang="en-US" sz="1200" dirty="0"/>
           </a:p>
@@ -5734,13 +7354,13 @@
       </p:sp>
       <p:sp>
         <p:nvSpPr>
-          <p:cNvPr id="82" name="Rectangle 81"/>
+          <p:cNvPr id="45" name="Rectangle 44"/>
           <p:cNvSpPr/>
           <p:nvPr/>
         </p:nvSpPr>
         <p:spPr>
           <a:xfrm>
-            <a:off x="2520228" y="3677258"/>
+            <a:off x="2162179" y="3130092"/>
             <a:ext cx="1420091" cy="277336"/>
           </a:xfrm>
           <a:prstGeom prst="rect">
@@ -5772,21 +7392,51 @@
             <a:pPr algn="ctr"/>
             <a:r>
               <a:rPr lang="en-US" sz="1200" dirty="0" err="1" smtClean="0"/>
-              <a:t>SCSiteVolCalendar</a:t>
-            </a:r>
-            <a:endParaRPr lang="en-US" sz="1200" dirty="0" smtClean="0"/>
-          </a:p>
-        </p:txBody>
-      </p:sp>
-      <p:sp>
-        <p:nvSpPr>
-          <p:cNvPr id="85" name="Rectangle 84"/>
+              <a:t>StaffRoleSelect</a:t>
+            </a:r>
+            <a:endParaRPr lang="en-US" sz="1200" dirty="0"/>
+          </a:p>
+        </p:txBody>
+      </p:sp>
+    </p:spTree>
+    <p:extLst>
+      <p:ext uri="{BB962C8B-B14F-4D97-AF65-F5344CB8AC3E}">
+        <p14:creationId xmlns:p14="http://schemas.microsoft.com/office/powerpoint/2010/main" val="4076452278"/>
+      </p:ext>
+    </p:extLst>
+  </p:cSld>
+  <p:clrMapOvr>
+    <a:masterClrMapping/>
+  </p:clrMapOvr>
+</p:sld>
+</file>
+
+<file path=ppt/slides/slide3.xml><?xml version="1.0" encoding="utf-8"?>
+<p:sld xmlns:a="http://schemas.openxmlformats.org/drawingml/2006/main" xmlns:r="http://schemas.openxmlformats.org/officeDocument/2006/relationships" xmlns:p="http://schemas.openxmlformats.org/presentationml/2006/main">
+  <p:cSld>
+    <p:spTree>
+      <p:nvGrpSpPr>
+        <p:cNvPr id="1" name=""/>
+        <p:cNvGrpSpPr/>
+        <p:nvPr/>
+      </p:nvGrpSpPr>
+      <p:grpSpPr>
+        <a:xfrm>
+          <a:off x="0" y="0"/>
+          <a:ext cx="0" cy="0"/>
+          <a:chOff x="0" y="0"/>
+          <a:chExt cx="0" cy="0"/>
+        </a:xfrm>
+      </p:grpSpPr>
+      <p:sp>
+        <p:nvSpPr>
+          <p:cNvPr id="2" name="Rectangle 1"/>
           <p:cNvSpPr/>
           <p:nvPr/>
         </p:nvSpPr>
         <p:spPr>
           <a:xfrm>
-            <a:off x="5743765" y="1131211"/>
+            <a:off x="1624430" y="367299"/>
             <a:ext cx="1420091" cy="277336"/>
           </a:xfrm>
           <a:prstGeom prst="rect">
@@ -5818,22 +7468,59 @@
             <a:pPr algn="ctr"/>
             <a:r>
               <a:rPr lang="en-US" sz="1200" dirty="0" err="1" smtClean="0"/>
-              <a:t>VolPickShift</a:t>
+              <a:t>AdminSites</a:t>
             </a:r>
             <a:endParaRPr lang="en-US" sz="1200" dirty="0"/>
           </a:p>
         </p:txBody>
       </p:sp>
-      <p:sp>
-        <p:nvSpPr>
-          <p:cNvPr id="127" name="TextBox 126"/>
+      <p:cxnSp>
+        <p:nvCxnSpPr>
+          <p:cNvPr id="9" name="Straight Connector 8"/>
+          <p:cNvCxnSpPr/>
+          <p:nvPr/>
+        </p:nvCxnSpPr>
+        <p:spPr>
+          <a:xfrm>
+            <a:off x="616997" y="264240"/>
+            <a:ext cx="7788320" cy="0"/>
+          </a:xfrm>
+          <a:prstGeom prst="line">
+            <a:avLst/>
+          </a:prstGeom>
+          <a:ln>
+            <a:solidFill>
+              <a:schemeClr val="tx1"/>
+            </a:solidFill>
+            <a:prstDash val="sysDash"/>
+          </a:ln>
+          <a:effectLst/>
+        </p:spPr>
+        <p:style>
+          <a:lnRef idx="2">
+            <a:schemeClr val="accent1"/>
+          </a:lnRef>
+          <a:fillRef idx="0">
+            <a:schemeClr val="accent1"/>
+          </a:fillRef>
+          <a:effectRef idx="1">
+            <a:schemeClr val="accent1"/>
+          </a:effectRef>
+          <a:fontRef idx="minor">
+            <a:schemeClr val="tx1"/>
+          </a:fontRef>
+        </p:style>
+      </p:cxnSp>
+      <p:sp>
+        <p:nvSpPr>
+          <p:cNvPr id="10" name="TextBox 9"/>
           <p:cNvSpPr txBox="1"/>
           <p:nvPr/>
         </p:nvSpPr>
         <p:spPr>
           <a:xfrm>
-            <a:off x="4594284" y="3941894"/>
-            <a:ext cx="761747" cy="276999"/>
+            <a:off x="339420" y="919215"/>
+            <a:ext cx="661822" cy="307777"/>
           </a:xfrm>
           <a:prstGeom prst="rect">
             <a:avLst/>
@@ -5846,24 +7533,23 @@
           </a:bodyPr>
           <a:lstStyle/>
           <a:p>
-            <a:pPr algn="ctr"/>
-            <a:r>
-              <a:rPr lang="en-US" sz="1200" dirty="0" err="1" smtClean="0"/>
-              <a:t>SiteShifts</a:t>
-            </a:r>
-            <a:endParaRPr lang="en-US" sz="1200" dirty="0"/>
-          </a:p>
-        </p:txBody>
-      </p:sp>
-      <p:sp>
-        <p:nvSpPr>
-          <p:cNvPr id="128" name="Rectangle 127"/>
+            <a:r>
+              <a:rPr lang="en-US" sz="1400" dirty="0" smtClean="0"/>
+              <a:t>Admin</a:t>
+            </a:r>
+            <a:endParaRPr lang="en-US" sz="1400" dirty="0"/>
+          </a:p>
+        </p:txBody>
+      </p:sp>
+      <p:sp>
+        <p:nvSpPr>
+          <p:cNvPr id="11" name="Rectangle 10"/>
           <p:cNvSpPr/>
           <p:nvPr/>
         </p:nvSpPr>
         <p:spPr>
           <a:xfrm>
-            <a:off x="4203259" y="3664558"/>
+            <a:off x="1624430" y="1398588"/>
             <a:ext cx="1420091" cy="277336"/>
           </a:xfrm>
           <a:prstGeom prst="rect">
@@ -5895,7 +7581,283 @@
             <a:pPr algn="ctr"/>
             <a:r>
               <a:rPr lang="en-US" sz="1200" dirty="0" err="1" smtClean="0"/>
-              <a:t>SCSiteShifts</a:t>
+              <a:t>AdminUsers</a:t>
+            </a:r>
+            <a:endParaRPr lang="en-US" sz="1200" dirty="0"/>
+          </a:p>
+        </p:txBody>
+      </p:sp>
+      <p:sp>
+        <p:nvSpPr>
+          <p:cNvPr id="12" name="Rectangle 11"/>
+          <p:cNvSpPr/>
+          <p:nvPr/>
+        </p:nvSpPr>
+        <p:spPr>
+          <a:xfrm>
+            <a:off x="1624430" y="1940885"/>
+            <a:ext cx="1420091" cy="277336"/>
+          </a:xfrm>
+          <a:prstGeom prst="rect">
+            <a:avLst/>
+          </a:prstGeom>
+          <a:solidFill>
+            <a:srgbClr val="FFFFFF"/>
+          </a:solidFill>
+          <a:ln/>
+        </p:spPr>
+        <p:style>
+          <a:lnRef idx="2">
+            <a:schemeClr val="dk1"/>
+          </a:lnRef>
+          <a:fillRef idx="1">
+            <a:schemeClr val="lt1"/>
+          </a:fillRef>
+          <a:effectRef idx="0">
+            <a:schemeClr val="dk1"/>
+          </a:effectRef>
+          <a:fontRef idx="minor">
+            <a:schemeClr val="dk1"/>
+          </a:fontRef>
+        </p:style>
+        <p:txBody>
+          <a:bodyPr rtlCol="0" anchor="ctr"/>
+          <a:lstStyle/>
+          <a:p>
+            <a:pPr algn="ctr"/>
+            <a:r>
+              <a:rPr lang="en-US" sz="1200" dirty="0" err="1" smtClean="0"/>
+              <a:t>AdminNotifications</a:t>
+            </a:r>
+            <a:endParaRPr lang="en-US" sz="1200" dirty="0"/>
+          </a:p>
+        </p:txBody>
+      </p:sp>
+      <p:sp>
+        <p:nvSpPr>
+          <p:cNvPr id="13" name="Rectangle 12"/>
+          <p:cNvSpPr/>
+          <p:nvPr/>
+        </p:nvSpPr>
+        <p:spPr>
+          <a:xfrm>
+            <a:off x="1624430" y="2480858"/>
+            <a:ext cx="1420091" cy="277336"/>
+          </a:xfrm>
+          <a:prstGeom prst="rect">
+            <a:avLst/>
+          </a:prstGeom>
+          <a:solidFill>
+            <a:srgbClr val="FFFFFF"/>
+          </a:solidFill>
+          <a:ln/>
+        </p:spPr>
+        <p:style>
+          <a:lnRef idx="2">
+            <a:schemeClr val="dk1"/>
+          </a:lnRef>
+          <a:fillRef idx="1">
+            <a:schemeClr val="lt1"/>
+          </a:fillRef>
+          <a:effectRef idx="0">
+            <a:schemeClr val="dk1"/>
+          </a:effectRef>
+          <a:fontRef idx="minor">
+            <a:schemeClr val="dk1"/>
+          </a:fontRef>
+        </p:style>
+        <p:txBody>
+          <a:bodyPr rtlCol="0" anchor="ctr"/>
+          <a:lstStyle/>
+          <a:p>
+            <a:pPr algn="ctr"/>
+            <a:r>
+              <a:rPr lang="en-US" sz="1200" dirty="0" err="1" smtClean="0"/>
+              <a:t>AdminSuggestions</a:t>
+            </a:r>
+            <a:endParaRPr lang="en-US" sz="1200" dirty="0"/>
+          </a:p>
+        </p:txBody>
+      </p:sp>
+      <p:sp>
+        <p:nvSpPr>
+          <p:cNvPr id="14" name="Rectangle 13"/>
+          <p:cNvSpPr/>
+          <p:nvPr/>
+        </p:nvSpPr>
+        <p:spPr>
+          <a:xfrm>
+            <a:off x="1624430" y="3055413"/>
+            <a:ext cx="1420091" cy="277336"/>
+          </a:xfrm>
+          <a:prstGeom prst="rect">
+            <a:avLst/>
+          </a:prstGeom>
+          <a:solidFill>
+            <a:srgbClr val="FFFFFF"/>
+          </a:solidFill>
+          <a:ln/>
+        </p:spPr>
+        <p:style>
+          <a:lnRef idx="2">
+            <a:schemeClr val="dk1"/>
+          </a:lnRef>
+          <a:fillRef idx="1">
+            <a:schemeClr val="lt1"/>
+          </a:fillRef>
+          <a:effectRef idx="0">
+            <a:schemeClr val="dk1"/>
+          </a:effectRef>
+          <a:fontRef idx="minor">
+            <a:schemeClr val="dk1"/>
+          </a:fontRef>
+        </p:style>
+        <p:txBody>
+          <a:bodyPr rtlCol="0" anchor="ctr"/>
+          <a:lstStyle/>
+          <a:p>
+            <a:pPr algn="ctr"/>
+            <a:r>
+              <a:rPr lang="en-US" sz="1200" dirty="0" err="1" smtClean="0"/>
+              <a:t>AdminWorkLog</a:t>
+            </a:r>
+            <a:endParaRPr lang="en-US" sz="1200" dirty="0"/>
+          </a:p>
+        </p:txBody>
+      </p:sp>
+      <p:sp>
+        <p:nvSpPr>
+          <p:cNvPr id="15" name="Rectangle 14"/>
+          <p:cNvSpPr/>
+          <p:nvPr/>
+        </p:nvSpPr>
+        <p:spPr>
+          <a:xfrm>
+            <a:off x="3358856" y="367299"/>
+            <a:ext cx="1420091" cy="277336"/>
+          </a:xfrm>
+          <a:prstGeom prst="rect">
+            <a:avLst/>
+          </a:prstGeom>
+          <a:solidFill>
+            <a:srgbClr val="FFFFFF"/>
+          </a:solidFill>
+          <a:ln/>
+        </p:spPr>
+        <p:style>
+          <a:lnRef idx="2">
+            <a:schemeClr val="dk1"/>
+          </a:lnRef>
+          <a:fillRef idx="1">
+            <a:schemeClr val="lt1"/>
+          </a:fillRef>
+          <a:effectRef idx="0">
+            <a:schemeClr val="dk1"/>
+          </a:effectRef>
+          <a:fontRef idx="minor">
+            <a:schemeClr val="dk1"/>
+          </a:fontRef>
+        </p:style>
+        <p:txBody>
+          <a:bodyPr rtlCol="0" anchor="ctr"/>
+          <a:lstStyle/>
+          <a:p>
+            <a:pPr algn="ctr"/>
+            <a:r>
+              <a:rPr lang="en-US" sz="1200" dirty="0" err="1" smtClean="0"/>
+              <a:t>AdminSiteEdit</a:t>
+            </a:r>
+            <a:endParaRPr lang="en-US" sz="1200" dirty="0"/>
+          </a:p>
+        </p:txBody>
+      </p:sp>
+      <p:sp>
+        <p:nvSpPr>
+          <p:cNvPr id="16" name="Rectangle 15"/>
+          <p:cNvSpPr/>
+          <p:nvPr/>
+        </p:nvSpPr>
+        <p:spPr>
+          <a:xfrm>
+            <a:off x="5037577" y="381031"/>
+            <a:ext cx="1420091" cy="277336"/>
+          </a:xfrm>
+          <a:prstGeom prst="rect">
+            <a:avLst/>
+          </a:prstGeom>
+          <a:solidFill>
+            <a:srgbClr val="FFFFFF"/>
+          </a:solidFill>
+          <a:ln/>
+        </p:spPr>
+        <p:style>
+          <a:lnRef idx="2">
+            <a:schemeClr val="dk1"/>
+          </a:lnRef>
+          <a:fillRef idx="1">
+            <a:schemeClr val="lt1"/>
+          </a:fillRef>
+          <a:effectRef idx="0">
+            <a:schemeClr val="dk1"/>
+          </a:effectRef>
+          <a:fontRef idx="minor">
+            <a:schemeClr val="dk1"/>
+          </a:fontRef>
+        </p:style>
+        <p:txBody>
+          <a:bodyPr rtlCol="0" anchor="ctr"/>
+          <a:lstStyle/>
+          <a:p>
+            <a:pPr algn="ctr"/>
+            <a:r>
+              <a:rPr lang="en-US" sz="1200" dirty="0" err="1" smtClean="0"/>
+              <a:t>AdminSiteCal</a:t>
+            </a:r>
+            <a:endParaRPr lang="en-US" sz="1200" dirty="0"/>
+          </a:p>
+        </p:txBody>
+      </p:sp>
+      <p:sp>
+        <p:nvSpPr>
+          <p:cNvPr id="17" name="Rectangle 16"/>
+          <p:cNvSpPr/>
+          <p:nvPr/>
+        </p:nvSpPr>
+        <p:spPr>
+          <a:xfrm>
+            <a:off x="5037577" y="780547"/>
+            <a:ext cx="1420091" cy="277336"/>
+          </a:xfrm>
+          <a:prstGeom prst="rect">
+            <a:avLst/>
+          </a:prstGeom>
+          <a:solidFill>
+            <a:srgbClr val="FFFFFF"/>
+          </a:solidFill>
+          <a:ln/>
+        </p:spPr>
+        <p:style>
+          <a:lnRef idx="2">
+            <a:schemeClr val="dk1"/>
+          </a:lnRef>
+          <a:fillRef idx="1">
+            <a:schemeClr val="lt1"/>
+          </a:fillRef>
+          <a:effectRef idx="0">
+            <a:schemeClr val="dk1"/>
+          </a:effectRef>
+          <a:fontRef idx="minor">
+            <a:schemeClr val="dk1"/>
+          </a:fontRef>
+        </p:style>
+        <p:txBody>
+          <a:bodyPr rtlCol="0" anchor="ctr"/>
+          <a:lstStyle/>
+          <a:p>
+            <a:pPr algn="ctr"/>
+            <a:r>
+              <a:rPr lang="en-US" sz="1200" dirty="0" err="1" smtClean="0"/>
+              <a:t>AdminSiteWorkLog</a:t>
             </a:r>
             <a:endParaRPr lang="en-US" sz="1200" dirty="0"/>
           </a:p>
@@ -5903,128 +7865,604 @@
       </p:sp>
       <p:cxnSp>
         <p:nvCxnSpPr>
-          <p:cNvPr id="137" name="Curved Connector 136"/>
-          <p:cNvCxnSpPr>
-            <a:stCxn id="128" idx="3"/>
-            <a:endCxn id="95" idx="1"/>
-          </p:cNvCxnSpPr>
+          <p:cNvPr id="18" name="Straight Connector 17"/>
+          <p:cNvCxnSpPr/>
           <p:nvPr/>
         </p:nvCxnSpPr>
         <p:spPr>
           <a:xfrm>
-            <a:off x="5623350" y="3803226"/>
-            <a:ext cx="254439" cy="12700"/>
-          </a:xfrm>
-          <a:prstGeom prst="curvedConnector3">
-            <a:avLst>
-              <a:gd name="adj1" fmla="val 50000"/>
-            </a:avLst>
-          </a:prstGeom>
-          <a:ln w="19050" cmpd="sng">
-            <a:tailEnd type="arrow"/>
+            <a:off x="1415021" y="1240992"/>
+            <a:ext cx="6967459" cy="0"/>
+          </a:xfrm>
+          <a:prstGeom prst="line">
+            <a:avLst/>
+          </a:prstGeom>
+          <a:ln>
+            <a:solidFill>
+              <a:schemeClr val="tx1"/>
+            </a:solidFill>
+            <a:prstDash val="sysDash"/>
           </a:ln>
-        </p:spPr>
-        <p:style>
-          <a:lnRef idx="1">
-            <a:schemeClr val="dk1"/>
+          <a:effectLst/>
+        </p:spPr>
+        <p:style>
+          <a:lnRef idx="2">
+            <a:schemeClr val="accent1"/>
           </a:lnRef>
           <a:fillRef idx="0">
-            <a:schemeClr val="dk1"/>
+            <a:schemeClr val="accent1"/>
+          </a:fillRef>
+          <a:effectRef idx="1">
+            <a:schemeClr val="accent1"/>
+          </a:effectRef>
+          <a:fontRef idx="minor">
+            <a:schemeClr val="tx1"/>
+          </a:fontRef>
+        </p:style>
+      </p:cxnSp>
+      <p:sp>
+        <p:nvSpPr>
+          <p:cNvPr id="19" name="Rectangle 18"/>
+          <p:cNvSpPr/>
+          <p:nvPr/>
+        </p:nvSpPr>
+        <p:spPr>
+          <a:xfrm>
+            <a:off x="3358856" y="1403529"/>
+            <a:ext cx="1420091" cy="277336"/>
+          </a:xfrm>
+          <a:prstGeom prst="rect">
+            <a:avLst/>
+          </a:prstGeom>
+          <a:solidFill>
+            <a:srgbClr val="FFFFFF"/>
+          </a:solidFill>
+          <a:ln/>
+        </p:spPr>
+        <p:style>
+          <a:lnRef idx="2">
+            <a:schemeClr val="dk1"/>
+          </a:lnRef>
+          <a:fillRef idx="1">
+            <a:schemeClr val="lt1"/>
           </a:fillRef>
           <a:effectRef idx="0">
             <a:schemeClr val="dk1"/>
           </a:effectRef>
           <a:fontRef idx="minor">
-            <a:schemeClr val="tx1"/>
-          </a:fontRef>
-        </p:style>
-      </p:cxnSp>
+            <a:schemeClr val="dk1"/>
+          </a:fontRef>
+        </p:style>
+        <p:txBody>
+          <a:bodyPr rtlCol="0" anchor="ctr"/>
+          <a:lstStyle/>
+          <a:p>
+            <a:pPr algn="ctr"/>
+            <a:r>
+              <a:rPr lang="en-US" sz="1200" dirty="0" err="1" smtClean="0"/>
+              <a:t>AdminUserEdit</a:t>
+            </a:r>
+            <a:endParaRPr lang="en-US" sz="1200" dirty="0"/>
+          </a:p>
+        </p:txBody>
+      </p:sp>
+      <p:sp>
+        <p:nvSpPr>
+          <p:cNvPr id="20" name="Rectangle 19"/>
+          <p:cNvSpPr/>
+          <p:nvPr/>
+        </p:nvSpPr>
+        <p:spPr>
+          <a:xfrm>
+            <a:off x="5037577" y="1413411"/>
+            <a:ext cx="1524490" cy="277336"/>
+          </a:xfrm>
+          <a:prstGeom prst="rect">
+            <a:avLst/>
+          </a:prstGeom>
+          <a:solidFill>
+            <a:srgbClr val="FFFFFF"/>
+          </a:solidFill>
+          <a:ln/>
+        </p:spPr>
+        <p:style>
+          <a:lnRef idx="2">
+            <a:schemeClr val="dk1"/>
+          </a:lnRef>
+          <a:fillRef idx="1">
+            <a:schemeClr val="lt1"/>
+          </a:fillRef>
+          <a:effectRef idx="0">
+            <a:schemeClr val="dk1"/>
+          </a:effectRef>
+          <a:fontRef idx="minor">
+            <a:schemeClr val="dk1"/>
+          </a:fontRef>
+        </p:style>
+        <p:txBody>
+          <a:bodyPr rtlCol="0" anchor="ctr"/>
+          <a:lstStyle/>
+          <a:p>
+            <a:pPr algn="ctr"/>
+            <a:r>
+              <a:rPr lang="en-US" sz="1200" dirty="0" err="1" smtClean="0"/>
+              <a:t>AdminUserWorkLog</a:t>
+            </a:r>
+            <a:endParaRPr lang="en-US" sz="1200" dirty="0"/>
+          </a:p>
+        </p:txBody>
+      </p:sp>
+      <p:sp>
+        <p:nvSpPr>
+          <p:cNvPr id="21" name="Rectangle 20"/>
+          <p:cNvSpPr/>
+          <p:nvPr/>
+        </p:nvSpPr>
+        <p:spPr>
+          <a:xfrm>
+            <a:off x="6733082" y="1403529"/>
+            <a:ext cx="1945780" cy="277336"/>
+          </a:xfrm>
+          <a:prstGeom prst="rect">
+            <a:avLst/>
+          </a:prstGeom>
+          <a:solidFill>
+            <a:srgbClr val="FFFFFF"/>
+          </a:solidFill>
+          <a:ln/>
+        </p:spPr>
+        <p:style>
+          <a:lnRef idx="2">
+            <a:schemeClr val="dk1"/>
+          </a:lnRef>
+          <a:fillRef idx="1">
+            <a:schemeClr val="lt1"/>
+          </a:fillRef>
+          <a:effectRef idx="0">
+            <a:schemeClr val="dk1"/>
+          </a:effectRef>
+          <a:fontRef idx="minor">
+            <a:schemeClr val="dk1"/>
+          </a:fontRef>
+        </p:style>
+        <p:txBody>
+          <a:bodyPr rtlCol="0" anchor="ctr"/>
+          <a:lstStyle/>
+          <a:p>
+            <a:pPr algn="ctr"/>
+            <a:r>
+              <a:rPr lang="en-US" sz="1200" dirty="0" err="1" smtClean="0"/>
+              <a:t>AdminUserWorkLogEdit</a:t>
+            </a:r>
+            <a:endParaRPr lang="en-US" sz="1200" dirty="0"/>
+          </a:p>
+        </p:txBody>
+      </p:sp>
       <p:cxnSp>
         <p:nvCxnSpPr>
-          <p:cNvPr id="138" name="Curved Connector 137"/>
-          <p:cNvCxnSpPr>
-            <a:stCxn id="101" idx="3"/>
-            <a:endCxn id="103" idx="1"/>
-          </p:cNvCxnSpPr>
+          <p:cNvPr id="23" name="Straight Connector 22"/>
+          <p:cNvCxnSpPr/>
           <p:nvPr/>
         </p:nvCxnSpPr>
         <p:spPr>
-          <a:xfrm flipV="1">
-            <a:off x="6645547" y="4856350"/>
-            <a:ext cx="453272" cy="6929"/>
-          </a:xfrm>
-          <a:prstGeom prst="curvedConnector3">
-            <a:avLst>
-              <a:gd name="adj1" fmla="val 50000"/>
-            </a:avLst>
-          </a:prstGeom>
-          <a:ln w="19050" cmpd="sng">
-            <a:tailEnd type="arrow"/>
+          <a:xfrm>
+            <a:off x="1415021" y="1816708"/>
+            <a:ext cx="6967459" cy="0"/>
+          </a:xfrm>
+          <a:prstGeom prst="line">
+            <a:avLst/>
+          </a:prstGeom>
+          <a:ln>
+            <a:solidFill>
+              <a:schemeClr val="tx1"/>
+            </a:solidFill>
+            <a:prstDash val="sysDash"/>
           </a:ln>
-        </p:spPr>
-        <p:style>
-          <a:lnRef idx="1">
-            <a:schemeClr val="dk1"/>
+          <a:effectLst/>
+        </p:spPr>
+        <p:style>
+          <a:lnRef idx="2">
+            <a:schemeClr val="accent1"/>
           </a:lnRef>
           <a:fillRef idx="0">
-            <a:schemeClr val="dk1"/>
+            <a:schemeClr val="accent1"/>
+          </a:fillRef>
+          <a:effectRef idx="1">
+            <a:schemeClr val="accent1"/>
+          </a:effectRef>
+          <a:fontRef idx="minor">
+            <a:schemeClr val="tx1"/>
+          </a:fontRef>
+        </p:style>
+      </p:cxnSp>
+      <p:sp>
+        <p:nvSpPr>
+          <p:cNvPr id="24" name="Rectangle 23"/>
+          <p:cNvSpPr/>
+          <p:nvPr/>
+        </p:nvSpPr>
+        <p:spPr>
+          <a:xfrm>
+            <a:off x="3358856" y="1940885"/>
+            <a:ext cx="1678721" cy="277336"/>
+          </a:xfrm>
+          <a:prstGeom prst="rect">
+            <a:avLst/>
+          </a:prstGeom>
+          <a:solidFill>
+            <a:srgbClr val="FFFFFF"/>
+          </a:solidFill>
+          <a:ln/>
+        </p:spPr>
+        <p:style>
+          <a:lnRef idx="2">
+            <a:schemeClr val="dk1"/>
+          </a:lnRef>
+          <a:fillRef idx="1">
+            <a:schemeClr val="lt1"/>
           </a:fillRef>
           <a:effectRef idx="0">
             <a:schemeClr val="dk1"/>
           </a:effectRef>
           <a:fontRef idx="minor">
-            <a:schemeClr val="tx1"/>
-          </a:fontRef>
-        </p:style>
-      </p:cxnSp>
+            <a:schemeClr val="dk1"/>
+          </a:fontRef>
+        </p:style>
+        <p:txBody>
+          <a:bodyPr rtlCol="0" anchor="ctr"/>
+          <a:lstStyle/>
+          <a:p>
+            <a:pPr algn="ctr"/>
+            <a:r>
+              <a:rPr lang="en-US" sz="1200" dirty="0" err="1" smtClean="0"/>
+              <a:t>AdminNotificationsEdit</a:t>
+            </a:r>
+            <a:endParaRPr lang="en-US" sz="1200" dirty="0"/>
+          </a:p>
+        </p:txBody>
+      </p:sp>
       <p:cxnSp>
         <p:nvCxnSpPr>
-          <p:cNvPr id="139" name="Curved Connector 138"/>
-          <p:cNvCxnSpPr>
-            <a:stCxn id="21" idx="3"/>
-            <a:endCxn id="49" idx="1"/>
-          </p:cNvCxnSpPr>
+          <p:cNvPr id="25" name="Straight Connector 24"/>
+          <p:cNvCxnSpPr/>
           <p:nvPr/>
         </p:nvCxnSpPr>
         <p:spPr>
           <a:xfrm>
-            <a:off x="5592617" y="431308"/>
-            <a:ext cx="1985524" cy="838693"/>
-          </a:xfrm>
-          <a:prstGeom prst="curvedConnector3">
-            <a:avLst>
-              <a:gd name="adj1" fmla="val 77330"/>
-            </a:avLst>
-          </a:prstGeom>
-          <a:ln w="19050" cmpd="sng">
-            <a:tailEnd type="arrow"/>
+            <a:off x="1415021" y="2325585"/>
+            <a:ext cx="6967459" cy="0"/>
+          </a:xfrm>
+          <a:prstGeom prst="line">
+            <a:avLst/>
+          </a:prstGeom>
+          <a:ln>
+            <a:solidFill>
+              <a:schemeClr val="tx1"/>
+            </a:solidFill>
+            <a:prstDash val="sysDash"/>
           </a:ln>
-        </p:spPr>
-        <p:style>
-          <a:lnRef idx="1">
-            <a:schemeClr val="dk1"/>
+          <a:effectLst/>
+        </p:spPr>
+        <p:style>
+          <a:lnRef idx="2">
+            <a:schemeClr val="accent1"/>
           </a:lnRef>
           <a:fillRef idx="0">
-            <a:schemeClr val="dk1"/>
+            <a:schemeClr val="accent1"/>
+          </a:fillRef>
+          <a:effectRef idx="1">
+            <a:schemeClr val="accent1"/>
+          </a:effectRef>
+          <a:fontRef idx="minor">
+            <a:schemeClr val="tx1"/>
+          </a:fontRef>
+        </p:style>
+      </p:cxnSp>
+      <p:sp>
+        <p:nvSpPr>
+          <p:cNvPr id="26" name="Rectangle 25"/>
+          <p:cNvSpPr/>
+          <p:nvPr/>
+        </p:nvSpPr>
+        <p:spPr>
+          <a:xfrm>
+            <a:off x="3358856" y="2494590"/>
+            <a:ext cx="1678721" cy="277336"/>
+          </a:xfrm>
+          <a:prstGeom prst="rect">
+            <a:avLst/>
+          </a:prstGeom>
+          <a:solidFill>
+            <a:srgbClr val="FFFFFF"/>
+          </a:solidFill>
+          <a:ln/>
+        </p:spPr>
+        <p:style>
+          <a:lnRef idx="2">
+            <a:schemeClr val="dk1"/>
+          </a:lnRef>
+          <a:fillRef idx="1">
+            <a:schemeClr val="lt1"/>
           </a:fillRef>
           <a:effectRef idx="0">
             <a:schemeClr val="dk1"/>
           </a:effectRef>
           <a:fontRef idx="minor">
+            <a:schemeClr val="dk1"/>
+          </a:fontRef>
+        </p:style>
+        <p:txBody>
+          <a:bodyPr rtlCol="0" anchor="ctr"/>
+          <a:lstStyle/>
+          <a:p>
+            <a:pPr algn="ctr"/>
+            <a:r>
+              <a:rPr lang="en-US" sz="1200" dirty="0" err="1" smtClean="0"/>
+              <a:t>AdminSuggestionsEdit</a:t>
+            </a:r>
+            <a:endParaRPr lang="en-US" sz="1200" dirty="0"/>
+          </a:p>
+        </p:txBody>
+      </p:sp>
+      <p:cxnSp>
+        <p:nvCxnSpPr>
+          <p:cNvPr id="27" name="Straight Connector 26"/>
+          <p:cNvCxnSpPr/>
+          <p:nvPr/>
+        </p:nvCxnSpPr>
+        <p:spPr>
+          <a:xfrm>
+            <a:off x="1415021" y="2912441"/>
+            <a:ext cx="6967459" cy="0"/>
+          </a:xfrm>
+          <a:prstGeom prst="line">
+            <a:avLst/>
+          </a:prstGeom>
+          <a:ln>
+            <a:solidFill>
+              <a:schemeClr val="tx1"/>
+            </a:solidFill>
+            <a:prstDash val="sysDash"/>
+          </a:ln>
+          <a:effectLst/>
+        </p:spPr>
+        <p:style>
+          <a:lnRef idx="2">
+            <a:schemeClr val="accent1"/>
+          </a:lnRef>
+          <a:fillRef idx="0">
+            <a:schemeClr val="accent1"/>
+          </a:fillRef>
+          <a:effectRef idx="1">
+            <a:schemeClr val="accent1"/>
+          </a:effectRef>
+          <a:fontRef idx="minor">
             <a:schemeClr val="tx1"/>
           </a:fontRef>
         </p:style>
       </p:cxnSp>
       <p:sp>
         <p:nvSpPr>
-          <p:cNvPr id="143" name="TextBox 142"/>
+          <p:cNvPr id="28" name="Rectangle 27"/>
+          <p:cNvSpPr/>
+          <p:nvPr/>
+        </p:nvSpPr>
+        <p:spPr>
+          <a:xfrm>
+            <a:off x="3358856" y="3055413"/>
+            <a:ext cx="1420091" cy="277336"/>
+          </a:xfrm>
+          <a:prstGeom prst="rect">
+            <a:avLst/>
+          </a:prstGeom>
+          <a:solidFill>
+            <a:srgbClr val="FFFFFF"/>
+          </a:solidFill>
+          <a:ln/>
+        </p:spPr>
+        <p:style>
+          <a:lnRef idx="2">
+            <a:schemeClr val="dk1"/>
+          </a:lnRef>
+          <a:fillRef idx="1">
+            <a:schemeClr val="lt1"/>
+          </a:fillRef>
+          <a:effectRef idx="0">
+            <a:schemeClr val="dk1"/>
+          </a:effectRef>
+          <a:fontRef idx="minor">
+            <a:schemeClr val="dk1"/>
+          </a:fontRef>
+        </p:style>
+        <p:txBody>
+          <a:bodyPr rtlCol="0" anchor="ctr"/>
+          <a:lstStyle/>
+          <a:p>
+            <a:pPr algn="ctr"/>
+            <a:r>
+              <a:rPr lang="en-US" sz="1200" dirty="0" err="1" smtClean="0"/>
+              <a:t>AdminWorkLogEdit</a:t>
+            </a:r>
+            <a:endParaRPr lang="en-US" sz="1200" dirty="0"/>
+          </a:p>
+        </p:txBody>
+      </p:sp>
+      <p:sp>
+        <p:nvSpPr>
+          <p:cNvPr id="29" name="Rectangle 28"/>
+          <p:cNvSpPr/>
+          <p:nvPr/>
+        </p:nvSpPr>
+        <p:spPr>
+          <a:xfrm>
+            <a:off x="1624430" y="3628121"/>
+            <a:ext cx="1420091" cy="277336"/>
+          </a:xfrm>
+          <a:prstGeom prst="rect">
+            <a:avLst/>
+          </a:prstGeom>
+          <a:solidFill>
+            <a:srgbClr val="FFFFFF"/>
+          </a:solidFill>
+          <a:ln/>
+        </p:spPr>
+        <p:style>
+          <a:lnRef idx="2">
+            <a:schemeClr val="dk1"/>
+          </a:lnRef>
+          <a:fillRef idx="1">
+            <a:schemeClr val="lt1"/>
+          </a:fillRef>
+          <a:effectRef idx="0">
+            <a:schemeClr val="dk1"/>
+          </a:effectRef>
+          <a:fontRef idx="minor">
+            <a:schemeClr val="dk1"/>
+          </a:fontRef>
+        </p:style>
+        <p:txBody>
+          <a:bodyPr rtlCol="0" anchor="ctr"/>
+          <a:lstStyle/>
+          <a:p>
+            <a:pPr algn="ctr"/>
+            <a:r>
+              <a:rPr lang="en-US" sz="1200" dirty="0" err="1" smtClean="0"/>
+              <a:t>AdminConfig</a:t>
+            </a:r>
+            <a:endParaRPr lang="en-US" sz="1200" dirty="0"/>
+          </a:p>
+        </p:txBody>
+      </p:sp>
+      <p:cxnSp>
+        <p:nvCxnSpPr>
+          <p:cNvPr id="30" name="Straight Connector 29"/>
+          <p:cNvCxnSpPr/>
+          <p:nvPr/>
+        </p:nvCxnSpPr>
+        <p:spPr>
+          <a:xfrm>
+            <a:off x="1415021" y="3485149"/>
+            <a:ext cx="6967459" cy="0"/>
+          </a:xfrm>
+          <a:prstGeom prst="line">
+            <a:avLst/>
+          </a:prstGeom>
+          <a:ln>
+            <a:solidFill>
+              <a:schemeClr val="tx1"/>
+            </a:solidFill>
+            <a:prstDash val="sysDash"/>
+          </a:ln>
+          <a:effectLst/>
+        </p:spPr>
+        <p:style>
+          <a:lnRef idx="2">
+            <a:schemeClr val="accent1"/>
+          </a:lnRef>
+          <a:fillRef idx="0">
+            <a:schemeClr val="accent1"/>
+          </a:fillRef>
+          <a:effectRef idx="1">
+            <a:schemeClr val="accent1"/>
+          </a:effectRef>
+          <a:fontRef idx="minor">
+            <a:schemeClr val="tx1"/>
+          </a:fontRef>
+        </p:style>
+      </p:cxnSp>
+      <p:sp>
+        <p:nvSpPr>
+          <p:cNvPr id="31" name="Rectangle 30"/>
+          <p:cNvSpPr/>
+          <p:nvPr/>
+        </p:nvSpPr>
+        <p:spPr>
+          <a:xfrm>
+            <a:off x="1624430" y="4200829"/>
+            <a:ext cx="1420091" cy="277336"/>
+          </a:xfrm>
+          <a:prstGeom prst="rect">
+            <a:avLst/>
+          </a:prstGeom>
+          <a:solidFill>
+            <a:srgbClr val="FFFFFF"/>
+          </a:solidFill>
+          <a:ln/>
+        </p:spPr>
+        <p:style>
+          <a:lnRef idx="2">
+            <a:schemeClr val="dk1"/>
+          </a:lnRef>
+          <a:fillRef idx="1">
+            <a:schemeClr val="lt1"/>
+          </a:fillRef>
+          <a:effectRef idx="0">
+            <a:schemeClr val="dk1"/>
+          </a:effectRef>
+          <a:fontRef idx="minor">
+            <a:schemeClr val="dk1"/>
+          </a:fontRef>
+        </p:style>
+        <p:txBody>
+          <a:bodyPr rtlCol="0" anchor="ctr"/>
+          <a:lstStyle/>
+          <a:p>
+            <a:pPr algn="ctr"/>
+            <a:r>
+              <a:rPr lang="en-US" sz="1200" dirty="0" err="1" smtClean="0"/>
+              <a:t>AdminStats</a:t>
+            </a:r>
+            <a:endParaRPr lang="en-US" sz="1200" dirty="0"/>
+          </a:p>
+        </p:txBody>
+      </p:sp>
+      <p:cxnSp>
+        <p:nvCxnSpPr>
+          <p:cNvPr id="32" name="Straight Connector 31"/>
+          <p:cNvCxnSpPr/>
+          <p:nvPr/>
+        </p:nvCxnSpPr>
+        <p:spPr>
+          <a:xfrm>
+            <a:off x="1415021" y="4057857"/>
+            <a:ext cx="6967459" cy="0"/>
+          </a:xfrm>
+          <a:prstGeom prst="line">
+            <a:avLst/>
+          </a:prstGeom>
+          <a:ln>
+            <a:solidFill>
+              <a:schemeClr val="tx1"/>
+            </a:solidFill>
+            <a:prstDash val="sysDash"/>
+          </a:ln>
+          <a:effectLst/>
+        </p:spPr>
+        <p:style>
+          <a:lnRef idx="2">
+            <a:schemeClr val="accent1"/>
+          </a:lnRef>
+          <a:fillRef idx="0">
+            <a:schemeClr val="accent1"/>
+          </a:fillRef>
+          <a:effectRef idx="1">
+            <a:schemeClr val="accent1"/>
+          </a:effectRef>
+          <a:fontRef idx="minor">
+            <a:schemeClr val="tx1"/>
+          </a:fontRef>
+        </p:style>
+      </p:cxnSp>
+      <p:sp>
+        <p:nvSpPr>
+          <p:cNvPr id="33" name="TextBox 32"/>
           <p:cNvSpPr txBox="1"/>
           <p:nvPr/>
         </p:nvSpPr>
         <p:spPr>
           <a:xfrm>
-            <a:off x="6634711" y="490758"/>
-            <a:ext cx="496538" cy="369332"/>
+            <a:off x="8537552" y="6280902"/>
+            <a:ext cx="513156" cy="400110"/>
           </a:xfrm>
           <a:prstGeom prst="rect">
             <a:avLst/>
@@ -6038,17 +8476,388 @@
           <a:lstStyle/>
           <a:p>
             <a:r>
-              <a:rPr lang="en-US" dirty="0" err="1" smtClean="0"/>
-              <a:t>iOS</a:t>
-            </a:r>
-            <a:endParaRPr lang="en-US" dirty="0"/>
+              <a:rPr lang="en-US" sz="2000" b="1" dirty="0" smtClean="0"/>
+              <a:t>2.0</a:t>
+            </a:r>
+            <a:endParaRPr lang="en-US" sz="2000" b="1" dirty="0"/>
           </a:p>
         </p:txBody>
       </p:sp>
     </p:spTree>
     <p:extLst>
       <p:ext uri="{BB962C8B-B14F-4D97-AF65-F5344CB8AC3E}">
-        <p14:creationId xmlns:p14="http://schemas.microsoft.com/office/powerpoint/2010/main" val="897914101"/>
+        <p14:creationId xmlns:p14="http://schemas.microsoft.com/office/powerpoint/2010/main" val="904902343"/>
+      </p:ext>
+    </p:extLst>
+  </p:cSld>
+  <p:clrMapOvr>
+    <a:masterClrMapping/>
+  </p:clrMapOvr>
+</p:sld>
+</file>
+
+<file path=ppt/slides/slide4.xml><?xml version="1.0" encoding="utf-8"?>
+<p:sld xmlns:a="http://schemas.openxmlformats.org/drawingml/2006/main" xmlns:r="http://schemas.openxmlformats.org/officeDocument/2006/relationships" xmlns:p="http://schemas.openxmlformats.org/presentationml/2006/main">
+  <p:cSld>
+    <p:spTree>
+      <p:nvGrpSpPr>
+        <p:cNvPr id="1" name=""/>
+        <p:cNvGrpSpPr/>
+        <p:nvPr/>
+      </p:nvGrpSpPr>
+      <p:grpSpPr>
+        <a:xfrm>
+          <a:off x="0" y="0"/>
+          <a:ext cx="0" cy="0"/>
+          <a:chOff x="0" y="0"/>
+          <a:chExt cx="0" cy="0"/>
+        </a:xfrm>
+      </p:grpSpPr>
+      <p:sp>
+        <p:nvSpPr>
+          <p:cNvPr id="2" name="TextBox 1"/>
+          <p:cNvSpPr txBox="1"/>
+          <p:nvPr/>
+        </p:nvSpPr>
+        <p:spPr>
+          <a:xfrm>
+            <a:off x="339420" y="499879"/>
+            <a:ext cx="2056973" cy="2677656"/>
+          </a:xfrm>
+          <a:prstGeom prst="rect">
+            <a:avLst/>
+          </a:prstGeom>
+          <a:noFill/>
+        </p:spPr>
+        <p:txBody>
+          <a:bodyPr wrap="none" rtlCol="0">
+            <a:spAutoFit/>
+          </a:bodyPr>
+          <a:lstStyle/>
+          <a:p>
+            <a:r>
+              <a:rPr lang="en-US" sz="1400" dirty="0" smtClean="0"/>
+              <a:t>Volunteers</a:t>
+            </a:r>
+          </a:p>
+          <a:p>
+            <a:pPr marL="285750" indent="-285750">
+              <a:buFontTx/>
+              <a:buChar char="•"/>
+            </a:pPr>
+            <a:r>
+              <a:rPr lang="en-US" sz="1400" dirty="0" smtClean="0"/>
+              <a:t>Email</a:t>
+            </a:r>
+          </a:p>
+          <a:p>
+            <a:pPr marL="285750" indent="-285750">
+              <a:buFontTx/>
+              <a:buChar char="•"/>
+            </a:pPr>
+            <a:r>
+              <a:rPr lang="en-US" sz="1400" dirty="0" smtClean="0"/>
+              <a:t>Password</a:t>
+            </a:r>
+          </a:p>
+          <a:p>
+            <a:pPr marL="285750" indent="-285750">
+              <a:buFontTx/>
+              <a:buChar char="•"/>
+            </a:pPr>
+            <a:r>
+              <a:rPr lang="en-US" sz="1400" dirty="0" smtClean="0"/>
+              <a:t>Selected sites</a:t>
+            </a:r>
+          </a:p>
+          <a:p>
+            <a:pPr marL="285750" indent="-285750">
+              <a:buFontTx/>
+              <a:buChar char="•"/>
+            </a:pPr>
+            <a:r>
+              <a:rPr lang="en-US" sz="1400" dirty="0" smtClean="0"/>
+              <a:t>Phone</a:t>
+            </a:r>
+          </a:p>
+          <a:p>
+            <a:pPr marL="285750" indent="-285750">
+              <a:buFontTx/>
+              <a:buChar char="•"/>
+            </a:pPr>
+            <a:r>
+              <a:rPr lang="en-US" sz="1400" dirty="0" smtClean="0"/>
+              <a:t>Certification</a:t>
+            </a:r>
+          </a:p>
+          <a:p>
+            <a:pPr marL="285750" indent="-285750">
+              <a:buFontTx/>
+              <a:buChar char="•"/>
+            </a:pPr>
+            <a:r>
+              <a:rPr lang="en-US" sz="1400" dirty="0" smtClean="0"/>
+              <a:t>Roles (</a:t>
+            </a:r>
+            <a:r>
+              <a:rPr lang="en-US" sz="1400" dirty="0" err="1" smtClean="0"/>
+              <a:t>vol</a:t>
+            </a:r>
+            <a:r>
+              <a:rPr lang="en-US" sz="1400" dirty="0" smtClean="0"/>
+              <a:t>, SC, admin)</a:t>
+            </a:r>
+          </a:p>
+          <a:p>
+            <a:endParaRPr lang="en-US" sz="1400" dirty="0"/>
+          </a:p>
+          <a:p>
+            <a:r>
+              <a:rPr lang="en-US" sz="1400" dirty="0" smtClean="0"/>
+              <a:t>Methods</a:t>
+            </a:r>
+          </a:p>
+          <a:p>
+            <a:pPr marL="285750" indent="-285750">
+              <a:buFontTx/>
+              <a:buChar char="•"/>
+            </a:pPr>
+            <a:r>
+              <a:rPr lang="en-US" sz="1400" dirty="0" smtClean="0"/>
+              <a:t>Get Sites Coordinated</a:t>
+            </a:r>
+          </a:p>
+          <a:p>
+            <a:pPr marL="285750" indent="-285750">
+              <a:buFontTx/>
+              <a:buChar char="•"/>
+            </a:pPr>
+            <a:r>
+              <a:rPr lang="en-US" sz="1400" dirty="0" smtClean="0"/>
+              <a:t>Get Suggestions</a:t>
+            </a:r>
+          </a:p>
+          <a:p>
+            <a:pPr marL="285750" indent="-285750">
+              <a:buFontTx/>
+              <a:buChar char="•"/>
+            </a:pPr>
+            <a:r>
+              <a:rPr lang="en-US" sz="1400" dirty="0" smtClean="0"/>
+              <a:t>Get Work Log</a:t>
+            </a:r>
+            <a:endParaRPr lang="en-US" sz="1400" dirty="0"/>
+          </a:p>
+        </p:txBody>
+      </p:sp>
+      <p:sp>
+        <p:nvSpPr>
+          <p:cNvPr id="3" name="TextBox 2"/>
+          <p:cNvSpPr txBox="1"/>
+          <p:nvPr/>
+        </p:nvSpPr>
+        <p:spPr>
+          <a:xfrm>
+            <a:off x="2764590" y="251242"/>
+            <a:ext cx="2031325" cy="3323987"/>
+          </a:xfrm>
+          <a:prstGeom prst="rect">
+            <a:avLst/>
+          </a:prstGeom>
+          <a:noFill/>
+        </p:spPr>
+        <p:txBody>
+          <a:bodyPr wrap="none" rtlCol="0">
+            <a:spAutoFit/>
+          </a:bodyPr>
+          <a:lstStyle/>
+          <a:p>
+            <a:r>
+              <a:rPr lang="en-US" sz="1400" dirty="0" smtClean="0"/>
+              <a:t>Sites</a:t>
+            </a:r>
+          </a:p>
+          <a:p>
+            <a:pPr marL="285750" indent="-285750">
+              <a:buFontTx/>
+              <a:buChar char="•"/>
+            </a:pPr>
+            <a:r>
+              <a:rPr lang="en-US" sz="1400" dirty="0" smtClean="0"/>
+              <a:t>Name</a:t>
+            </a:r>
+          </a:p>
+          <a:p>
+            <a:pPr marL="285750" indent="-285750">
+              <a:buFontTx/>
+              <a:buChar char="•"/>
+            </a:pPr>
+            <a:r>
+              <a:rPr lang="en-US" sz="1400" dirty="0" smtClean="0"/>
+              <a:t>Slug</a:t>
+            </a:r>
+          </a:p>
+          <a:p>
+            <a:pPr marL="285750" indent="-285750">
+              <a:buFontTx/>
+              <a:buChar char="•"/>
+            </a:pPr>
+            <a:r>
+              <a:rPr lang="en-US" sz="1400" dirty="0" smtClean="0"/>
+              <a:t>Street, City, State, ZIP</a:t>
+            </a:r>
+          </a:p>
+          <a:p>
+            <a:pPr marL="285750" indent="-285750">
+              <a:buFontTx/>
+              <a:buChar char="•"/>
+            </a:pPr>
+            <a:r>
+              <a:rPr lang="en-US" sz="1400" dirty="0" err="1" smtClean="0"/>
+              <a:t>Lat</a:t>
+            </a:r>
+            <a:r>
+              <a:rPr lang="en-US" sz="1400" dirty="0" smtClean="0"/>
+              <a:t>/Long/</a:t>
+            </a:r>
+            <a:r>
+              <a:rPr lang="en-US" sz="1400" dirty="0" err="1" smtClean="0"/>
+              <a:t>PlaceID</a:t>
+            </a:r>
+            <a:endParaRPr lang="en-US" sz="1400" dirty="0" smtClean="0"/>
+          </a:p>
+          <a:p>
+            <a:pPr marL="285750" indent="-285750">
+              <a:buFontTx/>
+              <a:buChar char="•"/>
+            </a:pPr>
+            <a:r>
+              <a:rPr lang="en-US" sz="1400" dirty="0" smtClean="0"/>
+              <a:t>Type (fixed, mobile)</a:t>
+            </a:r>
+          </a:p>
+          <a:p>
+            <a:pPr marL="285750" indent="-285750">
+              <a:buFontTx/>
+              <a:buChar char="•"/>
+            </a:pPr>
+            <a:r>
+              <a:rPr lang="en-US" sz="1400" dirty="0" smtClean="0"/>
+              <a:t>List of SC’s</a:t>
+            </a:r>
+          </a:p>
+          <a:p>
+            <a:pPr marL="285750" indent="-285750">
+              <a:buFontTx/>
+              <a:buChar char="•"/>
+            </a:pPr>
+            <a:r>
+              <a:rPr lang="en-US" sz="1400" dirty="0" err="1" smtClean="0"/>
+              <a:t>FirstDate</a:t>
+            </a:r>
+            <a:r>
+              <a:rPr lang="en-US" sz="1400" dirty="0" smtClean="0"/>
+              <a:t>, </a:t>
+            </a:r>
+            <a:r>
+              <a:rPr lang="en-US" sz="1400" dirty="0" err="1" smtClean="0"/>
+              <a:t>LastDate</a:t>
+            </a:r>
+            <a:endParaRPr lang="en-US" sz="1400" dirty="0" smtClean="0"/>
+          </a:p>
+          <a:p>
+            <a:pPr marL="285750" indent="-285750">
+              <a:buFontTx/>
+              <a:buChar char="•"/>
+            </a:pPr>
+            <a:r>
+              <a:rPr lang="en-US" sz="1400" dirty="0" smtClean="0"/>
+              <a:t>Capabilities</a:t>
+            </a:r>
+          </a:p>
+          <a:p>
+            <a:pPr marL="285750" indent="-285750">
+              <a:buFontTx/>
+              <a:buChar char="•"/>
+            </a:pPr>
+            <a:endParaRPr lang="en-US" sz="1400" dirty="0" smtClean="0"/>
+          </a:p>
+          <a:p>
+            <a:endParaRPr lang="en-US" sz="1400" dirty="0"/>
+          </a:p>
+          <a:p>
+            <a:r>
+              <a:rPr lang="en-US" sz="1400" dirty="0" smtClean="0"/>
+              <a:t>Methods</a:t>
+            </a:r>
+          </a:p>
+          <a:p>
+            <a:pPr marL="285750" indent="-285750">
+              <a:buFontTx/>
+              <a:buChar char="•"/>
+            </a:pPr>
+            <a:r>
+              <a:rPr lang="en-US" sz="1400" dirty="0" smtClean="0"/>
+              <a:t>Get Site Calendar</a:t>
+            </a:r>
+          </a:p>
+          <a:p>
+            <a:pPr marL="285750" indent="-285750">
+              <a:buFontTx/>
+              <a:buChar char="•"/>
+            </a:pPr>
+            <a:r>
+              <a:rPr lang="en-US" sz="1400" dirty="0" smtClean="0"/>
+              <a:t>Get Suggestions</a:t>
+            </a:r>
+          </a:p>
+          <a:p>
+            <a:pPr marL="285750" indent="-285750">
+              <a:buFontTx/>
+              <a:buChar char="•"/>
+            </a:pPr>
+            <a:r>
+              <a:rPr lang="en-US" sz="1400" dirty="0" smtClean="0"/>
+              <a:t>Get Work Log for Site</a:t>
+            </a:r>
+            <a:endParaRPr lang="en-US" sz="1400" dirty="0"/>
+          </a:p>
+        </p:txBody>
+      </p:sp>
+      <p:sp>
+        <p:nvSpPr>
+          <p:cNvPr id="4" name="TextBox 3"/>
+          <p:cNvSpPr txBox="1"/>
+          <p:nvPr/>
+        </p:nvSpPr>
+        <p:spPr>
+          <a:xfrm>
+            <a:off x="8537552" y="6280902"/>
+            <a:ext cx="513156" cy="400110"/>
+          </a:xfrm>
+          <a:prstGeom prst="rect">
+            <a:avLst/>
+          </a:prstGeom>
+          <a:noFill/>
+        </p:spPr>
+        <p:txBody>
+          <a:bodyPr wrap="none" rtlCol="0">
+            <a:spAutoFit/>
+          </a:bodyPr>
+          <a:lstStyle/>
+          <a:p>
+            <a:r>
+              <a:rPr lang="en-US" sz="2000" b="1" dirty="0" smtClean="0"/>
+              <a:t>2.0</a:t>
+            </a:r>
+            <a:endParaRPr lang="en-US" sz="2000" b="1" dirty="0"/>
+          </a:p>
+        </p:txBody>
+      </p:sp>
+    </p:spTree>
+    <p:extLst>
+      <p:ext uri="{BB962C8B-B14F-4D97-AF65-F5344CB8AC3E}">
+        <p14:creationId xmlns:p14="http://schemas.microsoft.com/office/powerpoint/2010/main" val="3649135926"/>
       </p:ext>
     </p:extLst>
   </p:cSld>
